--- a/lectures/09_SML/09_4_Ensemble_Classification.pptx
+++ b/lectures/09_SML/09_4_Ensemble_Classification.pptx
@@ -5,35 +5,36 @@
     <p:sldMasterId id="2147483676" r:id="rId1"/>
   </p:sldMasterIdLst>
   <p:notesMasterIdLst>
-    <p:notesMasterId r:id="rId28"/>
+    <p:notesMasterId r:id="rId29"/>
   </p:notesMasterIdLst>
   <p:sldIdLst>
     <p:sldId id="384" r:id="rId2"/>
     <p:sldId id="10967" r:id="rId3"/>
     <p:sldId id="1687" r:id="rId4"/>
-    <p:sldId id="10996" r:id="rId5"/>
-    <p:sldId id="11013" r:id="rId6"/>
-    <p:sldId id="11014" r:id="rId7"/>
-    <p:sldId id="10997" r:id="rId8"/>
-    <p:sldId id="11015" r:id="rId9"/>
-    <p:sldId id="11016" r:id="rId10"/>
-    <p:sldId id="11017" r:id="rId11"/>
-    <p:sldId id="11018" r:id="rId12"/>
-    <p:sldId id="11019" r:id="rId13"/>
-    <p:sldId id="10998" r:id="rId14"/>
-    <p:sldId id="11020" r:id="rId15"/>
-    <p:sldId id="11021" r:id="rId16"/>
-    <p:sldId id="11022" r:id="rId17"/>
-    <p:sldId id="11023" r:id="rId18"/>
-    <p:sldId id="11024" r:id="rId19"/>
-    <p:sldId id="11025" r:id="rId20"/>
-    <p:sldId id="11026" r:id="rId21"/>
-    <p:sldId id="11027" r:id="rId22"/>
-    <p:sldId id="11028" r:id="rId23"/>
-    <p:sldId id="11029" r:id="rId24"/>
-    <p:sldId id="10964" r:id="rId25"/>
-    <p:sldId id="10927" r:id="rId26"/>
-    <p:sldId id="10966" r:id="rId27"/>
+    <p:sldId id="11030" r:id="rId5"/>
+    <p:sldId id="10996" r:id="rId6"/>
+    <p:sldId id="11013" r:id="rId7"/>
+    <p:sldId id="11014" r:id="rId8"/>
+    <p:sldId id="10997" r:id="rId9"/>
+    <p:sldId id="11015" r:id="rId10"/>
+    <p:sldId id="11016" r:id="rId11"/>
+    <p:sldId id="11017" r:id="rId12"/>
+    <p:sldId id="11018" r:id="rId13"/>
+    <p:sldId id="11019" r:id="rId14"/>
+    <p:sldId id="10998" r:id="rId15"/>
+    <p:sldId id="11020" r:id="rId16"/>
+    <p:sldId id="11021" r:id="rId17"/>
+    <p:sldId id="11022" r:id="rId18"/>
+    <p:sldId id="11023" r:id="rId19"/>
+    <p:sldId id="11024" r:id="rId20"/>
+    <p:sldId id="11025" r:id="rId21"/>
+    <p:sldId id="11026" r:id="rId22"/>
+    <p:sldId id="11027" r:id="rId23"/>
+    <p:sldId id="11028" r:id="rId24"/>
+    <p:sldId id="11029" r:id="rId25"/>
+    <p:sldId id="10964" r:id="rId26"/>
+    <p:sldId id="10927" r:id="rId27"/>
+    <p:sldId id="10966" r:id="rId28"/>
   </p:sldIdLst>
   <p:sldSz cx="12192000" cy="6858000"/>
   <p:notesSz cx="6858000" cy="9144000"/>
@@ -152,6 +153,384 @@
 </p:cmAuthorLst>
 </file>
 
+<file path=ppt/ink/ink1.xml><?xml version="1.0" encoding="utf-8"?>
+<inkml:ink xmlns:inkml="http://www.w3.org/2003/InkML">
+  <inkml:definitions>
+    <inkml:context xml:id="ctx0">
+      <inkml:inkSource xml:id="inkSrc0">
+        <inkml:traceFormat>
+          <inkml:channel name="X" type="integer" min="-2.14748E9" max="2.14748E9" units="cm"/>
+          <inkml:channel name="Y" type="integer" min="-2.14748E9" max="2.14748E9" units="cm"/>
+          <inkml:channel name="F" type="integer" max="32767" units="dev"/>
+        </inkml:traceFormat>
+        <inkml:channelProperties>
+          <inkml:channelProperty channel="X" name="resolution" value="1000" units="1/cm"/>
+          <inkml:channelProperty channel="Y" name="resolution" value="1000" units="1/cm"/>
+          <inkml:channelProperty channel="F" name="resolution" value="0" units="1/dev"/>
+        </inkml:channelProperties>
+      </inkml:inkSource>
+      <inkml:timestamp xml:id="ts0" timeString="2023-11-02T15:42:47.361"/>
+    </inkml:context>
+    <inkml:brush xml:id="br0">
+      <inkml:brushProperty name="width" value="0.035" units="cm"/>
+      <inkml:brushProperty name="height" value="0.035" units="cm"/>
+    </inkml:brush>
+  </inkml:definitions>
+  <inkml:trace contextRef="#ctx0" brushRef="#br0">5003 0 24575,'-54'21'0,"0"1"0,-16 4 0,-6 3 0,6-3 0,-6 2 0,-2-2-852,-6 2 0,-2 0 1,-3-3 851,19-6 0,-2-2 0,-2-1 0,0-1 0,-4-2 0,-1-1 0,-2-2 0,0-2 0,0-1 0,-1-2 0,0-1 0,0-1 0,-2 0 0,0-1 0,-1-1 0,2 0 0,2-1 0,1 0 0,0-1 0,1-1 0,-19 0 0,1-2 0,2-3 0,5 1 0,2-3 0,1 0-13,4 0 1,1-2 0,1 0 12,4 1 0,0-1 0,1 1 0,4 2 0,1 2 0,0 1 305,-26-1 1,2 3-306,7 1 0,3 3 0,8 3 0,3 2 0,6 4 0,3 4 637,3 6 0,4 4-637,3 7 0,5 5 0,2 6 0,4 6 0,-2 9 0,3 3 30,14-15 0,0 1 0,1 0-30,1 2 0,0 0 0,1-1 0,2-1 0,0 0 0,1-2 2,-6 13 1,2-3-3,7-12 0,2-4 0,-7 14 0,13-23 0,8-17 0,2-5 0,2-5 0,0-1 0</inkml:trace>
+</inkml:ink>
+</file>
+
+<file path=ppt/ink/ink10.xml><?xml version="1.0" encoding="utf-8"?>
+<inkml:ink xmlns:inkml="http://www.w3.org/2003/InkML">
+  <inkml:definitions>
+    <inkml:context xml:id="ctx0">
+      <inkml:inkSource xml:id="inkSrc0">
+        <inkml:traceFormat>
+          <inkml:channel name="X" type="integer" min="-2.14748E9" max="2.14748E9" units="cm"/>
+          <inkml:channel name="Y" type="integer" min="-2.14748E9" max="2.14748E9" units="cm"/>
+          <inkml:channel name="F" type="integer" max="32767" units="dev"/>
+        </inkml:traceFormat>
+        <inkml:channelProperties>
+          <inkml:channelProperty channel="X" name="resolution" value="1000" units="1/cm"/>
+          <inkml:channelProperty channel="Y" name="resolution" value="1000" units="1/cm"/>
+          <inkml:channelProperty channel="F" name="resolution" value="0" units="1/dev"/>
+        </inkml:channelProperties>
+      </inkml:inkSource>
+      <inkml:timestamp xml:id="ts0" timeString="2023-11-02T15:42:47.370"/>
+    </inkml:context>
+    <inkml:brush xml:id="br0">
+      <inkml:brushProperty name="width" value="0.035" units="cm"/>
+      <inkml:brushProperty name="height" value="0.035" units="cm"/>
+    </inkml:brush>
+  </inkml:definitions>
+  <inkml:trace contextRef="#ctx0" brushRef="#br0">457 0 24575,'-8'19'0,"-6"2"0,-8 2 0,-5-3 0,2-5 0,5-6 0,6-5 0,5-2 0,2-2 0,-6 0 0,-7 3 0,-24 20 0,9-3 0,-17 18 0,17-8 0,-11 4 0,19-10 0,-2-2 0,22-15 0,5-4 0,3-3 0,4 1 0,5 2 0,9 6 0,13 6 0,18 10 0,21 7 0,-27-11 0,3 0 0,2 2 0,2 1 0,2 0 0,1 1 0,0 0 0,0 0 0,-5-1 0,-1-1 0,36 17 0,-24-8 0,-21-10 0,-16-7 0,-10-6 0,-7-6 0,-3-2 0,-3-1 0</inkml:trace>
+</inkml:ink>
+</file>
+
+<file path=ppt/ink/ink11.xml><?xml version="1.0" encoding="utf-8"?>
+<inkml:ink xmlns:inkml="http://www.w3.org/2003/InkML">
+  <inkml:definitions>
+    <inkml:context xml:id="ctx0">
+      <inkml:inkSource xml:id="inkSrc0">
+        <inkml:traceFormat>
+          <inkml:channel name="X" type="integer" min="-2.14748E9" max="2.14748E9" units="cm"/>
+          <inkml:channel name="Y" type="integer" min="-2.14748E9" max="2.14748E9" units="cm"/>
+          <inkml:channel name="F" type="integer" max="32767" units="dev"/>
+        </inkml:traceFormat>
+        <inkml:channelProperties>
+          <inkml:channelProperty channel="X" name="resolution" value="1000" units="1/cm"/>
+          <inkml:channelProperty channel="Y" name="resolution" value="1000" units="1/cm"/>
+          <inkml:channelProperty channel="F" name="resolution" value="0" units="1/dev"/>
+        </inkml:channelProperties>
+      </inkml:inkSource>
+      <inkml:timestamp xml:id="ts0" timeString="2023-11-02T15:42:47.371"/>
+    </inkml:context>
+    <inkml:brush xml:id="br0">
+      <inkml:brushProperty name="width" value="0.035" units="cm"/>
+      <inkml:brushProperty name="height" value="0.035" units="cm"/>
+    </inkml:brush>
+  </inkml:definitions>
+  <inkml:trace contextRef="#ctx0" brushRef="#br0">87 1 24575,'0'12'0,"0"10"0,0 17 0,0 17 0,0 17 0,-4 9 0,-4 4 0,-5 4 0,-1-7 0,2-7 0,2-13 0,3-17 0,3-14 0,-1-13 0,3-10 0,-3-3 0,4-6 0,0 0 0</inkml:trace>
+</inkml:ink>
+</file>
+
+<file path=ppt/ink/ink12.xml><?xml version="1.0" encoding="utf-8"?>
+<inkml:ink xmlns:inkml="http://www.w3.org/2003/InkML">
+  <inkml:definitions>
+    <inkml:context xml:id="ctx0">
+      <inkml:inkSource xml:id="inkSrc0">
+        <inkml:traceFormat>
+          <inkml:channel name="X" type="integer" min="-2.14748E9" max="2.14748E9" units="cm"/>
+          <inkml:channel name="Y" type="integer" min="-2.14748E9" max="2.14748E9" units="cm"/>
+          <inkml:channel name="F" type="integer" max="32767" units="dev"/>
+        </inkml:traceFormat>
+        <inkml:channelProperties>
+          <inkml:channelProperty channel="X" name="resolution" value="1000" units="1/cm"/>
+          <inkml:channelProperty channel="Y" name="resolution" value="1000" units="1/cm"/>
+          <inkml:channelProperty channel="F" name="resolution" value="0" units="1/dev"/>
+        </inkml:channelProperties>
+      </inkml:inkSource>
+      <inkml:timestamp xml:id="ts0" timeString="2023-11-02T15:42:47.372"/>
+    </inkml:context>
+    <inkml:brush xml:id="br0">
+      <inkml:brushProperty name="width" value="0.035" units="cm"/>
+      <inkml:brushProperty name="height" value="0.035" units="cm"/>
+    </inkml:brush>
+  </inkml:definitions>
+  <inkml:trace contextRef="#ctx0" brushRef="#br0">0 0 24575,'0'8'0,"0"2"0,0 6 0,0 2 0,0-1 0,0-3 0,0 1 0,0 2 0,0 5 0,1 2 0,4 2 0,5 3 0,3-1 0,3-1 0,-1-2 0,0-3 0,0-2 0,-3-1 0,-3-5 0,-2-4 0,-2-6 0,3-5 0,6-4 0,10-4 0,16-8 0,13-9 0,12-10 0,8-5 0,-3 0 0,-7 6 0,-10 8 0,-13 8 0,-10 6 0,-8 5 0,-7 3 0,-5 2 0,-3 1 0,-2 1 0,-4 1 0,1 0 0</inkml:trace>
+</inkml:ink>
+</file>
+
+<file path=ppt/ink/ink13.xml><?xml version="1.0" encoding="utf-8"?>
+<inkml:ink xmlns:inkml="http://www.w3.org/2003/InkML">
+  <inkml:definitions>
+    <inkml:context xml:id="ctx0">
+      <inkml:inkSource xml:id="inkSrc0">
+        <inkml:traceFormat>
+          <inkml:channel name="X" type="integer" min="-2.14748E9" max="2.14748E9" units="cm"/>
+          <inkml:channel name="Y" type="integer" min="-2.14748E9" max="2.14748E9" units="cm"/>
+          <inkml:channel name="F" type="integer" max="32767" units="dev"/>
+        </inkml:traceFormat>
+        <inkml:channelProperties>
+          <inkml:channelProperty channel="X" name="resolution" value="1000" units="1/cm"/>
+          <inkml:channelProperty channel="Y" name="resolution" value="1000" units="1/cm"/>
+          <inkml:channelProperty channel="F" name="resolution" value="0" units="1/dev"/>
+        </inkml:channelProperties>
+      </inkml:inkSource>
+      <inkml:timestamp xml:id="ts0" timeString="2023-11-02T15:42:47.373"/>
+    </inkml:context>
+    <inkml:brush xml:id="br0">
+      <inkml:brushProperty name="width" value="0.035" units="cm"/>
+      <inkml:brushProperty name="height" value="0.035" units="cm"/>
+    </inkml:brush>
+  </inkml:definitions>
+  <inkml:trace contextRef="#ctx0" brushRef="#br0">1 345 24575,'20'1'0,"4"5"0,3 7 0,0 4 0,-2 4 0,-4-2 0,-2-2 0,-3-3 0,-2-2 0,1-1 0,0 0 0,2 2 0,1-1 0,2 1 0,0 0 0,-1-2 0,-4 0 0,-3-4 0,-5-2 0,-2-2 0,-2 1 0,1 1 0,2-2 0,-1 0 0,0-1 0,-1-2 0,-2-1 0,0-2 0,-2-1 0,0-4 0,1-1 0,3-5 0,2-3 0,5-6 0,1-6 0,2-6 0,0-4 0,1-5 0,2-1 0,0 2 0,-2 4 0,-1 6 0,-2 4 0,-1 4 0,1 1 0,0 0 0,1-1 0,1 1 0,-1 4 0,-2 5 0,-4 4 0,-4 6 0,-1 2 0</inkml:trace>
+</inkml:ink>
+</file>
+
+<file path=ppt/ink/ink14.xml><?xml version="1.0" encoding="utf-8"?>
+<inkml:ink xmlns:inkml="http://www.w3.org/2003/InkML">
+  <inkml:definitions>
+    <inkml:context xml:id="ctx0">
+      <inkml:inkSource xml:id="inkSrc0">
+        <inkml:traceFormat>
+          <inkml:channel name="X" type="integer" min="-2.14748E9" max="2.14748E9" units="cm"/>
+          <inkml:channel name="Y" type="integer" min="-2.14748E9" max="2.14748E9" units="cm"/>
+          <inkml:channel name="F" type="integer" max="32767" units="dev"/>
+        </inkml:traceFormat>
+        <inkml:channelProperties>
+          <inkml:channelProperty channel="X" name="resolution" value="1000" units="1/cm"/>
+          <inkml:channelProperty channel="Y" name="resolution" value="1000" units="1/cm"/>
+          <inkml:channelProperty channel="F" name="resolution" value="0" units="1/dev"/>
+        </inkml:channelProperties>
+      </inkml:inkSource>
+      <inkml:timestamp xml:id="ts0" timeString="2023-11-02T15:42:47.374"/>
+    </inkml:context>
+    <inkml:brush xml:id="br0">
+      <inkml:brushProperty name="width" value="0.035" units="cm"/>
+      <inkml:brushProperty name="height" value="0.035" units="cm"/>
+    </inkml:brush>
+  </inkml:definitions>
+  <inkml:trace contextRef="#ctx0" brushRef="#br0">1 0 24575,'15'0'0,"4"2"0,4 5 0,5 5 0,0 5 0,-1 0 0,1 0 0,-2 1 0,0 0 0,-1-1 0,0-3 0,1-1 0,1 1 0,2-1 0,0 3 0,1 0 0,-2-2 0,-6-1 0,-3-1 0,-4-1 0,-3-1 0,-3 0 0,-3-2 0,-2 1 0,-1 2 0,1 1 0,1 4 0,1 1 0,-1 0 0,-1-2 0,-3-2 0,-2-5 0,-5-4 0,-6-2 0,-7-2 0,-8 5 0,-7 4 0,-6 5 0,-7 3 0,-4 2 0,-1 0 0,2 1 0,5 0 0,8-1 0,7-1 0,7-1 0,5-3 0,5-1 0,4-4 0,4-2 0,2-2 0,1-3 0,0 1 0</inkml:trace>
+</inkml:ink>
+</file>
+
+<file path=ppt/ink/ink2.xml><?xml version="1.0" encoding="utf-8"?>
+<inkml:ink xmlns:inkml="http://www.w3.org/2003/InkML">
+  <inkml:definitions>
+    <inkml:context xml:id="ctx0">
+      <inkml:inkSource xml:id="inkSrc0">
+        <inkml:traceFormat>
+          <inkml:channel name="X" type="integer" min="-2.14748E9" max="2.14748E9" units="cm"/>
+          <inkml:channel name="Y" type="integer" min="-2.14748E9" max="2.14748E9" units="cm"/>
+          <inkml:channel name="F" type="integer" max="32767" units="dev"/>
+        </inkml:traceFormat>
+        <inkml:channelProperties>
+          <inkml:channelProperty channel="X" name="resolution" value="1000" units="1/cm"/>
+          <inkml:channelProperty channel="Y" name="resolution" value="1000" units="1/cm"/>
+          <inkml:channelProperty channel="F" name="resolution" value="0" units="1/dev"/>
+        </inkml:channelProperties>
+      </inkml:inkSource>
+      <inkml:timestamp xml:id="ts0" timeString="2023-11-02T15:42:47.362"/>
+    </inkml:context>
+    <inkml:brush xml:id="br0">
+      <inkml:brushProperty name="width" value="0.035" units="cm"/>
+      <inkml:brushProperty name="height" value="0.035" units="cm"/>
+    </inkml:brush>
+  </inkml:definitions>
+  <inkml:trace contextRef="#ctx0" brushRef="#br0">0 1 24575,'0'17'0,"0"15"0,0 14 0,0 7 0,0-6 0,0-15 0,0-10 0,0-9 0,0 3 0,0 11 0,2 10 0,2 5 0,2-6 0,0-11 0,-3-9 0,0-8 0,0-6 0,-1-2 0,2-4 0,5-4 0,13-6 0,26-8 0,28-9 0,-24 12 0,3 0 0,6-2 0,1 2 0,4-2 0,0 2 0,-2 0 0,0 2 0,-6 2 0,-3 1 0,38-10 0,-28 9 0,-21 6 0,-12 4 0,-17 5 0,-4 0 0</inkml:trace>
+</inkml:ink>
+</file>
+
+<file path=ppt/ink/ink3.xml><?xml version="1.0" encoding="utf-8"?>
+<inkml:ink xmlns:inkml="http://www.w3.org/2003/InkML">
+  <inkml:definitions>
+    <inkml:context xml:id="ctx0">
+      <inkml:inkSource xml:id="inkSrc0">
+        <inkml:traceFormat>
+          <inkml:channel name="X" type="integer" min="-2.14748E9" max="2.14748E9" units="cm"/>
+          <inkml:channel name="Y" type="integer" min="-2.14748E9" max="2.14748E9" units="cm"/>
+          <inkml:channel name="F" type="integer" max="32767" units="dev"/>
+        </inkml:traceFormat>
+        <inkml:channelProperties>
+          <inkml:channelProperty channel="X" name="resolution" value="1000" units="1/cm"/>
+          <inkml:channelProperty channel="Y" name="resolution" value="1000" units="1/cm"/>
+          <inkml:channelProperty channel="F" name="resolution" value="0" units="1/dev"/>
+        </inkml:channelProperties>
+      </inkml:inkSource>
+      <inkml:timestamp xml:id="ts0" timeString="2023-11-02T15:42:47.363"/>
+    </inkml:context>
+    <inkml:brush xml:id="br0">
+      <inkml:brushProperty name="width" value="0.035" units="cm"/>
+      <inkml:brushProperty name="height" value="0.035" units="cm"/>
+    </inkml:brush>
+  </inkml:definitions>
+  <inkml:trace contextRef="#ctx0" brushRef="#br0">1785 1 24575,'0'6'0,"0"3"0,0 14 0,0 6 0,0 7 0,-10 7 0,-27 5 0,3-20 0,-8-1 0,-14 3 0,-6-1 0,-12 1 0,-4-1 0,1-1 0,1-2 0,2 0 0,1-1 0,6-2 0,2-1 0,7-2 0,2 1 0,-1 2 0,2 2 0,2 1 0,3 3 0,0 3 0,2 3 0,-2 5 0,2 2 0,1 2 0,1 1 0,2 1 0,0 1 0,3-3 0,3 0 0,6-5 0,2-3 0,-16 26 0,15-14 0,14-8 0,6-7 0,5-4 0,4-7 0,2-7 0,0-6 0,0-6 0,0-1 0</inkml:trace>
+</inkml:ink>
+</file>
+
+<file path=ppt/ink/ink4.xml><?xml version="1.0" encoding="utf-8"?>
+<inkml:ink xmlns:inkml="http://www.w3.org/2003/InkML">
+  <inkml:definitions>
+    <inkml:context xml:id="ctx0">
+      <inkml:inkSource xml:id="inkSrc0">
+        <inkml:traceFormat>
+          <inkml:channel name="X" type="integer" min="-2.14748E9" max="2.14748E9" units="cm"/>
+          <inkml:channel name="Y" type="integer" min="-2.14748E9" max="2.14748E9" units="cm"/>
+          <inkml:channel name="F" type="integer" max="32767" units="dev"/>
+        </inkml:traceFormat>
+        <inkml:channelProperties>
+          <inkml:channelProperty channel="X" name="resolution" value="1000" units="1/cm"/>
+          <inkml:channelProperty channel="Y" name="resolution" value="1000" units="1/cm"/>
+          <inkml:channelProperty channel="F" name="resolution" value="0" units="1/dev"/>
+        </inkml:channelProperties>
+      </inkml:inkSource>
+      <inkml:timestamp xml:id="ts0" timeString="2023-11-02T15:42:47.364"/>
+    </inkml:context>
+    <inkml:brush xml:id="br0">
+      <inkml:brushProperty name="width" value="0.035" units="cm"/>
+      <inkml:brushProperty name="height" value="0.035" units="cm"/>
+    </inkml:brush>
+  </inkml:definitions>
+  <inkml:trace contextRef="#ctx0" brushRef="#br0">1 1 24575,'0'15'0,"0"1"0,0 4 0,0 0 0,0 0 0,0-2 0,0-2 0,0 2 0,0 3 0,1 3 0,4 6 0,4 5 0,8 1 0,2-1 0,1-2 0,-2-4 0,-2-7 0,-3-7 0,-3-5 0,-4-6 0,-1-1 0,0-2 0,6-2 0,20-6 0,21-10 0,36-12 0,-30 8 0,3-2 0,8-2 0,1-1 0,4-2 0,-1 0 0,-2 1 0,-1 1 0,-5 2 0,-3 1 0,-7 4 0,-2 2 0,34-9 0,-29 12 0,-23 7 0,-16 5 0,-11 0 0,-5-1 0,-3 2 0,0-2 0</inkml:trace>
+</inkml:ink>
+</file>
+
+<file path=ppt/ink/ink5.xml><?xml version="1.0" encoding="utf-8"?>
+<inkml:ink xmlns:inkml="http://www.w3.org/2003/InkML">
+  <inkml:definitions>
+    <inkml:context xml:id="ctx0">
+      <inkml:inkSource xml:id="inkSrc0">
+        <inkml:traceFormat>
+          <inkml:channel name="X" type="integer" min="-2.14748E9" max="2.14748E9" units="cm"/>
+          <inkml:channel name="Y" type="integer" min="-2.14748E9" max="2.14748E9" units="cm"/>
+          <inkml:channel name="F" type="integer" max="32767" units="dev"/>
+        </inkml:traceFormat>
+        <inkml:channelProperties>
+          <inkml:channelProperty channel="X" name="resolution" value="1000" units="1/cm"/>
+          <inkml:channelProperty channel="Y" name="resolution" value="1000" units="1/cm"/>
+          <inkml:channelProperty channel="F" name="resolution" value="0" units="1/dev"/>
+        </inkml:channelProperties>
+      </inkml:inkSource>
+      <inkml:timestamp xml:id="ts0" timeString="2023-11-02T15:42:47.365"/>
+    </inkml:context>
+    <inkml:brush xml:id="br0">
+      <inkml:brushProperty name="width" value="0.035" units="cm"/>
+      <inkml:brushProperty name="height" value="0.035" units="cm"/>
+    </inkml:brush>
+  </inkml:definitions>
+  <inkml:trace contextRef="#ctx0" brushRef="#br0">0 1 24575,'37'4'0,"39"8"0,-7-3 0,11 1 0,-9-2 0,5 1 0,4-1-1038,15 1 1,5 1 0,1-1 1037,-19-2 0,2 2 0,0-2 0,0 1 0,0 1 0,1 1 0,-1-1 0,-1 2 0,-2 1 0,-1 0 0,0 1 0,-3 1 71,15 3 1,-3 3 0,-3-1-72,-11 0 0,-3 1 0,-3 0 341,16 7 1,-7 1-342,-19-5 0,-5 1 0,26 18 0,-29-7 1569,-19-6-1569,-8 3 645,-5 11-645,-2 16 0,-10-18 0,-2 3 0,-1 8 0,-2 4 0,0 3 0,-1 1 0,-1-1 0,0 0 0,0-5 0,0-3 0,0-10 0,0-4 0,0 18 0,0-21 0,0-19 0,0-8 0,0-7 0</inkml:trace>
+</inkml:ink>
+</file>
+
+<file path=ppt/ink/ink6.xml><?xml version="1.0" encoding="utf-8"?>
+<inkml:ink xmlns:inkml="http://www.w3.org/2003/InkML">
+  <inkml:definitions>
+    <inkml:context xml:id="ctx0">
+      <inkml:inkSource xml:id="inkSrc0">
+        <inkml:traceFormat>
+          <inkml:channel name="X" type="integer" min="-2.14748E9" max="2.14748E9" units="cm"/>
+          <inkml:channel name="Y" type="integer" min="-2.14748E9" max="2.14748E9" units="cm"/>
+          <inkml:channel name="F" type="integer" max="32767" units="dev"/>
+        </inkml:traceFormat>
+        <inkml:channelProperties>
+          <inkml:channelProperty channel="X" name="resolution" value="1000" units="1/cm"/>
+          <inkml:channelProperty channel="Y" name="resolution" value="1000" units="1/cm"/>
+          <inkml:channelProperty channel="F" name="resolution" value="0" units="1/dev"/>
+        </inkml:channelProperties>
+      </inkml:inkSource>
+      <inkml:timestamp xml:id="ts0" timeString="2023-11-02T15:42:47.366"/>
+    </inkml:context>
+    <inkml:brush xml:id="br0">
+      <inkml:brushProperty name="width" value="0.035" units="cm"/>
+      <inkml:brushProperty name="height" value="0.035" units="cm"/>
+    </inkml:brush>
+  </inkml:definitions>
+  <inkml:trace contextRef="#ctx0" brushRef="#br0">1 16 24575,'12'16'0,"9"4"0,10 7 0,3 1 0,-2 0 0,-6-1 0,-5-3 0,-5 0 0,-6-4 0,-4-3 0,-2-2 0,2-1 0,2 1 0,3 0 0,-1 0 0,-2-1 0,-1-5 0,0-3 0,-2-1 0,0 1 0,0 3 0,3 2 0,2 3 0,1 1 0,1 2 0,-1 0 0,2 1 0,1 1 0,-1-2 0,0-1 0,-1-2 0,-3-2 0,-2-3 0,-2-4 0,-2-2 0,0-2 0,2-1 0,7-5 0,23-18 0,34-26 0,-18 11 0,4-4 0,5-4 0,2-2 0,0 1 0,0 2 0,-7 4 0,-1 4 0,-10 7 0,-2 2 0,23-12 0,-25 17 0,-15 12 0,-16 8 0,-1 2 0</inkml:trace>
+</inkml:ink>
+</file>
+
+<file path=ppt/ink/ink7.xml><?xml version="1.0" encoding="utf-8"?>
+<inkml:ink xmlns:inkml="http://www.w3.org/2003/InkML">
+  <inkml:definitions>
+    <inkml:context xml:id="ctx0">
+      <inkml:inkSource xml:id="inkSrc0">
+        <inkml:traceFormat>
+          <inkml:channel name="X" type="integer" min="-2.14748E9" max="2.14748E9" units="cm"/>
+          <inkml:channel name="Y" type="integer" min="-2.14748E9" max="2.14748E9" units="cm"/>
+          <inkml:channel name="F" type="integer" max="32767" units="dev"/>
+        </inkml:traceFormat>
+        <inkml:channelProperties>
+          <inkml:channelProperty channel="X" name="resolution" value="1000" units="1/cm"/>
+          <inkml:channelProperty channel="Y" name="resolution" value="1000" units="1/cm"/>
+          <inkml:channelProperty channel="F" name="resolution" value="0" units="1/dev"/>
+        </inkml:channelProperties>
+      </inkml:inkSource>
+      <inkml:timestamp xml:id="ts0" timeString="2023-11-02T15:42:47.367"/>
+    </inkml:context>
+    <inkml:brush xml:id="br0">
+      <inkml:brushProperty name="width" value="0.035" units="cm"/>
+      <inkml:brushProperty name="height" value="0.035" units="cm"/>
+    </inkml:brush>
+  </inkml:definitions>
+  <inkml:trace contextRef="#ctx0" brushRef="#br0">1 1 24575,'38'4'0,"29"19"0,-5 4 0,7 7 0,-7-4 0,5 2 0,3 2-982,-2-3 0,3 2 0,4 1 0,1 0 982,11 4 0,5 0 0,2 0 0,1 0-506,-10-5 1,1-1 0,1 1 0,2-1 0,0 1 505,-8-4 0,0 0 0,1 0 0,1 0 0,1-1 0,-2 0 0,3 0 0,2 0 0,-1 0 0,0-1 0,1-1 0,-2 0 0,0-1 0,-1 0 0,0 0 0,1-2 0,-1 0 0,-1-2 0,-1 0 0,0-2 0,0-1 0,-1 0 0,0-1 0,-1-2 0,11 2 0,1-2 0,-3-2 0,1 0 0,-4-2 64,10 1 1,-1-2-1,-3-1 1,-3-2-65,-9-1 0,-2-2 0,-3 0 0,-3 0 0,2-1 0,-3 1 0,-6-1 0,8 2 0,-9 1 1604,29 3-1604,-44 3 3085,-19-3-3085,-20-1 376,-1-1 1,-9-4 0,0 0 0</inkml:trace>
+</inkml:ink>
+</file>
+
+<file path=ppt/ink/ink8.xml><?xml version="1.0" encoding="utf-8"?>
+<inkml:ink xmlns:inkml="http://www.w3.org/2003/InkML">
+  <inkml:definitions>
+    <inkml:context xml:id="ctx0">
+      <inkml:inkSource xml:id="inkSrc0">
+        <inkml:traceFormat>
+          <inkml:channel name="X" type="integer" min="-2.14748E9" max="2.14748E9" units="cm"/>
+          <inkml:channel name="Y" type="integer" min="-2.14748E9" max="2.14748E9" units="cm"/>
+          <inkml:channel name="F" type="integer" max="32767" units="dev"/>
+        </inkml:traceFormat>
+        <inkml:channelProperties>
+          <inkml:channelProperty channel="X" name="resolution" value="1000" units="1/cm"/>
+          <inkml:channelProperty channel="Y" name="resolution" value="1000" units="1/cm"/>
+          <inkml:channelProperty channel="F" name="resolution" value="0" units="1/dev"/>
+        </inkml:channelProperties>
+      </inkml:inkSource>
+      <inkml:timestamp xml:id="ts0" timeString="2023-11-02T15:42:47.368"/>
+    </inkml:context>
+    <inkml:brush xml:id="br0">
+      <inkml:brushProperty name="width" value="0.035" units="cm"/>
+      <inkml:brushProperty name="height" value="0.035" units="cm"/>
+    </inkml:brush>
+  </inkml:definitions>
+  <inkml:trace contextRef="#ctx0" brushRef="#br0">0 0 24575,'19'19'0,"18"29"0,22 34 0,-16-26 0,1 3 0,9 7 0,1 1 0,5 0 0,1 0 0,2-2 0,1-3 0,-4-5 0,-2-1 0,-2-7 0,-3-3 0,-5-5 0,-2-2 0,37 26 0,-16-14 0,-16-13 0,-14-9 0,-13-9 0,-8-6 0,-5-6 0,-7-1 0,-1-3 0,-2-1 0</inkml:trace>
+</inkml:ink>
+</file>
+
+<file path=ppt/ink/ink9.xml><?xml version="1.0" encoding="utf-8"?>
+<inkml:ink xmlns:inkml="http://www.w3.org/2003/InkML">
+  <inkml:definitions>
+    <inkml:context xml:id="ctx0">
+      <inkml:inkSource xml:id="inkSrc0">
+        <inkml:traceFormat>
+          <inkml:channel name="X" type="integer" min="-2.14748E9" max="2.14748E9" units="cm"/>
+          <inkml:channel name="Y" type="integer" min="-2.14748E9" max="2.14748E9" units="cm"/>
+          <inkml:channel name="F" type="integer" max="32767" units="dev"/>
+        </inkml:traceFormat>
+        <inkml:channelProperties>
+          <inkml:channelProperty channel="X" name="resolution" value="1000" units="1/cm"/>
+          <inkml:channelProperty channel="Y" name="resolution" value="1000" units="1/cm"/>
+          <inkml:channelProperty channel="F" name="resolution" value="0" units="1/dev"/>
+        </inkml:channelProperties>
+      </inkml:inkSource>
+      <inkml:timestamp xml:id="ts0" timeString="2023-11-02T15:42:47.369"/>
+    </inkml:context>
+    <inkml:brush xml:id="br0">
+      <inkml:brushProperty name="width" value="0.035" units="cm"/>
+      <inkml:brushProperty name="height" value="0.035" units="cm"/>
+    </inkml:brush>
+  </inkml:definitions>
+  <inkml:trace contextRef="#ctx0" brushRef="#br0">2651 1 24575,'-13'22'0,"-25"24"0,-34 33 0,24-27 0,-3 3 0,-11 5 0,-1 2 0,-8 2 0,-1-1 0,-10 2 0,-4-1 0,20-20 0,-5 0 0,-1-1-396,-13 2 1,-4 1 0,-2-2 395,-12 0 0,-3 1 0,0-4 0,-2 0 0,2-3 0,-2-2 0,7-3 0,-1-2 0,6-3 0,14-5 0,3-3 0,4 0 0,-9 1 0,7-4 0,-27 5 0,52-12 0,32-9 0,11-1 0</inkml:trace>
+</inkml:ink>
+</file>
+
 <file path=ppt/notesMasters/notesMaster1.xml><?xml version="1.0" encoding="utf-8"?>
 <p:notesMaster xmlns:a="http://schemas.openxmlformats.org/drawingml/2006/main" xmlns:r="http://schemas.openxmlformats.org/officeDocument/2006/relationships" xmlns:p="http://schemas.openxmlformats.org/presentationml/2006/main">
   <p:cSld>
@@ -234,7 +613,7 @@
           <a:p>
             <a:fld id="{CC7A41CC-C61C-2F43-A643-7ED1F9C31B07}" type="datetimeFigureOut">
               <a:rPr lang="it-IT" smtClean="0"/>
-              <a:t>31/10/23</a:t>
+              <a:t>02/11/23</a:t>
             </a:fld>
             <a:endParaRPr lang="it-IT" dirty="0"/>
           </a:p>
@@ -660,7 +1039,7 @@
     </p:spTree>
     <p:extLst>
       <p:ext uri="{BB962C8B-B14F-4D97-AF65-F5344CB8AC3E}">
-        <p14:creationId xmlns:p14="http://schemas.microsoft.com/office/powerpoint/2010/main" val="1410057352"/>
+        <p14:creationId xmlns:p14="http://schemas.microsoft.com/office/powerpoint/2010/main" val="2713291949"/>
       </p:ext>
     </p:extLst>
   </p:cSld>
@@ -744,7 +1123,7 @@
     </p:spTree>
     <p:extLst>
       <p:ext uri="{BB962C8B-B14F-4D97-AF65-F5344CB8AC3E}">
-        <p14:creationId xmlns:p14="http://schemas.microsoft.com/office/powerpoint/2010/main" val="509846502"/>
+        <p14:creationId xmlns:p14="http://schemas.microsoft.com/office/powerpoint/2010/main" val="1410057352"/>
       </p:ext>
     </p:extLst>
   </p:cSld>
@@ -828,7 +1207,7 @@
     </p:spTree>
     <p:extLst>
       <p:ext uri="{BB962C8B-B14F-4D97-AF65-F5344CB8AC3E}">
-        <p14:creationId xmlns:p14="http://schemas.microsoft.com/office/powerpoint/2010/main" val="3135499773"/>
+        <p14:creationId xmlns:p14="http://schemas.microsoft.com/office/powerpoint/2010/main" val="509846502"/>
       </p:ext>
     </p:extLst>
   </p:cSld>
@@ -912,7 +1291,7 @@
     </p:spTree>
     <p:extLst>
       <p:ext uri="{BB962C8B-B14F-4D97-AF65-F5344CB8AC3E}">
-        <p14:creationId xmlns:p14="http://schemas.microsoft.com/office/powerpoint/2010/main" val="1348122086"/>
+        <p14:creationId xmlns:p14="http://schemas.microsoft.com/office/powerpoint/2010/main" val="3135499773"/>
       </p:ext>
     </p:extLst>
   </p:cSld>
@@ -996,7 +1375,7 @@
     </p:spTree>
     <p:extLst>
       <p:ext uri="{BB962C8B-B14F-4D97-AF65-F5344CB8AC3E}">
-        <p14:creationId xmlns:p14="http://schemas.microsoft.com/office/powerpoint/2010/main" val="2549993920"/>
+        <p14:creationId xmlns:p14="http://schemas.microsoft.com/office/powerpoint/2010/main" val="1348122086"/>
       </p:ext>
     </p:extLst>
   </p:cSld>
@@ -1080,7 +1459,7 @@
     </p:spTree>
     <p:extLst>
       <p:ext uri="{BB962C8B-B14F-4D97-AF65-F5344CB8AC3E}">
-        <p14:creationId xmlns:p14="http://schemas.microsoft.com/office/powerpoint/2010/main" val="3098084230"/>
+        <p14:creationId xmlns:p14="http://schemas.microsoft.com/office/powerpoint/2010/main" val="2549993920"/>
       </p:ext>
     </p:extLst>
   </p:cSld>
@@ -1164,7 +1543,7 @@
     </p:spTree>
     <p:extLst>
       <p:ext uri="{BB962C8B-B14F-4D97-AF65-F5344CB8AC3E}">
-        <p14:creationId xmlns:p14="http://schemas.microsoft.com/office/powerpoint/2010/main" val="1380986514"/>
+        <p14:creationId xmlns:p14="http://schemas.microsoft.com/office/powerpoint/2010/main" val="3098084230"/>
       </p:ext>
     </p:extLst>
   </p:cSld>
@@ -1248,7 +1627,7 @@
     </p:spTree>
     <p:extLst>
       <p:ext uri="{BB962C8B-B14F-4D97-AF65-F5344CB8AC3E}">
-        <p14:creationId xmlns:p14="http://schemas.microsoft.com/office/powerpoint/2010/main" val="1389218436"/>
+        <p14:creationId xmlns:p14="http://schemas.microsoft.com/office/powerpoint/2010/main" val="1380986514"/>
       </p:ext>
     </p:extLst>
   </p:cSld>
@@ -1332,7 +1711,7 @@
     </p:spTree>
     <p:extLst>
       <p:ext uri="{BB962C8B-B14F-4D97-AF65-F5344CB8AC3E}">
-        <p14:creationId xmlns:p14="http://schemas.microsoft.com/office/powerpoint/2010/main" val="130068323"/>
+        <p14:creationId xmlns:p14="http://schemas.microsoft.com/office/powerpoint/2010/main" val="1389218436"/>
       </p:ext>
     </p:extLst>
   </p:cSld>
@@ -1416,7 +1795,7 @@
     </p:spTree>
     <p:extLst>
       <p:ext uri="{BB962C8B-B14F-4D97-AF65-F5344CB8AC3E}">
-        <p14:creationId xmlns:p14="http://schemas.microsoft.com/office/powerpoint/2010/main" val="786304801"/>
+        <p14:creationId xmlns:p14="http://schemas.microsoft.com/office/powerpoint/2010/main" val="130068323"/>
       </p:ext>
     </p:extLst>
   </p:cSld>
@@ -1621,7 +2000,7 @@
     </p:spTree>
     <p:extLst>
       <p:ext uri="{BB962C8B-B14F-4D97-AF65-F5344CB8AC3E}">
-        <p14:creationId xmlns:p14="http://schemas.microsoft.com/office/powerpoint/2010/main" val="1917263029"/>
+        <p14:creationId xmlns:p14="http://schemas.microsoft.com/office/powerpoint/2010/main" val="786304801"/>
       </p:ext>
     </p:extLst>
   </p:cSld>
@@ -1705,7 +2084,7 @@
     </p:spTree>
     <p:extLst>
       <p:ext uri="{BB962C8B-B14F-4D97-AF65-F5344CB8AC3E}">
-        <p14:creationId xmlns:p14="http://schemas.microsoft.com/office/powerpoint/2010/main" val="787559953"/>
+        <p14:creationId xmlns:p14="http://schemas.microsoft.com/office/powerpoint/2010/main" val="1917263029"/>
       </p:ext>
     </p:extLst>
   </p:cSld>
@@ -1789,7 +2168,7 @@
     </p:spTree>
     <p:extLst>
       <p:ext uri="{BB962C8B-B14F-4D97-AF65-F5344CB8AC3E}">
-        <p14:creationId xmlns:p14="http://schemas.microsoft.com/office/powerpoint/2010/main" val="3823585927"/>
+        <p14:creationId xmlns:p14="http://schemas.microsoft.com/office/powerpoint/2010/main" val="787559953"/>
       </p:ext>
     </p:extLst>
   </p:cSld>
@@ -1873,6 +2252,90 @@
     </p:spTree>
     <p:extLst>
       <p:ext uri="{BB962C8B-B14F-4D97-AF65-F5344CB8AC3E}">
+        <p14:creationId xmlns:p14="http://schemas.microsoft.com/office/powerpoint/2010/main" val="3823585927"/>
+      </p:ext>
+    </p:extLst>
+  </p:cSld>
+  <p:clrMapOvr>
+    <a:masterClrMapping/>
+  </p:clrMapOvr>
+</p:notes>
+</file>
+
+<file path=ppt/notesSlides/notesSlide24.xml><?xml version="1.0" encoding="utf-8"?>
+<p:notes xmlns:a="http://schemas.openxmlformats.org/drawingml/2006/main" xmlns:r="http://schemas.openxmlformats.org/officeDocument/2006/relationships" xmlns:p="http://schemas.openxmlformats.org/presentationml/2006/main">
+  <p:cSld>
+    <p:spTree>
+      <p:nvGrpSpPr>
+        <p:cNvPr id="1" name=""/>
+        <p:cNvGrpSpPr/>
+        <p:nvPr/>
+      </p:nvGrpSpPr>
+      <p:grpSpPr>
+        <a:xfrm>
+          <a:off x="0" y="0"/>
+          <a:ext cx="0" cy="0"/>
+          <a:chOff x="0" y="0"/>
+          <a:chExt cx="0" cy="0"/>
+        </a:xfrm>
+      </p:grpSpPr>
+      <p:sp>
+        <p:nvSpPr>
+          <p:cNvPr id="2" name="Segnaposto immagine diapositiva 1"/>
+          <p:cNvSpPr>
+            <a:spLocks noGrp="1" noRot="1" noChangeAspect="1"/>
+          </p:cNvSpPr>
+          <p:nvPr>
+            <p:ph type="sldImg"/>
+          </p:nvPr>
+        </p:nvSpPr>
+        <p:spPr/>
+      </p:sp>
+      <p:sp>
+        <p:nvSpPr>
+          <p:cNvPr id="3" name="Segnaposto note 2"/>
+          <p:cNvSpPr>
+            <a:spLocks noGrp="1"/>
+          </p:cNvSpPr>
+          <p:nvPr>
+            <p:ph type="body" idx="1"/>
+          </p:nvPr>
+        </p:nvSpPr>
+        <p:spPr/>
+        <p:txBody>
+          <a:bodyPr/>
+          <a:lstStyle/>
+          <a:p>
+            <a:endParaRPr lang="it-IT" dirty="0"/>
+          </a:p>
+        </p:txBody>
+      </p:sp>
+      <p:sp>
+        <p:nvSpPr>
+          <p:cNvPr id="4" name="Segnaposto numero diapositiva 3"/>
+          <p:cNvSpPr>
+            <a:spLocks noGrp="1"/>
+          </p:cNvSpPr>
+          <p:nvPr>
+            <p:ph type="sldNum" sz="quarter" idx="5"/>
+          </p:nvPr>
+        </p:nvSpPr>
+        <p:spPr/>
+        <p:txBody>
+          <a:bodyPr/>
+          <a:lstStyle/>
+          <a:p>
+            <a:fld id="{9437CFB8-1D29-8F41-8017-7BC346241577}" type="slidenum">
+              <a:rPr lang="it-IT" smtClean="0"/>
+              <a:t>24</a:t>
+            </a:fld>
+            <a:endParaRPr lang="it-IT" dirty="0"/>
+          </a:p>
+        </p:txBody>
+      </p:sp>
+    </p:spTree>
+    <p:extLst>
+      <p:ext uri="{BB962C8B-B14F-4D97-AF65-F5344CB8AC3E}">
         <p14:creationId xmlns:p14="http://schemas.microsoft.com/office/powerpoint/2010/main" val="3987992696"/>
       </p:ext>
     </p:extLst>
@@ -1883,7 +2346,7 @@
 </p:notes>
 </file>
 
-<file path=ppt/notesSlides/notesSlide24.xml><?xml version="1.0" encoding="utf-8"?>
+<file path=ppt/notesSlides/notesSlide25.xml><?xml version="1.0" encoding="utf-8"?>
 <p:notes xmlns:a="http://schemas.openxmlformats.org/drawingml/2006/main" xmlns:r="http://schemas.openxmlformats.org/officeDocument/2006/relationships" xmlns:p="http://schemas.openxmlformats.org/presentationml/2006/main" showMasterSp="0" showMasterPhAnim="0">
   <p:cSld>
     <p:spTree>
@@ -2004,7 +2467,7 @@
 </p:notes>
 </file>
 
-<file path=ppt/notesSlides/notesSlide25.xml><?xml version="1.0" encoding="utf-8"?>
+<file path=ppt/notesSlides/notesSlide26.xml><?xml version="1.0" encoding="utf-8"?>
 <p:notes xmlns:a="http://schemas.openxmlformats.org/drawingml/2006/main" xmlns:r="http://schemas.openxmlformats.org/officeDocument/2006/relationships" xmlns:p="http://schemas.openxmlformats.org/presentationml/2006/main">
   <p:cSld>
     <p:spTree>
@@ -2069,7 +2532,7 @@
           <a:p>
             <a:fld id="{9437CFB8-1D29-8F41-8017-7BC346241577}" type="slidenum">
               <a:rPr lang="it-IT" smtClean="0"/>
-              <a:t>26</a:t>
+              <a:t>27</a:t>
             </a:fld>
             <a:endParaRPr lang="it-IT" dirty="0"/>
           </a:p>
@@ -2246,7 +2709,7 @@
     </p:spTree>
     <p:extLst>
       <p:ext uri="{BB962C8B-B14F-4D97-AF65-F5344CB8AC3E}">
-        <p14:creationId xmlns:p14="http://schemas.microsoft.com/office/powerpoint/2010/main" val="464642004"/>
+        <p14:creationId xmlns:p14="http://schemas.microsoft.com/office/powerpoint/2010/main" val="1289867727"/>
       </p:ext>
     </p:extLst>
   </p:cSld>
@@ -2330,7 +2793,7 @@
     </p:spTree>
     <p:extLst>
       <p:ext uri="{BB962C8B-B14F-4D97-AF65-F5344CB8AC3E}">
-        <p14:creationId xmlns:p14="http://schemas.microsoft.com/office/powerpoint/2010/main" val="1549144816"/>
+        <p14:creationId xmlns:p14="http://schemas.microsoft.com/office/powerpoint/2010/main" val="464642004"/>
       </p:ext>
     </p:extLst>
   </p:cSld>
@@ -2414,7 +2877,7 @@
     </p:spTree>
     <p:extLst>
       <p:ext uri="{BB962C8B-B14F-4D97-AF65-F5344CB8AC3E}">
-        <p14:creationId xmlns:p14="http://schemas.microsoft.com/office/powerpoint/2010/main" val="456013019"/>
+        <p14:creationId xmlns:p14="http://schemas.microsoft.com/office/powerpoint/2010/main" val="1549144816"/>
       </p:ext>
     </p:extLst>
   </p:cSld>
@@ -2498,7 +2961,7 @@
     </p:spTree>
     <p:extLst>
       <p:ext uri="{BB962C8B-B14F-4D97-AF65-F5344CB8AC3E}">
-        <p14:creationId xmlns:p14="http://schemas.microsoft.com/office/powerpoint/2010/main" val="3092663973"/>
+        <p14:creationId xmlns:p14="http://schemas.microsoft.com/office/powerpoint/2010/main" val="456013019"/>
       </p:ext>
     </p:extLst>
   </p:cSld>
@@ -2582,7 +3045,7 @@
     </p:spTree>
     <p:extLst>
       <p:ext uri="{BB962C8B-B14F-4D97-AF65-F5344CB8AC3E}">
-        <p14:creationId xmlns:p14="http://schemas.microsoft.com/office/powerpoint/2010/main" val="153538612"/>
+        <p14:creationId xmlns:p14="http://schemas.microsoft.com/office/powerpoint/2010/main" val="3092663973"/>
       </p:ext>
     </p:extLst>
   </p:cSld>
@@ -2666,7 +3129,7 @@
     </p:spTree>
     <p:extLst>
       <p:ext uri="{BB962C8B-B14F-4D97-AF65-F5344CB8AC3E}">
-        <p14:creationId xmlns:p14="http://schemas.microsoft.com/office/powerpoint/2010/main" val="2713291949"/>
+        <p14:creationId xmlns:p14="http://schemas.microsoft.com/office/powerpoint/2010/main" val="153538612"/>
       </p:ext>
     </p:extLst>
   </p:cSld>
@@ -7276,7 +7739,7 @@
         <p:spPr>
           <a:xfrm>
             <a:off x="950555" y="1397681"/>
-            <a:ext cx="10403244" cy="4483279"/>
+            <a:ext cx="10403244" cy="4496103"/>
           </a:xfrm>
           <a:prstGeom prst="rect">
             <a:avLst/>
@@ -7308,17 +7771,7 @@
                 </a:solidFill>
                 <a:cs typeface="Calibri"/>
               </a:rPr>
-              <a:t>Boosting </a:t>
-            </a:r>
-            <a:r>
-              <a:rPr lang="en-GB" sz="2800" b="1" spc="-5" dirty="0">
-                <a:solidFill>
-                  <a:srgbClr val="C00000"/>
-                </a:solidFill>
-                <a:cs typeface="Calibri"/>
-                <a:sym typeface="Wingdings" pitchFamily="2" charset="2"/>
-              </a:rPr>
-              <a:t> Adaptive Boosting (AdaBoost)</a:t>
+              <a:t>Boosting</a:t>
             </a:r>
             <a:br>
               <a:rPr lang="en-GB" sz="2800" b="1" spc="-5" dirty="0">
@@ -7328,69 +7781,12 @@
                 <a:cs typeface="Calibri"/>
               </a:rPr>
             </a:br>
-            <a:endParaRPr lang="en-GB" sz="2600" b="1" spc="-5" dirty="0">
+            <a:endParaRPr lang="en-GB" sz="2800" b="1" spc="-5" dirty="0">
               <a:solidFill>
                 <a:srgbClr val="C00000"/>
               </a:solidFill>
               <a:cs typeface="Calibri"/>
             </a:endParaRPr>
-          </a:p>
-          <a:p>
-            <a:pPr marL="12700">
-              <a:lnSpc>
-                <a:spcPct val="100000"/>
-              </a:lnSpc>
-              <a:spcBef>
-                <a:spcPts val="100"/>
-              </a:spcBef>
-              <a:buSzPct val="75000"/>
-              <a:tabLst>
-                <a:tab pos="354965" algn="l"/>
-                <a:tab pos="355600" algn="l"/>
-              </a:tabLst>
-            </a:pPr>
-            <a:r>
-              <a:rPr lang="en-GB" sz="2600" spc="-5" dirty="0">
-                <a:cs typeface="Calibri"/>
-              </a:rPr>
-              <a:t>It puts </a:t>
-            </a:r>
-            <a:r>
-              <a:rPr lang="en-GB" sz="2600" b="1" spc="-5" dirty="0">
-                <a:cs typeface="Calibri"/>
-              </a:rPr>
-              <a:t>more weight </a:t>
-            </a:r>
-            <a:r>
-              <a:rPr lang="en-GB" sz="2600" spc="-5" dirty="0">
-                <a:cs typeface="Calibri"/>
-              </a:rPr>
-              <a:t>on </a:t>
-            </a:r>
-            <a:r>
-              <a:rPr lang="en-GB" sz="2600" b="1" spc="-5" dirty="0">
-                <a:cs typeface="Calibri"/>
-              </a:rPr>
-              <a:t>difficult</a:t>
-            </a:r>
-            <a:r>
-              <a:rPr lang="en-GB" sz="2600" spc="-5" dirty="0">
-                <a:cs typeface="Calibri"/>
-              </a:rPr>
-              <a:t> to classify instances and less on those already </a:t>
-            </a:r>
-            <a:r>
-              <a:rPr lang="en-GB" sz="2600" b="1" spc="-5" dirty="0">
-                <a:cs typeface="Calibri"/>
-              </a:rPr>
-              <a:t>handled</a:t>
-            </a:r>
-            <a:r>
-              <a:rPr lang="en-GB" sz="2600" spc="-5" dirty="0">
-                <a:cs typeface="Calibri"/>
-              </a:rPr>
-              <a:t> well:</a:t>
-            </a:r>
           </a:p>
           <a:p>
             <a:pPr marL="355600" indent="-342900">
@@ -7409,82 +7805,40 @@
               </a:tabLst>
             </a:pPr>
             <a:r>
+              <a:rPr lang="en-GB" sz="2600" b="1" spc="-5" dirty="0">
+                <a:cs typeface="Calibri"/>
+              </a:rPr>
+              <a:t>Sequential</a:t>
+            </a:r>
+            <a:r>
               <a:rPr lang="en-GB" sz="2600" spc="-5" dirty="0">
                 <a:cs typeface="Calibri"/>
               </a:rPr>
-              <a:t>First, it </a:t>
+              <a:t> method that combines weak models </a:t>
             </a:r>
             <a:r>
               <a:rPr lang="en-GB" sz="2600" b="1" spc="-5" dirty="0">
                 <a:cs typeface="Calibri"/>
               </a:rPr>
-              <a:t>updates</a:t>
+              <a:t>no longer </a:t>
             </a:r>
             <a:r>
               <a:rPr lang="en-GB" sz="2600" spc="-5" dirty="0">
                 <a:cs typeface="Calibri"/>
               </a:rPr>
-              <a:t> the observations </a:t>
+              <a:t>fitted </a:t>
             </a:r>
             <a:r>
               <a:rPr lang="en-GB" sz="2600" b="1" spc="-5" dirty="0">
                 <a:cs typeface="Calibri"/>
               </a:rPr>
-              <a:t>weights</a:t>
+              <a:t>independently</a:t>
             </a:r>
             <a:r>
               <a:rPr lang="en-GB" sz="2600" spc="-5" dirty="0">
                 <a:cs typeface="Calibri"/>
               </a:rPr>
-              <a:t> in the dataset and train a </a:t>
-            </a:r>
-            <a:r>
-              <a:rPr lang="en-GB" sz="2600" b="1" spc="-5" dirty="0">
-                <a:cs typeface="Calibri"/>
-              </a:rPr>
-              <a:t>new weak learner</a:t>
-            </a:r>
-            <a:r>
-              <a:rPr lang="en-GB" sz="2600" spc="-5" dirty="0">
-                <a:cs typeface="Calibri"/>
-              </a:rPr>
-              <a:t> with a special </a:t>
-            </a:r>
-            <a:r>
-              <a:rPr lang="en-GB" sz="2600" b="1" spc="-5" dirty="0">
-                <a:cs typeface="Calibri"/>
-              </a:rPr>
-              <a:t>focus</a:t>
-            </a:r>
-            <a:r>
-              <a:rPr lang="en-GB" sz="2600" spc="-5" dirty="0">
-                <a:cs typeface="Calibri"/>
-              </a:rPr>
-              <a:t> given to the </a:t>
-            </a:r>
-            <a:r>
-              <a:rPr lang="en-GB" sz="2600" b="1" spc="-5" dirty="0">
-                <a:cs typeface="Calibri"/>
-              </a:rPr>
-              <a:t>observations</a:t>
-            </a:r>
-            <a:r>
-              <a:rPr lang="en-GB" sz="2600" spc="-5" dirty="0">
-                <a:cs typeface="Calibri"/>
-              </a:rPr>
-              <a:t> </a:t>
-            </a:r>
-            <a:r>
-              <a:rPr lang="en-GB" sz="2600" b="1" spc="-5" dirty="0">
-                <a:cs typeface="Calibri"/>
-              </a:rPr>
-              <a:t>misclassified</a:t>
-            </a:r>
-            <a:r>
-              <a:rPr lang="en-GB" sz="2600" spc="-5" dirty="0">
-                <a:cs typeface="Calibri"/>
-              </a:rPr>
-              <a:t> by the current ensemble model. </a:t>
+              <a:t> from each others. </a:t>
             </a:r>
           </a:p>
           <a:p>
@@ -7507,75 +7861,154 @@
               <a:rPr lang="en-GB" sz="2600" spc="-5" dirty="0">
                 <a:cs typeface="Calibri"/>
               </a:rPr>
-              <a:t>Second, it </a:t>
+              <a:t>It fits models </a:t>
             </a:r>
             <a:r>
               <a:rPr lang="en-GB" sz="2600" b="1" spc="-5" dirty="0">
                 <a:cs typeface="Calibri"/>
               </a:rPr>
-              <a:t>adds</a:t>
+              <a:t>iteratively</a:t>
             </a:r>
             <a:r>
               <a:rPr lang="en-GB" sz="2600" spc="-5" dirty="0">
                 <a:cs typeface="Calibri"/>
               </a:rPr>
-              <a:t> the </a:t>
+              <a:t> such that the training of model at a given </a:t>
             </a:r>
             <a:r>
               <a:rPr lang="en-GB" sz="2600" b="1" spc="-5" dirty="0">
                 <a:cs typeface="Calibri"/>
               </a:rPr>
-              <a:t>weak learner </a:t>
+              <a:t>step</a:t>
             </a:r>
             <a:r>
               <a:rPr lang="en-GB" sz="2600" spc="-5" dirty="0">
                 <a:cs typeface="Calibri"/>
               </a:rPr>
-              <a:t>to the weighted sum according to an </a:t>
+              <a:t> </a:t>
             </a:r>
             <a:r>
               <a:rPr lang="en-GB" sz="2600" b="1" spc="-5" dirty="0">
                 <a:cs typeface="Calibri"/>
               </a:rPr>
-              <a:t>update coefficient</a:t>
+              <a:t>depends</a:t>
             </a:r>
             <a:r>
               <a:rPr lang="en-GB" sz="2600" spc="-5" dirty="0">
                 <a:cs typeface="Calibri"/>
               </a:rPr>
-              <a:t> that expresses the performances of this weak model: the </a:t>
+              <a:t> on the models fitted at the </a:t>
             </a:r>
             <a:r>
               <a:rPr lang="en-GB" sz="2600" b="1" spc="-5" dirty="0">
                 <a:cs typeface="Calibri"/>
               </a:rPr>
-              <a:t>better</a:t>
+              <a:t>previous steps</a:t>
             </a:r>
             <a:r>
               <a:rPr lang="en-GB" sz="2600" spc="-5" dirty="0">
                 <a:cs typeface="Calibri"/>
               </a:rPr>
-              <a:t> a weak learner performs, the </a:t>
+              <a:t>: it gives </a:t>
             </a:r>
             <a:r>
               <a:rPr lang="en-GB" sz="2600" b="1" spc="-5" dirty="0">
                 <a:cs typeface="Calibri"/>
               </a:rPr>
-              <a:t>more</a:t>
+              <a:t>more importance</a:t>
             </a:r>
             <a:r>
               <a:rPr lang="en-GB" sz="2600" spc="-5" dirty="0">
                 <a:cs typeface="Calibri"/>
               </a:rPr>
-              <a:t> it contributes to the strong learner.</a:t>
-            </a:r>
+              <a:t> to observations in the dataset that were </a:t>
+            </a:r>
+            <a:r>
+              <a:rPr lang="en-GB" sz="2600" b="1" spc="-5" dirty="0">
+                <a:cs typeface="Calibri"/>
+              </a:rPr>
+              <a:t>badly handled </a:t>
+            </a:r>
+            <a:r>
+              <a:rPr lang="en-GB" sz="2600" spc="-5" dirty="0">
+                <a:cs typeface="Calibri"/>
+              </a:rPr>
+              <a:t>by the </a:t>
+            </a:r>
+            <a:r>
+              <a:rPr lang="en-GB" sz="2600" b="1" spc="-5" dirty="0">
+                <a:cs typeface="Calibri"/>
+              </a:rPr>
+              <a:t>previous</a:t>
+            </a:r>
+            <a:r>
+              <a:rPr lang="en-GB" sz="2600" spc="-5" dirty="0">
+                <a:cs typeface="Calibri"/>
+              </a:rPr>
+              <a:t> models in the sequence.</a:t>
+            </a:r>
+          </a:p>
+          <a:p>
+            <a:pPr marL="355600" indent="-342900">
+              <a:lnSpc>
+                <a:spcPct val="100000"/>
+              </a:lnSpc>
+              <a:spcBef>
+                <a:spcPts val="100"/>
+              </a:spcBef>
+              <a:buSzPct val="75000"/>
+              <a:buFont typeface="Arial" panose="020B0604020202020204" pitchFamily="34" charset="0"/>
+              <a:buChar char="•"/>
+              <a:tabLst>
+                <a:tab pos="354965" algn="l"/>
+                <a:tab pos="355600" algn="l"/>
+              </a:tabLst>
+            </a:pPr>
+            <a:r>
+              <a:rPr lang="en-GB" sz="2600" spc="-5" dirty="0">
+                <a:cs typeface="Calibri"/>
+              </a:rPr>
+              <a:t>It produces an ensemble model that is in general </a:t>
+            </a:r>
+            <a:r>
+              <a:rPr lang="en-GB" sz="2600" b="1" spc="-5" dirty="0">
+                <a:cs typeface="Calibri"/>
+              </a:rPr>
+              <a:t>less biased </a:t>
+            </a:r>
+            <a:r>
+              <a:rPr lang="en-GB" sz="2600" spc="-5" dirty="0">
+                <a:cs typeface="Calibri"/>
+              </a:rPr>
+              <a:t>than the weak learners that compose it.</a:t>
+            </a:r>
+          </a:p>
+          <a:p>
+            <a:pPr marL="355600" indent="-342900">
+              <a:lnSpc>
+                <a:spcPct val="100000"/>
+              </a:lnSpc>
+              <a:spcBef>
+                <a:spcPts val="100"/>
+              </a:spcBef>
+              <a:buSzPct val="75000"/>
+              <a:buFont typeface="Arial" panose="020B0604020202020204" pitchFamily="34" charset="0"/>
+              <a:buChar char="•"/>
+              <a:tabLst>
+                <a:tab pos="354965" algn="l"/>
+                <a:tab pos="355600" algn="l"/>
+              </a:tabLst>
+            </a:pPr>
+            <a:endParaRPr lang="en-GB" sz="2400" spc="-5" dirty="0">
+              <a:cs typeface="Calibri"/>
+            </a:endParaRPr>
           </a:p>
         </p:txBody>
       </p:sp>
     </p:spTree>
     <p:extLst>
       <p:ext uri="{BB962C8B-B14F-4D97-AF65-F5344CB8AC3E}">
-        <p14:creationId xmlns:p14="http://schemas.microsoft.com/office/powerpoint/2010/main" val="4178240248"/>
+        <p14:creationId xmlns:p14="http://schemas.microsoft.com/office/powerpoint/2010/main" val="3449519672"/>
       </p:ext>
     </p:extLst>
   </p:cSld>
@@ -7673,8 +8106,8 @@
         </p:nvSpPr>
         <p:spPr>
           <a:xfrm>
-            <a:off x="2801999" y="6054190"/>
-            <a:ext cx="6588000" cy="230400"/>
+            <a:off x="3161999" y="6054190"/>
+            <a:ext cx="5868000" cy="230400"/>
           </a:xfrm>
           <a:prstGeom prst="rect">
             <a:avLst/>
@@ -7707,7 +8140,27 @@
                 <a:latin typeface="Calibri"/>
                 <a:cs typeface="Calibri"/>
               </a:rPr>
-              <a:t>J. H. Friedman. </a:t>
+              <a:t>Y. Freund &amp; R. </a:t>
+            </a:r>
+            <a:r>
+              <a:rPr lang="en-GB" sz="1400" spc="-5" dirty="0" err="1">
+                <a:solidFill>
+                  <a:srgbClr val="202729"/>
+                </a:solidFill>
+                <a:latin typeface="Calibri"/>
+                <a:cs typeface="Calibri"/>
+              </a:rPr>
+              <a:t>Schapire</a:t>
+            </a:r>
+            <a:r>
+              <a:rPr lang="en-GB" sz="1400" spc="-5" dirty="0">
+                <a:solidFill>
+                  <a:srgbClr val="202729"/>
+                </a:solidFill>
+                <a:latin typeface="Calibri"/>
+                <a:cs typeface="Calibri"/>
+              </a:rPr>
+              <a:t>. </a:t>
             </a:r>
             <a:r>
               <a:rPr lang="en-GB" sz="1400" b="1" spc="-5" dirty="0">
@@ -7717,7 +8170,7 @@
                 <a:latin typeface="Calibri"/>
                 <a:cs typeface="Calibri"/>
               </a:rPr>
-              <a:t>Stochastic gradient boosting</a:t>
+              <a:t>Experiments with a new boosting algorithm</a:t>
             </a:r>
             <a:r>
               <a:rPr lang="en-GB" sz="1400" spc="-5" dirty="0">
@@ -7727,8 +8180,25 @@
                 <a:latin typeface="Calibri"/>
                 <a:cs typeface="Calibri"/>
               </a:rPr>
-              <a:t>. Computational statistics &amp; data analysis, 2022</a:t>
-            </a:r>
+              <a:t>. ICML, 1996</a:t>
+            </a:r>
+          </a:p>
+          <a:p>
+            <a:pPr marL="12700">
+              <a:lnSpc>
+                <a:spcPct val="100000"/>
+              </a:lnSpc>
+              <a:spcBef>
+                <a:spcPts val="100"/>
+              </a:spcBef>
+            </a:pPr>
+            <a:endParaRPr lang="en-GB" sz="1400" spc="-5" dirty="0">
+              <a:solidFill>
+                <a:srgbClr val="202729"/>
+              </a:solidFill>
+              <a:latin typeface="Calibri"/>
+              <a:cs typeface="Calibri"/>
+            </a:endParaRPr>
           </a:p>
         </p:txBody>
       </p:sp>
@@ -7780,7 +8250,7 @@
         <p:spPr>
           <a:xfrm>
             <a:off x="950555" y="1397681"/>
-            <a:ext cx="10403244" cy="3713837"/>
+            <a:ext cx="10403244" cy="4483279"/>
           </a:xfrm>
           <a:prstGeom prst="rect">
             <a:avLst/>
@@ -7822,7 +8292,7 @@
                 <a:cs typeface="Calibri"/>
                 <a:sym typeface="Wingdings" pitchFamily="2" charset="2"/>
               </a:rPr>
-              <a:t> Gradient Boosting</a:t>
+              <a:t> Adaptive Boosting (AdaBoost)</a:t>
             </a:r>
             <a:br>
               <a:rPr lang="en-GB" sz="2800" b="1" spc="-5" dirty="0">
@@ -7830,10 +8300,9 @@
                   <a:srgbClr val="C00000"/>
                 </a:solidFill>
                 <a:cs typeface="Calibri"/>
-                <a:sym typeface="Wingdings" pitchFamily="2" charset="2"/>
               </a:rPr>
             </a:br>
-            <a:endParaRPr lang="en-GB" sz="2800" b="1" spc="-5" dirty="0">
+            <a:endParaRPr lang="en-GB" sz="2600" b="1" spc="-5" dirty="0">
               <a:solidFill>
                 <a:srgbClr val="C00000"/>
               </a:solidFill>
@@ -7858,19 +8327,43 @@
               <a:rPr lang="en-GB" sz="2600" spc="-5" dirty="0">
                 <a:cs typeface="Calibri"/>
               </a:rPr>
-              <a:t>Instead of fitting a weak learner on the data at each iteration, it actually fits a new weak learner to the </a:t>
+              <a:t>It puts </a:t>
             </a:r>
             <a:r>
               <a:rPr lang="en-GB" sz="2600" b="1" spc="-5" dirty="0">
                 <a:cs typeface="Calibri"/>
               </a:rPr>
-              <a:t>residual errors </a:t>
+              <a:t>more weight </a:t>
             </a:r>
             <a:r>
               <a:rPr lang="en-GB" sz="2600" spc="-5" dirty="0">
                 <a:cs typeface="Calibri"/>
               </a:rPr>
-              <a:t>made by the previous one:</a:t>
+              <a:t>on </a:t>
+            </a:r>
+            <a:r>
+              <a:rPr lang="en-GB" sz="2600" b="1" spc="-5" dirty="0">
+                <a:cs typeface="Calibri"/>
+              </a:rPr>
+              <a:t>difficult</a:t>
+            </a:r>
+            <a:r>
+              <a:rPr lang="en-GB" sz="2600" spc="-5" dirty="0">
+                <a:cs typeface="Calibri"/>
+              </a:rPr>
+              <a:t> to classify instances and less on those already </a:t>
+            </a:r>
+            <a:r>
+              <a:rPr lang="en-GB" sz="2600" b="1" spc="-5" dirty="0">
+                <a:cs typeface="Calibri"/>
+              </a:rPr>
+              <a:t>handled</a:t>
+            </a:r>
+            <a:r>
+              <a:rPr lang="en-GB" sz="2600" spc="-5" dirty="0">
+                <a:cs typeface="Calibri"/>
+              </a:rPr>
+              <a:t> well:</a:t>
             </a:r>
           </a:p>
           <a:p>
@@ -7893,31 +8386,79 @@
               <a:rPr lang="en-GB" sz="2600" spc="-5" dirty="0">
                 <a:cs typeface="Calibri"/>
               </a:rPr>
-              <a:t>For every instance in the training set, it calculates the </a:t>
+              <a:t>First, it </a:t>
             </a:r>
             <a:r>
               <a:rPr lang="en-GB" sz="2600" b="1" spc="-5" dirty="0">
                 <a:cs typeface="Calibri"/>
               </a:rPr>
-              <a:t>residuals</a:t>
+              <a:t>updates</a:t>
             </a:r>
             <a:r>
               <a:rPr lang="en-GB" sz="2600" spc="-5" dirty="0">
                 <a:cs typeface="Calibri"/>
               </a:rPr>
-              <a:t> for that instance, or, in other words, the </a:t>
+              <a:t> the observations </a:t>
             </a:r>
             <a:r>
               <a:rPr lang="en-GB" sz="2600" b="1" spc="-5" dirty="0">
                 <a:cs typeface="Calibri"/>
               </a:rPr>
-              <a:t>observed value minus the predicted value</a:t>
+              <a:t>weights</a:t>
             </a:r>
             <a:r>
               <a:rPr lang="en-GB" sz="2600" spc="-5" dirty="0">
                 <a:cs typeface="Calibri"/>
               </a:rPr>
-              <a:t>.</a:t>
+              <a:t> in the dataset and train a </a:t>
+            </a:r>
+            <a:r>
+              <a:rPr lang="en-GB" sz="2600" b="1" spc="-5" dirty="0">
+                <a:cs typeface="Calibri"/>
+              </a:rPr>
+              <a:t>new weak learner</a:t>
+            </a:r>
+            <a:r>
+              <a:rPr lang="en-GB" sz="2600" spc="-5" dirty="0">
+                <a:cs typeface="Calibri"/>
+              </a:rPr>
+              <a:t> with a special </a:t>
+            </a:r>
+            <a:r>
+              <a:rPr lang="en-GB" sz="2600" b="1" spc="-5" dirty="0">
+                <a:cs typeface="Calibri"/>
+              </a:rPr>
+              <a:t>focus</a:t>
+            </a:r>
+            <a:r>
+              <a:rPr lang="en-GB" sz="2600" spc="-5" dirty="0">
+                <a:cs typeface="Calibri"/>
+              </a:rPr>
+              <a:t> given to the </a:t>
+            </a:r>
+            <a:r>
+              <a:rPr lang="en-GB" sz="2600" b="1" spc="-5" dirty="0">
+                <a:cs typeface="Calibri"/>
+              </a:rPr>
+              <a:t>observations</a:t>
+            </a:r>
+            <a:r>
+              <a:rPr lang="en-GB" sz="2600" spc="-5" dirty="0">
+                <a:cs typeface="Calibri"/>
+              </a:rPr>
+              <a:t> </a:t>
+            </a:r>
+            <a:r>
+              <a:rPr lang="en-GB" sz="2600" b="1" spc="-5" dirty="0">
+                <a:cs typeface="Calibri"/>
+              </a:rPr>
+              <a:t>misclassified</a:t>
+            </a:r>
+            <a:r>
+              <a:rPr lang="en-GB" sz="2600" spc="-5" dirty="0">
+                <a:cs typeface="Calibri"/>
+              </a:rPr>
+              <a:t> by the current ensemble model. </a:t>
             </a:r>
           </a:p>
           <a:p>
@@ -7940,7 +8481,7 @@
               <a:rPr lang="en-GB" sz="2600" spc="-5" dirty="0">
                 <a:cs typeface="Calibri"/>
               </a:rPr>
-              <a:t>Once it has done this, it </a:t>
+              <a:t>Second, it </a:t>
             </a:r>
             <a:r>
               <a:rPr lang="en-GB" sz="2600" b="1" spc="-5" dirty="0">
@@ -7952,7 +8493,7 @@
               <a:rPr lang="en-GB" sz="2600" spc="-5" dirty="0">
                 <a:cs typeface="Calibri"/>
               </a:rPr>
-              <a:t> a </a:t>
+              <a:t> the </a:t>
             </a:r>
             <a:r>
               <a:rPr lang="en-GB" sz="2600" b="1" spc="-5" dirty="0">
@@ -7964,31 +8505,43 @@
               <a:rPr lang="en-GB" sz="2600" spc="-5" dirty="0">
                 <a:cs typeface="Calibri"/>
               </a:rPr>
-              <a:t>that tries to </a:t>
+              <a:t>to the weighted sum according to an </a:t>
             </a:r>
             <a:r>
               <a:rPr lang="en-GB" sz="2600" b="1" spc="-5" dirty="0">
                 <a:cs typeface="Calibri"/>
               </a:rPr>
-              <a:t>predict</a:t>
+              <a:t>update coefficient</a:t>
             </a:r>
             <a:r>
               <a:rPr lang="en-GB" sz="2600" spc="-5" dirty="0">
                 <a:cs typeface="Calibri"/>
               </a:rPr>
-              <a:t> the </a:t>
+              <a:t> that expresses the performances of this weak model: the </a:t>
             </a:r>
             <a:r>
               <a:rPr lang="en-GB" sz="2600" b="1" spc="-5" dirty="0">
                 <a:cs typeface="Calibri"/>
               </a:rPr>
-              <a:t>residuals</a:t>
+              <a:t>better</a:t>
             </a:r>
             <a:r>
               <a:rPr lang="en-GB" sz="2600" spc="-5" dirty="0">
                 <a:cs typeface="Calibri"/>
               </a:rPr>
-              <a:t> that was previously calculated.</a:t>
+              <a:t> a weak learner performs, the </a:t>
+            </a:r>
+            <a:r>
+              <a:rPr lang="en-GB" sz="2600" b="1" spc="-5" dirty="0">
+                <a:cs typeface="Calibri"/>
+              </a:rPr>
+              <a:t>more</a:t>
+            </a:r>
+            <a:r>
+              <a:rPr lang="en-GB" sz="2600" spc="-5" dirty="0">
+                <a:cs typeface="Calibri"/>
+              </a:rPr>
+              <a:t> it contributes to the strong learner.</a:t>
             </a:r>
           </a:p>
         </p:txBody>
@@ -7996,7 +8549,7 @@
     </p:spTree>
     <p:extLst>
       <p:ext uri="{BB962C8B-B14F-4D97-AF65-F5344CB8AC3E}">
-        <p14:creationId xmlns:p14="http://schemas.microsoft.com/office/powerpoint/2010/main" val="3216856309"/>
+        <p14:creationId xmlns:p14="http://schemas.microsoft.com/office/powerpoint/2010/main" val="4178240248"/>
       </p:ext>
     </p:extLst>
   </p:cSld>
@@ -8094,8 +8647,8 @@
         </p:nvSpPr>
         <p:spPr>
           <a:xfrm>
-            <a:off x="3611999" y="6054190"/>
-            <a:ext cx="4968000" cy="230400"/>
+            <a:off x="2801999" y="6054190"/>
+            <a:ext cx="6588000" cy="230400"/>
           </a:xfrm>
           <a:prstGeom prst="rect">
             <a:avLst/>
@@ -8128,7 +8681,7 @@
                 <a:latin typeface="Calibri"/>
                 <a:cs typeface="Calibri"/>
               </a:rPr>
-              <a:t>K. M. Ting &amp; I. H. Witten. </a:t>
+              <a:t>J. H. Friedman. </a:t>
             </a:r>
             <a:r>
               <a:rPr lang="en-GB" sz="1400" b="1" spc="-5" dirty="0">
@@ -8138,37 +8691,17 @@
                 <a:latin typeface="Calibri"/>
                 <a:cs typeface="Calibri"/>
               </a:rPr>
-              <a:t>Stacking bagged and </a:t>
-            </a:r>
-            <a:r>
-              <a:rPr lang="en-GB" sz="1400" b="1" spc="-5" dirty="0" err="1">
+              <a:t>Stochastic gradient boosting</a:t>
+            </a:r>
+            <a:r>
+              <a:rPr lang="en-GB" sz="1400" spc="-5" dirty="0">
                 <a:solidFill>
                   <a:srgbClr val="202729"/>
                 </a:solidFill>
                 <a:latin typeface="Calibri"/>
                 <a:cs typeface="Calibri"/>
               </a:rPr>
-              <a:t>dagged</a:t>
-            </a:r>
-            <a:r>
-              <a:rPr lang="en-GB" sz="1400" b="1" spc="-5" dirty="0">
-                <a:solidFill>
-                  <a:srgbClr val="202729"/>
-                </a:solidFill>
-                <a:latin typeface="Calibri"/>
-                <a:cs typeface="Calibri"/>
-              </a:rPr>
-              <a:t> models</a:t>
-            </a:r>
-            <a:r>
-              <a:rPr lang="en-GB" sz="1400" spc="-5" dirty="0">
-                <a:solidFill>
-                  <a:srgbClr val="202729"/>
-                </a:solidFill>
-                <a:latin typeface="Calibri"/>
-                <a:cs typeface="Calibri"/>
-              </a:rPr>
-              <a:t>. 1997</a:t>
+              <a:t>. Computational statistics &amp; data analysis, 2022</a:t>
             </a:r>
           </a:p>
         </p:txBody>
@@ -8221,7 +8754,7 @@
         <p:spPr>
           <a:xfrm>
             <a:off x="950555" y="1397681"/>
-            <a:ext cx="10403244" cy="2913618"/>
+            <a:ext cx="10403244" cy="3713837"/>
           </a:xfrm>
           <a:prstGeom prst="rect">
             <a:avLst/>
@@ -8253,7 +8786,17 @@
                 </a:solidFill>
                 <a:cs typeface="Calibri"/>
               </a:rPr>
-              <a:t>Stacking</a:t>
+              <a:t>Boosting </a:t>
+            </a:r>
+            <a:r>
+              <a:rPr lang="en-GB" sz="2800" b="1" spc="-5" dirty="0">
+                <a:solidFill>
+                  <a:srgbClr val="C00000"/>
+                </a:solidFill>
+                <a:cs typeface="Calibri"/>
+                <a:sym typeface="Wingdings" pitchFamily="2" charset="2"/>
+              </a:rPr>
+              <a:t> Gradient Boosting</a:t>
             </a:r>
             <a:br>
               <a:rPr lang="en-GB" sz="2800" b="1" spc="-5" dirty="0">
@@ -8270,6 +8813,39 @@
               </a:solidFill>
               <a:cs typeface="Calibri"/>
             </a:endParaRPr>
+          </a:p>
+          <a:p>
+            <a:pPr marL="12700">
+              <a:lnSpc>
+                <a:spcPct val="100000"/>
+              </a:lnSpc>
+              <a:spcBef>
+                <a:spcPts val="100"/>
+              </a:spcBef>
+              <a:buSzPct val="75000"/>
+              <a:tabLst>
+                <a:tab pos="354965" algn="l"/>
+                <a:tab pos="355600" algn="l"/>
+              </a:tabLst>
+            </a:pPr>
+            <a:r>
+              <a:rPr lang="en-GB" sz="2600" spc="-5" dirty="0">
+                <a:cs typeface="Calibri"/>
+              </a:rPr>
+              <a:t>Instead of fitting a weak learner on the data at each iteration, it actually fits a new weak learner to the </a:t>
+            </a:r>
+            <a:r>
+              <a:rPr lang="en-GB" sz="2600" b="1" spc="-5" dirty="0">
+                <a:cs typeface="Calibri"/>
+              </a:rPr>
+              <a:t>residual errors </a:t>
+            </a:r>
+            <a:r>
+              <a:rPr lang="en-GB" sz="2600" spc="-5" dirty="0">
+                <a:cs typeface="Calibri"/>
+              </a:rPr>
+              <a:t>made by the previous one:</a:t>
+            </a:r>
           </a:p>
           <a:p>
             <a:pPr marL="355600" indent="-342900">
@@ -8291,7 +8867,31 @@
               <a:rPr lang="en-GB" sz="2600" spc="-5" dirty="0">
                 <a:cs typeface="Calibri"/>
               </a:rPr>
-              <a:t>It considers heterogeneous weak learners (different learning algorithms are combined).</a:t>
+              <a:t>For every instance in the training set, it calculates the </a:t>
+            </a:r>
+            <a:r>
+              <a:rPr lang="en-GB" sz="2600" b="1" spc="-5" dirty="0">
+                <a:cs typeface="Calibri"/>
+              </a:rPr>
+              <a:t>residuals</a:t>
+            </a:r>
+            <a:r>
+              <a:rPr lang="en-GB" sz="2600" spc="-5" dirty="0">
+                <a:cs typeface="Calibri"/>
+              </a:rPr>
+              <a:t> for that instance, or, in other words, the </a:t>
+            </a:r>
+            <a:r>
+              <a:rPr lang="en-GB" sz="2600" b="1" spc="-5" dirty="0">
+                <a:cs typeface="Calibri"/>
+              </a:rPr>
+              <a:t>observed value minus the predicted value</a:t>
+            </a:r>
+            <a:r>
+              <a:rPr lang="en-GB" sz="2600" spc="-5" dirty="0">
+                <a:cs typeface="Calibri"/>
+              </a:rPr>
+              <a:t>.</a:t>
             </a:r>
           </a:p>
           <a:p>
@@ -8314,42 +8914,55 @@
               <a:rPr lang="en-GB" sz="2600" spc="-5" dirty="0">
                 <a:cs typeface="Calibri"/>
               </a:rPr>
-              <a:t>It learns to combine the base models using a meta-model.</a:t>
-            </a:r>
-          </a:p>
-          <a:p>
-            <a:pPr marL="355600" indent="-342900">
-              <a:lnSpc>
-                <a:spcPct val="100000"/>
-              </a:lnSpc>
-              <a:spcBef>
-                <a:spcPts val="100"/>
-              </a:spcBef>
-              <a:buSzPct val="75000"/>
-              <a:buFont typeface="Arial" panose="020B0604020202020204" pitchFamily="34" charset="0"/>
-              <a:buChar char="•"/>
-              <a:tabLst>
-                <a:tab pos="354965" algn="l"/>
-                <a:tab pos="355600" algn="l"/>
-              </a:tabLst>
-            </a:pPr>
+              <a:t>Once it has done this, it </a:t>
+            </a:r>
+            <a:r>
+              <a:rPr lang="en-GB" sz="2600" b="1" spc="-5" dirty="0">
+                <a:cs typeface="Calibri"/>
+              </a:rPr>
+              <a:t>adds</a:t>
+            </a:r>
             <a:r>
               <a:rPr lang="en-GB" sz="2600" spc="-5" dirty="0">
                 <a:cs typeface="Calibri"/>
               </a:rPr>
-              <a:t>It produces an ensemble model that is in general </a:t>
+              <a:t> a </a:t>
             </a:r>
             <a:r>
               <a:rPr lang="en-GB" sz="2600" b="1" spc="-5" dirty="0">
                 <a:cs typeface="Calibri"/>
               </a:rPr>
-              <a:t>less biased </a:t>
+              <a:t>weak learner </a:t>
             </a:r>
             <a:r>
               <a:rPr lang="en-GB" sz="2600" spc="-5" dirty="0">
                 <a:cs typeface="Calibri"/>
               </a:rPr>
-              <a:t>than the weak learners that compose it. </a:t>
+              <a:t>that tries to </a:t>
+            </a:r>
+            <a:r>
+              <a:rPr lang="en-GB" sz="2600" b="1" spc="-5" dirty="0">
+                <a:cs typeface="Calibri"/>
+              </a:rPr>
+              <a:t>predict</a:t>
+            </a:r>
+            <a:r>
+              <a:rPr lang="en-GB" sz="2600" spc="-5" dirty="0">
+                <a:cs typeface="Calibri"/>
+              </a:rPr>
+              <a:t> the </a:t>
+            </a:r>
+            <a:r>
+              <a:rPr lang="en-GB" sz="2600" b="1" spc="-5" dirty="0">
+                <a:cs typeface="Calibri"/>
+              </a:rPr>
+              <a:t>residuals</a:t>
+            </a:r>
+            <a:r>
+              <a:rPr lang="en-GB" sz="2600" spc="-5" dirty="0">
+                <a:cs typeface="Calibri"/>
+              </a:rPr>
+              <a:t> that was previously calculated.</a:t>
             </a:r>
           </a:p>
         </p:txBody>
@@ -8357,7 +8970,7 @@
     </p:spTree>
     <p:extLst>
       <p:ext uri="{BB962C8B-B14F-4D97-AF65-F5344CB8AC3E}">
-        <p14:creationId xmlns:p14="http://schemas.microsoft.com/office/powerpoint/2010/main" val="921183578"/>
+        <p14:creationId xmlns:p14="http://schemas.microsoft.com/office/powerpoint/2010/main" val="3216856309"/>
       </p:ext>
     </p:extLst>
   </p:cSld>
@@ -8407,7 +9020,7 @@
           <a:p>
             <a:r>
               <a:rPr lang="en-GB" dirty="0"/>
-              <a:t>Ensemble Classifiers in SML</a:t>
+              <a:t>Ensemble Classifiers in ML</a:t>
             </a:r>
           </a:p>
         </p:txBody>
@@ -8438,6 +9051,99 @@
               <a:t>13</a:t>
             </a:fld>
             <a:endParaRPr lang="it-IT" dirty="0"/>
+          </a:p>
+        </p:txBody>
+      </p:sp>
+      <p:sp>
+        <p:nvSpPr>
+          <p:cNvPr id="20" name="object 18">
+            <a:extLst>
+              <a:ext uri="{FF2B5EF4-FFF2-40B4-BE49-F238E27FC236}">
+                <a16:creationId xmlns:a16="http://schemas.microsoft.com/office/drawing/2014/main" id="{3D51F4A2-E485-7F59-7A1A-642571700484}"/>
+              </a:ext>
+            </a:extLst>
+          </p:cNvPr>
+          <p:cNvSpPr txBox="1"/>
+          <p:nvPr/>
+        </p:nvSpPr>
+        <p:spPr>
+          <a:xfrm>
+            <a:off x="3611999" y="6054190"/>
+            <a:ext cx="4968000" cy="230400"/>
+          </a:xfrm>
+          <a:prstGeom prst="rect">
+            <a:avLst/>
+          </a:prstGeom>
+          <a:ln>
+            <a:solidFill>
+              <a:schemeClr val="tx1"/>
+            </a:solidFill>
+          </a:ln>
+        </p:spPr>
+        <p:txBody>
+          <a:bodyPr vert="horz" wrap="square" lIns="0" tIns="12700" rIns="0" bIns="0" rtlCol="0">
+            <a:spAutoFit/>
+          </a:bodyPr>
+          <a:lstStyle/>
+          <a:p>
+            <a:pPr marL="12700">
+              <a:lnSpc>
+                <a:spcPct val="100000"/>
+              </a:lnSpc>
+              <a:spcBef>
+                <a:spcPts val="100"/>
+              </a:spcBef>
+            </a:pPr>
+            <a:r>
+              <a:rPr lang="en-GB" sz="1400" spc="-5" dirty="0">
+                <a:solidFill>
+                  <a:srgbClr val="202729"/>
+                </a:solidFill>
+                <a:latin typeface="Calibri"/>
+                <a:cs typeface="Calibri"/>
+              </a:rPr>
+              <a:t>K. M. Ting &amp; I. H. Witten. </a:t>
+            </a:r>
+            <a:r>
+              <a:rPr lang="en-GB" sz="1400" b="1" spc="-5" dirty="0">
+                <a:solidFill>
+                  <a:srgbClr val="202729"/>
+                </a:solidFill>
+                <a:latin typeface="Calibri"/>
+                <a:cs typeface="Calibri"/>
+              </a:rPr>
+              <a:t>Stacking bagged and </a:t>
+            </a:r>
+            <a:r>
+              <a:rPr lang="en-GB" sz="1400" b="1" spc="-5" dirty="0" err="1">
+                <a:solidFill>
+                  <a:srgbClr val="202729"/>
+                </a:solidFill>
+                <a:latin typeface="Calibri"/>
+                <a:cs typeface="Calibri"/>
+              </a:rPr>
+              <a:t>dagged</a:t>
+            </a:r>
+            <a:r>
+              <a:rPr lang="en-GB" sz="1400" b="1" spc="-5" dirty="0">
+                <a:solidFill>
+                  <a:srgbClr val="202729"/>
+                </a:solidFill>
+                <a:latin typeface="Calibri"/>
+                <a:cs typeface="Calibri"/>
+              </a:rPr>
+              <a:t> models</a:t>
+            </a:r>
+            <a:r>
+              <a:rPr lang="en-GB" sz="1400" spc="-5" dirty="0">
+                <a:solidFill>
+                  <a:srgbClr val="202729"/>
+                </a:solidFill>
+                <a:latin typeface="Calibri"/>
+                <a:cs typeface="Calibri"/>
+              </a:rPr>
+              <a:t>. 1997</a:t>
+            </a:r>
           </a:p>
         </p:txBody>
       </p:sp>
@@ -8476,10 +9182,10 @@
       </p:sp>
       <p:sp>
         <p:nvSpPr>
-          <p:cNvPr id="2" name="object 3">
-            <a:extLst>
-              <a:ext uri="{FF2B5EF4-FFF2-40B4-BE49-F238E27FC236}">
-                <a16:creationId xmlns:a16="http://schemas.microsoft.com/office/drawing/2014/main" id="{774C43D3-91B4-703D-D000-C1A288ED44A2}"/>
+          <p:cNvPr id="6" name="object 3">
+            <a:extLst>
+              <a:ext uri="{FF2B5EF4-FFF2-40B4-BE49-F238E27FC236}">
+                <a16:creationId xmlns:a16="http://schemas.microsoft.com/office/drawing/2014/main" id="{B0F2DFBA-80FE-5865-ADEF-A6D54FFAB446}"/>
               </a:ext>
             </a:extLst>
           </p:cNvPr>
@@ -8488,8 +9194,8 @@
         </p:nvSpPr>
         <p:spPr>
           <a:xfrm>
-            <a:off x="950555" y="1432299"/>
-            <a:ext cx="10403244" cy="3993401"/>
+            <a:off x="950555" y="1397681"/>
+            <a:ext cx="10403244" cy="2913618"/>
           </a:xfrm>
           <a:prstGeom prst="rect">
             <a:avLst/>
@@ -8500,93 +9206,6 @@
             <a:spAutoFit/>
           </a:bodyPr>
           <a:lstStyle/>
-          <a:p>
-            <a:pPr marL="469900" indent="-457200">
-              <a:lnSpc>
-                <a:spcPct val="150000"/>
-              </a:lnSpc>
-              <a:spcBef>
-                <a:spcPts val="100"/>
-              </a:spcBef>
-              <a:buSzPct val="75000"/>
-              <a:buFont typeface="Arial" panose="020B0604020202020204" pitchFamily="34" charset="0"/>
-              <a:buChar char="•"/>
-              <a:tabLst>
-                <a:tab pos="354965" algn="l"/>
-                <a:tab pos="355600" algn="l"/>
-              </a:tabLst>
-            </a:pPr>
-            <a:r>
-              <a:rPr lang="en-GB" sz="2400" b="1" spc="-5" dirty="0">
-                <a:cs typeface="Calibri"/>
-              </a:rPr>
-              <a:t>Diversity</a:t>
-            </a:r>
-            <a:r>
-              <a:rPr lang="en-GB" sz="2400" spc="-5" dirty="0">
-                <a:cs typeface="Calibri"/>
-              </a:rPr>
-              <a:t>: induce diversity among learners</a:t>
-            </a:r>
-          </a:p>
-          <a:p>
-            <a:pPr marL="469900" indent="-457200">
-              <a:lnSpc>
-                <a:spcPct val="150000"/>
-              </a:lnSpc>
-              <a:spcBef>
-                <a:spcPts val="100"/>
-              </a:spcBef>
-              <a:buSzPct val="75000"/>
-              <a:buFont typeface="Arial" panose="020B0604020202020204" pitchFamily="34" charset="0"/>
-              <a:buChar char="•"/>
-              <a:tabLst>
-                <a:tab pos="354965" algn="l"/>
-                <a:tab pos="355600" algn="l"/>
-              </a:tabLst>
-            </a:pPr>
-            <a:r>
-              <a:rPr lang="en-GB" sz="2400" b="1" spc="-5" dirty="0">
-                <a:cs typeface="Calibri"/>
-              </a:rPr>
-              <a:t>Combination</a:t>
-            </a:r>
-            <a:r>
-              <a:rPr lang="en-GB" sz="2400" spc="-5" dirty="0">
-                <a:cs typeface="Calibri"/>
-              </a:rPr>
-              <a:t>: combine the predictions</a:t>
-            </a:r>
-          </a:p>
-          <a:p>
-            <a:pPr marL="469900" indent="-457200">
-              <a:lnSpc>
-                <a:spcPct val="150000"/>
-              </a:lnSpc>
-              <a:spcBef>
-                <a:spcPts val="100"/>
-              </a:spcBef>
-              <a:buSzPct val="75000"/>
-              <a:buFont typeface="Arial" panose="020B0604020202020204" pitchFamily="34" charset="0"/>
-              <a:buChar char="•"/>
-              <a:tabLst>
-                <a:tab pos="354965" algn="l"/>
-                <a:tab pos="355600" algn="l"/>
-              </a:tabLst>
-            </a:pPr>
-            <a:r>
-              <a:rPr lang="en-GB" sz="2400" b="1" spc="-5" dirty="0">
-                <a:cs typeface="Calibri"/>
-              </a:rPr>
-              <a:t>Adaptation</a:t>
-            </a:r>
-            <a:r>
-              <a:rPr lang="en-GB" sz="2400" spc="-5" dirty="0">
-                <a:cs typeface="Calibri"/>
-              </a:rPr>
-              <a:t>: adapt to evolving data</a:t>
-            </a:r>
-          </a:p>
           <a:p>
             <a:pPr marL="12700">
               <a:lnSpc>
@@ -8601,33 +9220,33 @@
                 <a:tab pos="355600" algn="l"/>
               </a:tabLst>
             </a:pPr>
-            <a:endParaRPr lang="en-GB" sz="2400" spc="-5" dirty="0">
+            <a:r>
+              <a:rPr lang="en-GB" sz="2800" b="1" spc="-5" dirty="0">
+                <a:solidFill>
+                  <a:srgbClr val="C00000"/>
+                </a:solidFill>
+                <a:cs typeface="Calibri"/>
+              </a:rPr>
+              <a:t>Stacking</a:t>
+            </a:r>
+            <a:br>
+              <a:rPr lang="en-GB" sz="2800" b="1" spc="-5" dirty="0">
+                <a:solidFill>
+                  <a:srgbClr val="C00000"/>
+                </a:solidFill>
+                <a:cs typeface="Calibri"/>
+                <a:sym typeface="Wingdings" pitchFamily="2" charset="2"/>
+              </a:rPr>
+            </a:br>
+            <a:endParaRPr lang="en-GB" sz="2800" b="1" spc="-5" dirty="0">
+              <a:solidFill>
+                <a:srgbClr val="C00000"/>
+              </a:solidFill>
               <a:cs typeface="Calibri"/>
             </a:endParaRPr>
           </a:p>
           <a:p>
-            <a:pPr marL="12700">
-              <a:lnSpc>
-                <a:spcPct val="100000"/>
-              </a:lnSpc>
-              <a:spcBef>
-                <a:spcPts val="100"/>
-              </a:spcBef>
-              <a:buSzPct val="75000"/>
-              <a:tabLst>
-                <a:tab pos="354965" algn="l"/>
-                <a:tab pos="355600" algn="l"/>
-              </a:tabLst>
-            </a:pPr>
-            <a:r>
-              <a:rPr lang="en-GB" sz="2400" b="1" spc="-5" dirty="0">
-                <a:cs typeface="Calibri"/>
-              </a:rPr>
-              <a:t>Pro</a:t>
-            </a:r>
-          </a:p>
-          <a:p>
-            <a:pPr marL="469900" indent="-457200">
+            <a:pPr marL="355600" indent="-342900">
               <a:lnSpc>
                 <a:spcPct val="100000"/>
               </a:lnSpc>
@@ -8643,14 +9262,14 @@
               </a:tabLst>
             </a:pPr>
             <a:r>
-              <a:rPr lang="en-GB" sz="2400" spc="-5" dirty="0">
-                <a:cs typeface="Calibri"/>
-              </a:rPr>
-              <a:t>High Predictive performance</a:t>
-            </a:r>
-          </a:p>
-          <a:p>
-            <a:pPr marL="469900" indent="-457200">
+              <a:rPr lang="en-GB" sz="2600" spc="-5" dirty="0">
+                <a:cs typeface="Calibri"/>
+              </a:rPr>
+              <a:t>It considers heterogeneous weak learners (different learning algorithms are combined).</a:t>
+            </a:r>
+          </a:p>
+          <a:p>
+            <a:pPr marL="355600" indent="-342900">
               <a:lnSpc>
                 <a:spcPct val="100000"/>
               </a:lnSpc>
@@ -8666,35 +9285,14 @@
               </a:tabLst>
             </a:pPr>
             <a:r>
-              <a:rPr lang="en-GB" sz="2400" spc="-5" dirty="0">
-                <a:cs typeface="Calibri"/>
-              </a:rPr>
-              <a:t>Flexibility</a:t>
-            </a:r>
-          </a:p>
-          <a:p>
-            <a:pPr marL="12700">
-              <a:lnSpc>
-                <a:spcPct val="100000"/>
-              </a:lnSpc>
-              <a:spcBef>
-                <a:spcPts val="100"/>
-              </a:spcBef>
-              <a:buSzPct val="75000"/>
-              <a:tabLst>
-                <a:tab pos="354965" algn="l"/>
-                <a:tab pos="355600" algn="l"/>
-              </a:tabLst>
-            </a:pPr>
-            <a:r>
-              <a:rPr lang="en-GB" sz="2400" b="1" spc="-5" dirty="0">
-                <a:cs typeface="Calibri"/>
-              </a:rPr>
-              <a:t>Cons</a:t>
-            </a:r>
-          </a:p>
-          <a:p>
-            <a:pPr marL="469900" indent="-457200">
+              <a:rPr lang="en-GB" sz="2600" spc="-5" dirty="0">
+                <a:cs typeface="Calibri"/>
+              </a:rPr>
+              <a:t>It learns to combine the base models using a meta-model.</a:t>
+            </a:r>
+          </a:p>
+          <a:p>
+            <a:pPr marL="355600" indent="-342900">
               <a:lnSpc>
                 <a:spcPct val="100000"/>
               </a:lnSpc>
@@ -8710,187 +9308,22 @@
               </a:tabLst>
             </a:pPr>
             <a:r>
-              <a:rPr lang="en-GB" sz="2400" spc="-5" dirty="0">
-                <a:cs typeface="Calibri"/>
-              </a:rPr>
-              <a:t>Computational resources</a:t>
-            </a:r>
-          </a:p>
-        </p:txBody>
-      </p:sp>
-      <p:pic>
-        <p:nvPicPr>
-          <p:cNvPr id="86" name="object 42">
-            <a:extLst>
-              <a:ext uri="{FF2B5EF4-FFF2-40B4-BE49-F238E27FC236}">
-                <a16:creationId xmlns:a16="http://schemas.microsoft.com/office/drawing/2014/main" id="{B5F85516-F625-9613-EE8D-E5B862C722A5}"/>
-              </a:ext>
-            </a:extLst>
-          </p:cNvPr>
-          <p:cNvPicPr/>
-          <p:nvPr/>
-        </p:nvPicPr>
-        <p:blipFill>
-          <a:blip r:embed="rId3" cstate="print"/>
-          <a:stretch>
-            <a:fillRect/>
-          </a:stretch>
-        </p:blipFill>
-        <p:spPr>
-          <a:xfrm>
-            <a:off x="8905109" y="2631480"/>
-            <a:ext cx="908028" cy="231840"/>
-          </a:xfrm>
-          <a:prstGeom prst="rect">
-            <a:avLst/>
-          </a:prstGeom>
-        </p:spPr>
-      </p:pic>
-      <p:sp>
-        <p:nvSpPr>
-          <p:cNvPr id="88" name="CasellaDiTesto 87">
-            <a:extLst>
-              <a:ext uri="{FF2B5EF4-FFF2-40B4-BE49-F238E27FC236}">
-                <a16:creationId xmlns:a16="http://schemas.microsoft.com/office/drawing/2014/main" id="{E097C659-3240-384A-0B1D-989868993B07}"/>
-              </a:ext>
-            </a:extLst>
-          </p:cNvPr>
-          <p:cNvSpPr txBox="1"/>
-          <p:nvPr/>
-        </p:nvSpPr>
-        <p:spPr>
-          <a:xfrm>
-            <a:off x="9595945" y="1460938"/>
-            <a:ext cx="0" cy="0"/>
-          </a:xfrm>
-          <a:prstGeom prst="rect">
-            <a:avLst/>
-          </a:prstGeom>
-        </p:spPr>
-        <p:txBody>
-          <a:bodyPr vert="horz" wrap="none" lIns="91440" tIns="45720" rIns="91440" bIns="45720" rtlCol="0">
-            <a:normAutofit fontScale="25000" lnSpcReduction="20000"/>
-          </a:bodyPr>
-          <a:lstStyle/>
-          <a:p>
-            <a:pPr algn="l"/>
-            <a:endParaRPr lang="it-IT" sz="4000" b="0" dirty="0">
-              <a:solidFill>
-                <a:schemeClr val="bg1"/>
-              </a:solidFill>
-            </a:endParaRPr>
-          </a:p>
-        </p:txBody>
-      </p:sp>
-      <p:sp>
-        <p:nvSpPr>
-          <p:cNvPr id="20" name="object 18">
-            <a:extLst>
-              <a:ext uri="{FF2B5EF4-FFF2-40B4-BE49-F238E27FC236}">
-                <a16:creationId xmlns:a16="http://schemas.microsoft.com/office/drawing/2014/main" id="{3D51F4A2-E485-7F59-7A1A-642571700484}"/>
-              </a:ext>
-            </a:extLst>
-          </p:cNvPr>
-          <p:cNvSpPr txBox="1"/>
-          <p:nvPr/>
-        </p:nvSpPr>
-        <p:spPr>
-          <a:xfrm>
-            <a:off x="1505999" y="6054191"/>
-            <a:ext cx="9180000" cy="228268"/>
-          </a:xfrm>
-          <a:prstGeom prst="rect">
-            <a:avLst/>
-          </a:prstGeom>
-          <a:ln>
-            <a:solidFill>
-              <a:schemeClr val="tx1"/>
-            </a:solidFill>
-          </a:ln>
-        </p:spPr>
-        <p:txBody>
-          <a:bodyPr vert="horz" wrap="square" lIns="0" tIns="12700" rIns="0" bIns="0" rtlCol="0">
-            <a:spAutoFit/>
-          </a:bodyPr>
-          <a:lstStyle/>
-          <a:p>
-            <a:pPr marL="12700">
-              <a:lnSpc>
-                <a:spcPct val="100000"/>
-              </a:lnSpc>
-              <a:spcBef>
-                <a:spcPts val="100"/>
-              </a:spcBef>
-            </a:pPr>
-            <a:r>
-              <a:rPr lang="en-GB" sz="1400" spc="-5" dirty="0">
-                <a:solidFill>
-                  <a:srgbClr val="202729"/>
-                </a:solidFill>
-                <a:latin typeface="Calibri"/>
-                <a:cs typeface="Calibri"/>
-              </a:rPr>
-              <a:t>Gomes, H. M., </a:t>
-            </a:r>
-            <a:r>
-              <a:rPr lang="en-GB" sz="1400" spc="-5" dirty="0" err="1">
-                <a:solidFill>
-                  <a:srgbClr val="202729"/>
-                </a:solidFill>
-                <a:latin typeface="Calibri"/>
-                <a:cs typeface="Calibri"/>
-              </a:rPr>
-              <a:t>Barddal</a:t>
-            </a:r>
-            <a:r>
-              <a:rPr lang="en-GB" sz="1400" spc="-5" dirty="0">
-                <a:solidFill>
-                  <a:srgbClr val="202729"/>
-                </a:solidFill>
-                <a:latin typeface="Calibri"/>
-                <a:cs typeface="Calibri"/>
-              </a:rPr>
-              <a:t>, J. P., </a:t>
-            </a:r>
-            <a:r>
-              <a:rPr lang="en-GB" sz="1400" spc="-5" dirty="0" err="1">
-                <a:solidFill>
-                  <a:srgbClr val="202729"/>
-                </a:solidFill>
-                <a:latin typeface="Calibri"/>
-                <a:cs typeface="Calibri"/>
-              </a:rPr>
-              <a:t>Enembreck</a:t>
-            </a:r>
-            <a:r>
-              <a:rPr lang="en-GB" sz="1400" spc="-5" dirty="0">
-                <a:solidFill>
-                  <a:srgbClr val="202729"/>
-                </a:solidFill>
-                <a:latin typeface="Calibri"/>
-                <a:cs typeface="Calibri"/>
-              </a:rPr>
-              <a:t>, F., &amp; Bifet, A. </a:t>
-            </a:r>
-            <a:r>
-              <a:rPr lang="en-GB" sz="1400" b="1" spc="-5" dirty="0">
-                <a:solidFill>
-                  <a:srgbClr val="202729"/>
-                </a:solidFill>
-                <a:latin typeface="Calibri"/>
-                <a:cs typeface="Calibri"/>
-              </a:rPr>
-              <a:t>A survey on ensemble learning for data stream classification</a:t>
-            </a:r>
-            <a:r>
-              <a:rPr lang="en-GB" sz="1400" spc="-5" dirty="0">
-                <a:solidFill>
-                  <a:srgbClr val="202729"/>
-                </a:solidFill>
-                <a:latin typeface="Calibri"/>
-                <a:cs typeface="Calibri"/>
-              </a:rPr>
-              <a:t>. ACM, 2017</a:t>
+              <a:rPr lang="en-GB" sz="2600" spc="-5" dirty="0">
+                <a:cs typeface="Calibri"/>
+              </a:rPr>
+              <a:t>It produces an ensemble model that is in general </a:t>
+            </a:r>
+            <a:r>
+              <a:rPr lang="en-GB" sz="2600" b="1" spc="-5" dirty="0">
+                <a:cs typeface="Calibri"/>
+              </a:rPr>
+              <a:t>less biased </a:t>
+            </a:r>
+            <a:r>
+              <a:rPr lang="en-GB" sz="2600" spc="-5" dirty="0">
+                <a:cs typeface="Calibri"/>
+              </a:rPr>
+              <a:t>than the weak learners that compose it. </a:t>
             </a:r>
           </a:p>
         </p:txBody>
@@ -8898,7 +9331,7 @@
     </p:spTree>
     <p:extLst>
       <p:ext uri="{BB962C8B-B14F-4D97-AF65-F5344CB8AC3E}">
-        <p14:creationId xmlns:p14="http://schemas.microsoft.com/office/powerpoint/2010/main" val="2035133277"/>
+        <p14:creationId xmlns:p14="http://schemas.microsoft.com/office/powerpoint/2010/main" val="921183578"/>
       </p:ext>
     </p:extLst>
   </p:cSld>
@@ -8948,7 +9381,7 @@
           <a:p>
             <a:r>
               <a:rPr lang="en-GB" dirty="0"/>
-              <a:t>Induce Diversity</a:t>
+              <a:t>Ensemble Classifiers in SML</a:t>
             </a:r>
           </a:p>
         </p:txBody>
@@ -9030,7 +9463,7 @@
         <p:spPr>
           <a:xfrm>
             <a:off x="950555" y="1432299"/>
-            <a:ext cx="10403244" cy="3010568"/>
+            <a:ext cx="10403244" cy="3993401"/>
           </a:xfrm>
           <a:prstGeom prst="rect">
             <a:avLst/>
@@ -9041,30 +9474,6 @@
             <a:spAutoFit/>
           </a:bodyPr>
           <a:lstStyle/>
-          <a:p>
-            <a:pPr marL="12700">
-              <a:lnSpc>
-                <a:spcPct val="150000"/>
-              </a:lnSpc>
-              <a:spcBef>
-                <a:spcPts val="100"/>
-              </a:spcBef>
-              <a:buSzPct val="75000"/>
-              <a:tabLst>
-                <a:tab pos="354965" algn="l"/>
-                <a:tab pos="355600" algn="l"/>
-              </a:tabLst>
-            </a:pPr>
-            <a:r>
-              <a:rPr lang="en-GB" sz="2800" b="1" spc="-5" dirty="0">
-                <a:solidFill>
-                  <a:srgbClr val="C00000"/>
-                </a:solidFill>
-                <a:cs typeface="Calibri"/>
-              </a:rPr>
-              <a:t>Horizontal Partitioning</a:t>
-            </a:r>
-          </a:p>
           <a:p>
             <a:pPr marL="469900" indent="-457200">
               <a:lnSpc>
@@ -9082,70 +9491,203 @@
               </a:tabLst>
             </a:pPr>
             <a:r>
-              <a:rPr lang="en-GB" sz="2600" b="1" spc="-5" dirty="0">
-                <a:cs typeface="Calibri"/>
-              </a:rPr>
-              <a:t>Bagging</a:t>
-            </a:r>
-            <a:r>
-              <a:rPr lang="en-GB" sz="2600" spc="-5" dirty="0">
-                <a:cs typeface="Calibri"/>
-              </a:rPr>
-              <a:t>: build a set of </a:t>
-            </a:r>
-            <a:r>
-              <a:rPr lang="en-GB" sz="2600" b="1" i="1" spc="-5" dirty="0">
-                <a:cs typeface="Calibri"/>
-              </a:rPr>
-              <a:t>M</a:t>
-            </a:r>
-            <a:r>
-              <a:rPr lang="en-GB" sz="2600" spc="-5" dirty="0">
-                <a:cs typeface="Calibri"/>
-              </a:rPr>
-              <a:t> base models, with a bootstrap sample from the  original dataset of size </a:t>
-            </a:r>
-            <a:r>
-              <a:rPr lang="en-GB" sz="2600" b="1" i="1" spc="-5" dirty="0">
-                <a:cs typeface="Calibri"/>
-              </a:rPr>
-              <a:t>N</a:t>
-            </a:r>
-            <a:r>
-              <a:rPr lang="en-GB" sz="2600" spc="-5" dirty="0">
-                <a:cs typeface="Calibri"/>
-              </a:rPr>
-              <a:t>, created by drawing random samples with  replacement. Each bootstrap contains each original sample </a:t>
-            </a:r>
-            <a:r>
-              <a:rPr lang="en-GB" sz="2600" b="1" i="1" spc="-5" dirty="0">
-                <a:cs typeface="Calibri"/>
-              </a:rPr>
-              <a:t>K</a:t>
-            </a:r>
-            <a:r>
-              <a:rPr lang="en-GB" sz="2600" spc="-5" dirty="0">
-                <a:cs typeface="Calibri"/>
-              </a:rPr>
-              <a:t> times, where  </a:t>
-            </a:r>
-            <a:r>
-              <a:rPr lang="en-GB" sz="2600" b="1" i="1" spc="-5" dirty="0" err="1">
-                <a:cs typeface="Calibri"/>
-              </a:rPr>
-              <a:t>Pr</a:t>
-            </a:r>
-            <a:r>
-              <a:rPr lang="en-GB" sz="2600" b="1" i="1" spc="-5" dirty="0">
-                <a:cs typeface="Calibri"/>
-              </a:rPr>
-              <a:t>(K=k) </a:t>
-            </a:r>
-            <a:r>
-              <a:rPr lang="en-GB" sz="2600" spc="-5" dirty="0">
-                <a:cs typeface="Calibri"/>
-              </a:rPr>
-              <a:t>follows a binomial distribution.</a:t>
+              <a:rPr lang="en-GB" sz="2400" b="1" spc="-5" dirty="0">
+                <a:cs typeface="Calibri"/>
+              </a:rPr>
+              <a:t>Diversity</a:t>
+            </a:r>
+            <a:r>
+              <a:rPr lang="en-GB" sz="2400" spc="-5" dirty="0">
+                <a:cs typeface="Calibri"/>
+              </a:rPr>
+              <a:t>: induce diversity among learners</a:t>
+            </a:r>
+          </a:p>
+          <a:p>
+            <a:pPr marL="469900" indent="-457200">
+              <a:lnSpc>
+                <a:spcPct val="150000"/>
+              </a:lnSpc>
+              <a:spcBef>
+                <a:spcPts val="100"/>
+              </a:spcBef>
+              <a:buSzPct val="75000"/>
+              <a:buFont typeface="Arial" panose="020B0604020202020204" pitchFamily="34" charset="0"/>
+              <a:buChar char="•"/>
+              <a:tabLst>
+                <a:tab pos="354965" algn="l"/>
+                <a:tab pos="355600" algn="l"/>
+              </a:tabLst>
+            </a:pPr>
+            <a:r>
+              <a:rPr lang="en-GB" sz="2400" b="1" spc="-5" dirty="0">
+                <a:cs typeface="Calibri"/>
+              </a:rPr>
+              <a:t>Combination</a:t>
+            </a:r>
+            <a:r>
+              <a:rPr lang="en-GB" sz="2400" spc="-5" dirty="0">
+                <a:cs typeface="Calibri"/>
+              </a:rPr>
+              <a:t>: combine the predictions</a:t>
+            </a:r>
+          </a:p>
+          <a:p>
+            <a:pPr marL="469900" indent="-457200">
+              <a:lnSpc>
+                <a:spcPct val="150000"/>
+              </a:lnSpc>
+              <a:spcBef>
+                <a:spcPts val="100"/>
+              </a:spcBef>
+              <a:buSzPct val="75000"/>
+              <a:buFont typeface="Arial" panose="020B0604020202020204" pitchFamily="34" charset="0"/>
+              <a:buChar char="•"/>
+              <a:tabLst>
+                <a:tab pos="354965" algn="l"/>
+                <a:tab pos="355600" algn="l"/>
+              </a:tabLst>
+            </a:pPr>
+            <a:r>
+              <a:rPr lang="en-GB" sz="2400" b="1" spc="-5" dirty="0">
+                <a:cs typeface="Calibri"/>
+              </a:rPr>
+              <a:t>Adaptation</a:t>
+            </a:r>
+            <a:r>
+              <a:rPr lang="en-GB" sz="2400" spc="-5" dirty="0">
+                <a:cs typeface="Calibri"/>
+              </a:rPr>
+              <a:t>: adapt to evolving data</a:t>
+            </a:r>
+          </a:p>
+          <a:p>
+            <a:pPr marL="12700">
+              <a:lnSpc>
+                <a:spcPct val="100000"/>
+              </a:lnSpc>
+              <a:spcBef>
+                <a:spcPts val="100"/>
+              </a:spcBef>
+              <a:buSzPct val="75000"/>
+              <a:tabLst>
+                <a:tab pos="354965" algn="l"/>
+                <a:tab pos="355600" algn="l"/>
+              </a:tabLst>
+            </a:pPr>
+            <a:endParaRPr lang="en-GB" sz="2400" spc="-5" dirty="0">
+              <a:cs typeface="Calibri"/>
+            </a:endParaRPr>
+          </a:p>
+          <a:p>
+            <a:pPr marL="12700">
+              <a:lnSpc>
+                <a:spcPct val="100000"/>
+              </a:lnSpc>
+              <a:spcBef>
+                <a:spcPts val="100"/>
+              </a:spcBef>
+              <a:buSzPct val="75000"/>
+              <a:tabLst>
+                <a:tab pos="354965" algn="l"/>
+                <a:tab pos="355600" algn="l"/>
+              </a:tabLst>
+            </a:pPr>
+            <a:r>
+              <a:rPr lang="en-GB" sz="2400" b="1" spc="-5" dirty="0">
+                <a:cs typeface="Calibri"/>
+              </a:rPr>
+              <a:t>Pro</a:t>
+            </a:r>
+          </a:p>
+          <a:p>
+            <a:pPr marL="469900" indent="-457200">
+              <a:lnSpc>
+                <a:spcPct val="100000"/>
+              </a:lnSpc>
+              <a:spcBef>
+                <a:spcPts val="100"/>
+              </a:spcBef>
+              <a:buSzPct val="75000"/>
+              <a:buFont typeface="Arial" panose="020B0604020202020204" pitchFamily="34" charset="0"/>
+              <a:buChar char="•"/>
+              <a:tabLst>
+                <a:tab pos="354965" algn="l"/>
+                <a:tab pos="355600" algn="l"/>
+              </a:tabLst>
+            </a:pPr>
+            <a:r>
+              <a:rPr lang="en-GB" sz="2400" spc="-5" dirty="0">
+                <a:cs typeface="Calibri"/>
+              </a:rPr>
+              <a:t>High Predictive performance</a:t>
+            </a:r>
+          </a:p>
+          <a:p>
+            <a:pPr marL="469900" indent="-457200">
+              <a:lnSpc>
+                <a:spcPct val="100000"/>
+              </a:lnSpc>
+              <a:spcBef>
+                <a:spcPts val="100"/>
+              </a:spcBef>
+              <a:buSzPct val="75000"/>
+              <a:buFont typeface="Arial" panose="020B0604020202020204" pitchFamily="34" charset="0"/>
+              <a:buChar char="•"/>
+              <a:tabLst>
+                <a:tab pos="354965" algn="l"/>
+                <a:tab pos="355600" algn="l"/>
+              </a:tabLst>
+            </a:pPr>
+            <a:r>
+              <a:rPr lang="en-GB" sz="2400" spc="-5" dirty="0">
+                <a:cs typeface="Calibri"/>
+              </a:rPr>
+              <a:t>Flexibility</a:t>
+            </a:r>
+          </a:p>
+          <a:p>
+            <a:pPr marL="12700">
+              <a:lnSpc>
+                <a:spcPct val="100000"/>
+              </a:lnSpc>
+              <a:spcBef>
+                <a:spcPts val="100"/>
+              </a:spcBef>
+              <a:buSzPct val="75000"/>
+              <a:tabLst>
+                <a:tab pos="354965" algn="l"/>
+                <a:tab pos="355600" algn="l"/>
+              </a:tabLst>
+            </a:pPr>
+            <a:r>
+              <a:rPr lang="en-GB" sz="2400" b="1" spc="-5" dirty="0">
+                <a:cs typeface="Calibri"/>
+              </a:rPr>
+              <a:t>Cons</a:t>
+            </a:r>
+          </a:p>
+          <a:p>
+            <a:pPr marL="469900" indent="-457200">
+              <a:lnSpc>
+                <a:spcPct val="100000"/>
+              </a:lnSpc>
+              <a:spcBef>
+                <a:spcPts val="100"/>
+              </a:spcBef>
+              <a:buSzPct val="75000"/>
+              <a:buFont typeface="Arial" panose="020B0604020202020204" pitchFamily="34" charset="0"/>
+              <a:buChar char="•"/>
+              <a:tabLst>
+                <a:tab pos="354965" algn="l"/>
+                <a:tab pos="355600" algn="l"/>
+              </a:tabLst>
+            </a:pPr>
+            <a:r>
+              <a:rPr lang="en-GB" sz="2400" spc="-5" dirty="0">
+                <a:cs typeface="Calibri"/>
+              </a:rPr>
+              <a:t>Computational resources</a:t>
             </a:r>
           </a:p>
         </p:txBody>
@@ -9330,7 +9872,7 @@
     </p:spTree>
     <p:extLst>
       <p:ext uri="{BB962C8B-B14F-4D97-AF65-F5344CB8AC3E}">
-        <p14:creationId xmlns:p14="http://schemas.microsoft.com/office/powerpoint/2010/main" val="1904633288"/>
+        <p14:creationId xmlns:p14="http://schemas.microsoft.com/office/powerpoint/2010/main" val="2035133277"/>
       </p:ext>
     </p:extLst>
   </p:cSld>
@@ -9462,7 +10004,7 @@
         <p:spPr>
           <a:xfrm>
             <a:off x="950555" y="1432299"/>
-            <a:ext cx="10403244" cy="1210075"/>
+            <a:ext cx="10403244" cy="3010568"/>
           </a:xfrm>
           <a:prstGeom prst="rect">
             <a:avLst/>
@@ -9494,7 +10036,7 @@
                 </a:solidFill>
                 <a:cs typeface="Calibri"/>
               </a:rPr>
-              <a:t>Vertical Partitioning</a:t>
+              <a:t>Horizontal Partitioning</a:t>
             </a:r>
           </a:p>
           <a:p>
@@ -9517,13 +10059,67 @@
               <a:rPr lang="en-GB" sz="2600" b="1" spc="-5" dirty="0">
                 <a:cs typeface="Calibri"/>
               </a:rPr>
-              <a:t>Random Subspaces: </a:t>
+              <a:t>Bagging</a:t>
             </a:r>
             <a:r>
               <a:rPr lang="en-GB" sz="2600" spc="-5" dirty="0">
                 <a:cs typeface="Calibri"/>
               </a:rPr>
-              <a:t>train learners on different subsets of features</a:t>
+              <a:t>: build a set of </a:t>
+            </a:r>
+            <a:r>
+              <a:rPr lang="en-GB" sz="2600" b="1" i="1" spc="-5" dirty="0">
+                <a:cs typeface="Calibri"/>
+              </a:rPr>
+              <a:t>M</a:t>
+            </a:r>
+            <a:r>
+              <a:rPr lang="en-GB" sz="2600" spc="-5" dirty="0">
+                <a:cs typeface="Calibri"/>
+              </a:rPr>
+              <a:t> base models, with a bootstrap sample from the  original dataset of size </a:t>
+            </a:r>
+            <a:r>
+              <a:rPr lang="en-GB" sz="2600" b="1" i="1" spc="-5" dirty="0">
+                <a:cs typeface="Calibri"/>
+              </a:rPr>
+              <a:t>N</a:t>
+            </a:r>
+            <a:r>
+              <a:rPr lang="en-GB" sz="2600" spc="-5" dirty="0">
+                <a:cs typeface="Calibri"/>
+              </a:rPr>
+              <a:t>, created by drawing random samples with  replacement. Each bootstrap contains each original sample </a:t>
+            </a:r>
+            <a:r>
+              <a:rPr lang="en-GB" sz="2600" b="1" i="1" spc="-5" dirty="0">
+                <a:cs typeface="Calibri"/>
+              </a:rPr>
+              <a:t>K</a:t>
+            </a:r>
+            <a:r>
+              <a:rPr lang="en-GB" sz="2600" spc="-5" dirty="0">
+                <a:cs typeface="Calibri"/>
+              </a:rPr>
+              <a:t> times, where  </a:t>
+            </a:r>
+            <a:r>
+              <a:rPr lang="en-GB" sz="2600" b="1" i="1" spc="-5" dirty="0" err="1">
+                <a:cs typeface="Calibri"/>
+              </a:rPr>
+              <a:t>Pr</a:t>
+            </a:r>
+            <a:r>
+              <a:rPr lang="en-GB" sz="2600" b="1" i="1" spc="-5" dirty="0">
+                <a:cs typeface="Calibri"/>
+              </a:rPr>
+              <a:t>(K=k) </a:t>
+            </a:r>
+            <a:r>
+              <a:rPr lang="en-GB" sz="2600" spc="-5" dirty="0">
+                <a:cs typeface="Calibri"/>
+              </a:rPr>
+              <a:t>follows a binomial distribution.</a:t>
             </a:r>
           </a:p>
         </p:txBody>
@@ -9705,144 +10301,10 @@
           </a:p>
         </p:txBody>
       </p:sp>
-      <p:pic>
-        <p:nvPicPr>
-          <p:cNvPr id="7" name="object 4">
-            <a:extLst>
-              <a:ext uri="{FF2B5EF4-FFF2-40B4-BE49-F238E27FC236}">
-                <a16:creationId xmlns:a16="http://schemas.microsoft.com/office/drawing/2014/main" id="{26D3504E-FFBB-9958-6D60-C616E2E0D8A3}"/>
-              </a:ext>
-            </a:extLst>
-          </p:cNvPr>
-          <p:cNvPicPr>
-            <a:picLocks noChangeAspect="1"/>
-          </p:cNvPicPr>
-          <p:nvPr/>
-        </p:nvPicPr>
-        <p:blipFill>
-          <a:blip r:embed="rId4" cstate="print"/>
-          <a:stretch>
-            <a:fillRect/>
-          </a:stretch>
-        </p:blipFill>
-        <p:spPr>
-          <a:xfrm>
-            <a:off x="2014999" y="3414768"/>
-            <a:ext cx="4081001" cy="2098800"/>
-          </a:xfrm>
-          <a:prstGeom prst="rect">
-            <a:avLst/>
-          </a:prstGeom>
-        </p:spPr>
-      </p:pic>
-      <p:pic>
-        <p:nvPicPr>
-          <p:cNvPr id="8" name="object 5">
-            <a:extLst>
-              <a:ext uri="{FF2B5EF4-FFF2-40B4-BE49-F238E27FC236}">
-                <a16:creationId xmlns:a16="http://schemas.microsoft.com/office/drawing/2014/main" id="{2CE2ACD3-1614-E469-8D7E-703BFD06F263}"/>
-              </a:ext>
-            </a:extLst>
-          </p:cNvPr>
-          <p:cNvPicPr>
-            <a:picLocks noChangeAspect="1"/>
-          </p:cNvPicPr>
-          <p:nvPr/>
-        </p:nvPicPr>
-        <p:blipFill>
-          <a:blip r:embed="rId5" cstate="print"/>
-          <a:stretch>
-            <a:fillRect/>
-          </a:stretch>
-        </p:blipFill>
-        <p:spPr>
-          <a:xfrm>
-            <a:off x="7201693" y="3415593"/>
-            <a:ext cx="1468582" cy="2097975"/>
-          </a:xfrm>
-          <a:prstGeom prst="rect">
-            <a:avLst/>
-          </a:prstGeom>
-        </p:spPr>
-      </p:pic>
-      <p:sp>
-        <p:nvSpPr>
-          <p:cNvPr id="9" name="CasellaDiTesto 8">
-            <a:extLst>
-              <a:ext uri="{FF2B5EF4-FFF2-40B4-BE49-F238E27FC236}">
-                <a16:creationId xmlns:a16="http://schemas.microsoft.com/office/drawing/2014/main" id="{95B3EBDA-0F98-9319-1897-DE63D2EF465F}"/>
-              </a:ext>
-            </a:extLst>
-          </p:cNvPr>
-          <p:cNvSpPr txBox="1"/>
-          <p:nvPr/>
-        </p:nvSpPr>
-        <p:spPr>
-          <a:xfrm>
-            <a:off x="2655813" y="2863320"/>
-            <a:ext cx="2799372" cy="466732"/>
-          </a:xfrm>
-          <a:prstGeom prst="rect">
-            <a:avLst/>
-          </a:prstGeom>
-        </p:spPr>
-        <p:txBody>
-          <a:bodyPr vert="horz" wrap="square" lIns="91440" tIns="45720" rIns="91440" bIns="45720" rtlCol="0">
-            <a:noAutofit/>
-          </a:bodyPr>
-          <a:lstStyle/>
-          <a:p>
-            <a:pPr algn="l"/>
-            <a:r>
-              <a:rPr lang="en-GB" sz="2400" b="1" spc="-5" dirty="0">
-                <a:cs typeface="Calibri"/>
-              </a:rPr>
-              <a:t>Local Randomization</a:t>
-            </a:r>
-          </a:p>
-        </p:txBody>
-      </p:sp>
-      <p:sp>
-        <p:nvSpPr>
-          <p:cNvPr id="10" name="CasellaDiTesto 9">
-            <a:extLst>
-              <a:ext uri="{FF2B5EF4-FFF2-40B4-BE49-F238E27FC236}">
-                <a16:creationId xmlns:a16="http://schemas.microsoft.com/office/drawing/2014/main" id="{7A32C159-B08A-02C3-B733-E0960B85116C}"/>
-              </a:ext>
-            </a:extLst>
-          </p:cNvPr>
-          <p:cNvSpPr txBox="1"/>
-          <p:nvPr/>
-        </p:nvSpPr>
-        <p:spPr>
-          <a:xfrm>
-            <a:off x="6451461" y="2863320"/>
-            <a:ext cx="2969045" cy="466732"/>
-          </a:xfrm>
-          <a:prstGeom prst="rect">
-            <a:avLst/>
-          </a:prstGeom>
-        </p:spPr>
-        <p:txBody>
-          <a:bodyPr vert="horz" wrap="square" lIns="91440" tIns="45720" rIns="91440" bIns="45720" rtlCol="0">
-            <a:noAutofit/>
-          </a:bodyPr>
-          <a:lstStyle/>
-          <a:p>
-            <a:pPr algn="l"/>
-            <a:r>
-              <a:rPr lang="en-GB" sz="2400" b="1" spc="-5" dirty="0">
-                <a:cs typeface="Calibri"/>
-              </a:rPr>
-              <a:t>Global Randomization</a:t>
-            </a:r>
-          </a:p>
-        </p:txBody>
-      </p:sp>
     </p:spTree>
     <p:extLst>
       <p:ext uri="{BB962C8B-B14F-4D97-AF65-F5344CB8AC3E}">
-        <p14:creationId xmlns:p14="http://schemas.microsoft.com/office/powerpoint/2010/main" val="1425737820"/>
+        <p14:creationId xmlns:p14="http://schemas.microsoft.com/office/powerpoint/2010/main" val="1904633288"/>
       </p:ext>
     </p:extLst>
   </p:cSld>
@@ -9974,7 +10436,7 @@
         <p:spPr>
           <a:xfrm>
             <a:off x="950555" y="1432299"/>
-            <a:ext cx="10403244" cy="2423227"/>
+            <a:ext cx="10403244" cy="1210075"/>
           </a:xfrm>
           <a:prstGeom prst="rect">
             <a:avLst/>
@@ -10006,7 +10468,7 @@
                 </a:solidFill>
                 <a:cs typeface="Calibri"/>
               </a:rPr>
-              <a:t>Others</a:t>
+              <a:t>Vertical Partitioning</a:t>
             </a:r>
           </a:p>
           <a:p>
@@ -10029,45 +10491,13 @@
               <a:rPr lang="en-GB" sz="2600" b="1" spc="-5" dirty="0">
                 <a:cs typeface="Calibri"/>
               </a:rPr>
-              <a:t>Base Learner Manipulation: </a:t>
+              <a:t>Random Subspaces: </a:t>
             </a:r>
             <a:r>
               <a:rPr lang="en-GB" sz="2600" spc="-5" dirty="0">
                 <a:cs typeface="Calibri"/>
               </a:rPr>
-              <a:t>varying parameters of the same base learner</a:t>
-            </a:r>
-            <a:endParaRPr lang="en-GB" sz="2600" b="1" spc="-5" dirty="0">
-              <a:cs typeface="Calibri"/>
-            </a:endParaRPr>
-          </a:p>
-          <a:p>
-            <a:pPr marL="469900" indent="-457200">
-              <a:lnSpc>
-                <a:spcPct val="150000"/>
-              </a:lnSpc>
-              <a:spcBef>
-                <a:spcPts val="100"/>
-              </a:spcBef>
-              <a:buSzPct val="75000"/>
-              <a:buFont typeface="Arial" panose="020B0604020202020204" pitchFamily="34" charset="0"/>
-              <a:buChar char="•"/>
-              <a:tabLst>
-                <a:tab pos="354965" algn="l"/>
-                <a:tab pos="355600" algn="l"/>
-              </a:tabLst>
-            </a:pPr>
-            <a:r>
-              <a:rPr lang="en-GB" sz="2600" b="1" spc="-5" dirty="0">
-                <a:cs typeface="Calibri"/>
-              </a:rPr>
-              <a:t>Heterogeneous Base Learners (Stacking): </a:t>
-            </a:r>
-            <a:r>
-              <a:rPr lang="en-GB" sz="2600" spc="-5" dirty="0">
-                <a:cs typeface="Calibri"/>
-              </a:rPr>
-              <a:t>use heterogeneous base learners and obtain  ensemble members with different biases</a:t>
+              <a:t>train learners on different subsets of features</a:t>
             </a:r>
           </a:p>
         </p:txBody>
@@ -10249,10 +10679,144 @@
           </a:p>
         </p:txBody>
       </p:sp>
+      <p:pic>
+        <p:nvPicPr>
+          <p:cNvPr id="7" name="object 4">
+            <a:extLst>
+              <a:ext uri="{FF2B5EF4-FFF2-40B4-BE49-F238E27FC236}">
+                <a16:creationId xmlns:a16="http://schemas.microsoft.com/office/drawing/2014/main" id="{26D3504E-FFBB-9958-6D60-C616E2E0D8A3}"/>
+              </a:ext>
+            </a:extLst>
+          </p:cNvPr>
+          <p:cNvPicPr>
+            <a:picLocks noChangeAspect="1"/>
+          </p:cNvPicPr>
+          <p:nvPr/>
+        </p:nvPicPr>
+        <p:blipFill>
+          <a:blip r:embed="rId4" cstate="print"/>
+          <a:stretch>
+            <a:fillRect/>
+          </a:stretch>
+        </p:blipFill>
+        <p:spPr>
+          <a:xfrm>
+            <a:off x="2014999" y="3414768"/>
+            <a:ext cx="4081001" cy="2098800"/>
+          </a:xfrm>
+          <a:prstGeom prst="rect">
+            <a:avLst/>
+          </a:prstGeom>
+        </p:spPr>
+      </p:pic>
+      <p:pic>
+        <p:nvPicPr>
+          <p:cNvPr id="8" name="object 5">
+            <a:extLst>
+              <a:ext uri="{FF2B5EF4-FFF2-40B4-BE49-F238E27FC236}">
+                <a16:creationId xmlns:a16="http://schemas.microsoft.com/office/drawing/2014/main" id="{2CE2ACD3-1614-E469-8D7E-703BFD06F263}"/>
+              </a:ext>
+            </a:extLst>
+          </p:cNvPr>
+          <p:cNvPicPr>
+            <a:picLocks noChangeAspect="1"/>
+          </p:cNvPicPr>
+          <p:nvPr/>
+        </p:nvPicPr>
+        <p:blipFill>
+          <a:blip r:embed="rId5" cstate="print"/>
+          <a:stretch>
+            <a:fillRect/>
+          </a:stretch>
+        </p:blipFill>
+        <p:spPr>
+          <a:xfrm>
+            <a:off x="7201693" y="3415593"/>
+            <a:ext cx="1468582" cy="2097975"/>
+          </a:xfrm>
+          <a:prstGeom prst="rect">
+            <a:avLst/>
+          </a:prstGeom>
+        </p:spPr>
+      </p:pic>
+      <p:sp>
+        <p:nvSpPr>
+          <p:cNvPr id="9" name="CasellaDiTesto 8">
+            <a:extLst>
+              <a:ext uri="{FF2B5EF4-FFF2-40B4-BE49-F238E27FC236}">
+                <a16:creationId xmlns:a16="http://schemas.microsoft.com/office/drawing/2014/main" id="{95B3EBDA-0F98-9319-1897-DE63D2EF465F}"/>
+              </a:ext>
+            </a:extLst>
+          </p:cNvPr>
+          <p:cNvSpPr txBox="1"/>
+          <p:nvPr/>
+        </p:nvSpPr>
+        <p:spPr>
+          <a:xfrm>
+            <a:off x="2655813" y="2863320"/>
+            <a:ext cx="2799372" cy="466732"/>
+          </a:xfrm>
+          <a:prstGeom prst="rect">
+            <a:avLst/>
+          </a:prstGeom>
+        </p:spPr>
+        <p:txBody>
+          <a:bodyPr vert="horz" wrap="square" lIns="91440" tIns="45720" rIns="91440" bIns="45720" rtlCol="0">
+            <a:noAutofit/>
+          </a:bodyPr>
+          <a:lstStyle/>
+          <a:p>
+            <a:pPr algn="l"/>
+            <a:r>
+              <a:rPr lang="en-GB" sz="2400" b="1" spc="-5" dirty="0">
+                <a:cs typeface="Calibri"/>
+              </a:rPr>
+              <a:t>Local Randomization</a:t>
+            </a:r>
+          </a:p>
+        </p:txBody>
+      </p:sp>
+      <p:sp>
+        <p:nvSpPr>
+          <p:cNvPr id="10" name="CasellaDiTesto 9">
+            <a:extLst>
+              <a:ext uri="{FF2B5EF4-FFF2-40B4-BE49-F238E27FC236}">
+                <a16:creationId xmlns:a16="http://schemas.microsoft.com/office/drawing/2014/main" id="{7A32C159-B08A-02C3-B733-E0960B85116C}"/>
+              </a:ext>
+            </a:extLst>
+          </p:cNvPr>
+          <p:cNvSpPr txBox="1"/>
+          <p:nvPr/>
+        </p:nvSpPr>
+        <p:spPr>
+          <a:xfrm>
+            <a:off x="6451461" y="2863320"/>
+            <a:ext cx="2969045" cy="466732"/>
+          </a:xfrm>
+          <a:prstGeom prst="rect">
+            <a:avLst/>
+          </a:prstGeom>
+        </p:spPr>
+        <p:txBody>
+          <a:bodyPr vert="horz" wrap="square" lIns="91440" tIns="45720" rIns="91440" bIns="45720" rtlCol="0">
+            <a:noAutofit/>
+          </a:bodyPr>
+          <a:lstStyle/>
+          <a:p>
+            <a:pPr algn="l"/>
+            <a:r>
+              <a:rPr lang="en-GB" sz="2400" b="1" spc="-5" dirty="0">
+                <a:cs typeface="Calibri"/>
+              </a:rPr>
+              <a:t>Global Randomization</a:t>
+            </a:r>
+          </a:p>
+        </p:txBody>
+      </p:sp>
     </p:spTree>
     <p:extLst>
       <p:ext uri="{BB962C8B-B14F-4D97-AF65-F5344CB8AC3E}">
-        <p14:creationId xmlns:p14="http://schemas.microsoft.com/office/powerpoint/2010/main" val="766671583"/>
+        <p14:creationId xmlns:p14="http://schemas.microsoft.com/office/powerpoint/2010/main" val="1425737820"/>
       </p:ext>
     </p:extLst>
   </p:cSld>
@@ -10295,6 +10859,416 @@
             <p:ph type="title"/>
           </p:nvPr>
         </p:nvSpPr>
+        <p:spPr/>
+        <p:txBody>
+          <a:bodyPr/>
+          <a:lstStyle/>
+          <a:p>
+            <a:r>
+              <a:rPr lang="en-GB" dirty="0"/>
+              <a:t>Induce Diversity</a:t>
+            </a:r>
+          </a:p>
+        </p:txBody>
+      </p:sp>
+      <p:sp>
+        <p:nvSpPr>
+          <p:cNvPr id="3" name="Slide Number Placeholder 2">
+            <a:extLst>
+              <a:ext uri="{FF2B5EF4-FFF2-40B4-BE49-F238E27FC236}">
+                <a16:creationId xmlns:a16="http://schemas.microsoft.com/office/drawing/2014/main" id="{2A591F49-3458-7E90-1995-2728306046D3}"/>
+              </a:ext>
+            </a:extLst>
+          </p:cNvPr>
+          <p:cNvSpPr>
+            <a:spLocks noGrp="1"/>
+          </p:cNvSpPr>
+          <p:nvPr>
+            <p:ph type="sldNum" sz="quarter" idx="11"/>
+          </p:nvPr>
+        </p:nvSpPr>
+        <p:spPr/>
+        <p:txBody>
+          <a:bodyPr/>
+          <a:lstStyle/>
+          <a:p>
+            <a:fld id="{0365D038-E70F-B244-A1AE-4DC4A8F32122}" type="slidenum">
+              <a:rPr lang="it-IT" smtClean="0"/>
+              <a:t>17</a:t>
+            </a:fld>
+            <a:endParaRPr lang="it-IT" dirty="0"/>
+          </a:p>
+        </p:txBody>
+      </p:sp>
+      <p:sp>
+        <p:nvSpPr>
+          <p:cNvPr id="5" name="Footer Placeholder 1">
+            <a:extLst>
+              <a:ext uri="{FF2B5EF4-FFF2-40B4-BE49-F238E27FC236}">
+                <a16:creationId xmlns:a16="http://schemas.microsoft.com/office/drawing/2014/main" id="{77907C65-A885-1D9E-9D5C-D8112CF0F4E6}"/>
+              </a:ext>
+            </a:extLst>
+          </p:cNvPr>
+          <p:cNvSpPr>
+            <a:spLocks noGrp="1"/>
+          </p:cNvSpPr>
+          <p:nvPr>
+            <p:ph type="ftr" sz="quarter" idx="10"/>
+          </p:nvPr>
+        </p:nvSpPr>
+        <p:spPr>
+          <a:xfrm>
+            <a:off x="3270173" y="6356350"/>
+            <a:ext cx="5651653" cy="365125"/>
+          </a:xfrm>
+        </p:spPr>
+        <p:txBody>
+          <a:bodyPr/>
+          <a:lstStyle/>
+          <a:p>
+            <a:r>
+              <a:rPr lang="it-IT" dirty="0"/>
+              <a:t>Alessio Bernardo - alessio.bernardo@polimi.it</a:t>
+            </a:r>
+          </a:p>
+        </p:txBody>
+      </p:sp>
+      <p:sp>
+        <p:nvSpPr>
+          <p:cNvPr id="2" name="object 3">
+            <a:extLst>
+              <a:ext uri="{FF2B5EF4-FFF2-40B4-BE49-F238E27FC236}">
+                <a16:creationId xmlns:a16="http://schemas.microsoft.com/office/drawing/2014/main" id="{774C43D3-91B4-703D-D000-C1A288ED44A2}"/>
+              </a:ext>
+            </a:extLst>
+          </p:cNvPr>
+          <p:cNvSpPr txBox="1"/>
+          <p:nvPr/>
+        </p:nvSpPr>
+        <p:spPr>
+          <a:xfrm>
+            <a:off x="950555" y="1432299"/>
+            <a:ext cx="10403244" cy="2423227"/>
+          </a:xfrm>
+          <a:prstGeom prst="rect">
+            <a:avLst/>
+          </a:prstGeom>
+        </p:spPr>
+        <p:txBody>
+          <a:bodyPr vert="horz" wrap="square" lIns="0" tIns="12700" rIns="0" bIns="0" rtlCol="0">
+            <a:spAutoFit/>
+          </a:bodyPr>
+          <a:lstStyle/>
+          <a:p>
+            <a:pPr marL="12700">
+              <a:lnSpc>
+                <a:spcPct val="150000"/>
+              </a:lnSpc>
+              <a:spcBef>
+                <a:spcPts val="100"/>
+              </a:spcBef>
+              <a:buSzPct val="75000"/>
+              <a:tabLst>
+                <a:tab pos="354965" algn="l"/>
+                <a:tab pos="355600" algn="l"/>
+              </a:tabLst>
+            </a:pPr>
+            <a:r>
+              <a:rPr lang="en-GB" sz="2800" b="1" spc="-5" dirty="0">
+                <a:solidFill>
+                  <a:srgbClr val="C00000"/>
+                </a:solidFill>
+                <a:cs typeface="Calibri"/>
+              </a:rPr>
+              <a:t>Others</a:t>
+            </a:r>
+          </a:p>
+          <a:p>
+            <a:pPr marL="469900" indent="-457200">
+              <a:lnSpc>
+                <a:spcPct val="150000"/>
+              </a:lnSpc>
+              <a:spcBef>
+                <a:spcPts val="100"/>
+              </a:spcBef>
+              <a:buSzPct val="75000"/>
+              <a:buFont typeface="Arial" panose="020B0604020202020204" pitchFamily="34" charset="0"/>
+              <a:buChar char="•"/>
+              <a:tabLst>
+                <a:tab pos="354965" algn="l"/>
+                <a:tab pos="355600" algn="l"/>
+              </a:tabLst>
+            </a:pPr>
+            <a:r>
+              <a:rPr lang="en-GB" sz="2600" b="1" spc="-5" dirty="0">
+                <a:cs typeface="Calibri"/>
+              </a:rPr>
+              <a:t>Base Learner Manipulation: </a:t>
+            </a:r>
+            <a:r>
+              <a:rPr lang="en-GB" sz="2600" spc="-5" dirty="0">
+                <a:cs typeface="Calibri"/>
+              </a:rPr>
+              <a:t>varying parameters of the same base learner</a:t>
+            </a:r>
+            <a:endParaRPr lang="en-GB" sz="2600" b="1" spc="-5" dirty="0">
+              <a:cs typeface="Calibri"/>
+            </a:endParaRPr>
+          </a:p>
+          <a:p>
+            <a:pPr marL="469900" indent="-457200">
+              <a:lnSpc>
+                <a:spcPct val="150000"/>
+              </a:lnSpc>
+              <a:spcBef>
+                <a:spcPts val="100"/>
+              </a:spcBef>
+              <a:buSzPct val="75000"/>
+              <a:buFont typeface="Arial" panose="020B0604020202020204" pitchFamily="34" charset="0"/>
+              <a:buChar char="•"/>
+              <a:tabLst>
+                <a:tab pos="354965" algn="l"/>
+                <a:tab pos="355600" algn="l"/>
+              </a:tabLst>
+            </a:pPr>
+            <a:r>
+              <a:rPr lang="en-GB" sz="2600" b="1" spc="-5" dirty="0">
+                <a:cs typeface="Calibri"/>
+              </a:rPr>
+              <a:t>Heterogeneous Base Learners (Stacking): </a:t>
+            </a:r>
+            <a:r>
+              <a:rPr lang="en-GB" sz="2600" spc="-5" dirty="0">
+                <a:cs typeface="Calibri"/>
+              </a:rPr>
+              <a:t>use heterogeneous base learners and obtain  ensemble members with different biases</a:t>
+            </a:r>
+          </a:p>
+        </p:txBody>
+      </p:sp>
+      <p:pic>
+        <p:nvPicPr>
+          <p:cNvPr id="86" name="object 42">
+            <a:extLst>
+              <a:ext uri="{FF2B5EF4-FFF2-40B4-BE49-F238E27FC236}">
+                <a16:creationId xmlns:a16="http://schemas.microsoft.com/office/drawing/2014/main" id="{B5F85516-F625-9613-EE8D-E5B862C722A5}"/>
+              </a:ext>
+            </a:extLst>
+          </p:cNvPr>
+          <p:cNvPicPr/>
+          <p:nvPr/>
+        </p:nvPicPr>
+        <p:blipFill>
+          <a:blip r:embed="rId3" cstate="print"/>
+          <a:stretch>
+            <a:fillRect/>
+          </a:stretch>
+        </p:blipFill>
+        <p:spPr>
+          <a:xfrm>
+            <a:off x="8905109" y="2631480"/>
+            <a:ext cx="908028" cy="231840"/>
+          </a:xfrm>
+          <a:prstGeom prst="rect">
+            <a:avLst/>
+          </a:prstGeom>
+        </p:spPr>
+      </p:pic>
+      <p:sp>
+        <p:nvSpPr>
+          <p:cNvPr id="88" name="CasellaDiTesto 87">
+            <a:extLst>
+              <a:ext uri="{FF2B5EF4-FFF2-40B4-BE49-F238E27FC236}">
+                <a16:creationId xmlns:a16="http://schemas.microsoft.com/office/drawing/2014/main" id="{E097C659-3240-384A-0B1D-989868993B07}"/>
+              </a:ext>
+            </a:extLst>
+          </p:cNvPr>
+          <p:cNvSpPr txBox="1"/>
+          <p:nvPr/>
+        </p:nvSpPr>
+        <p:spPr>
+          <a:xfrm>
+            <a:off x="9595945" y="1460938"/>
+            <a:ext cx="0" cy="0"/>
+          </a:xfrm>
+          <a:prstGeom prst="rect">
+            <a:avLst/>
+          </a:prstGeom>
+        </p:spPr>
+        <p:txBody>
+          <a:bodyPr vert="horz" wrap="none" lIns="91440" tIns="45720" rIns="91440" bIns="45720" rtlCol="0">
+            <a:normAutofit fontScale="25000" lnSpcReduction="20000"/>
+          </a:bodyPr>
+          <a:lstStyle/>
+          <a:p>
+            <a:pPr algn="l"/>
+            <a:endParaRPr lang="it-IT" sz="4000" b="0" dirty="0">
+              <a:solidFill>
+                <a:schemeClr val="bg1"/>
+              </a:solidFill>
+            </a:endParaRPr>
+          </a:p>
+        </p:txBody>
+      </p:sp>
+      <p:sp>
+        <p:nvSpPr>
+          <p:cNvPr id="20" name="object 18">
+            <a:extLst>
+              <a:ext uri="{FF2B5EF4-FFF2-40B4-BE49-F238E27FC236}">
+                <a16:creationId xmlns:a16="http://schemas.microsoft.com/office/drawing/2014/main" id="{3D51F4A2-E485-7F59-7A1A-642571700484}"/>
+              </a:ext>
+            </a:extLst>
+          </p:cNvPr>
+          <p:cNvSpPr txBox="1"/>
+          <p:nvPr/>
+        </p:nvSpPr>
+        <p:spPr>
+          <a:xfrm>
+            <a:off x="1505999" y="6054191"/>
+            <a:ext cx="9180000" cy="228268"/>
+          </a:xfrm>
+          <a:prstGeom prst="rect">
+            <a:avLst/>
+          </a:prstGeom>
+          <a:ln>
+            <a:solidFill>
+              <a:schemeClr val="tx1"/>
+            </a:solidFill>
+          </a:ln>
+        </p:spPr>
+        <p:txBody>
+          <a:bodyPr vert="horz" wrap="square" lIns="0" tIns="12700" rIns="0" bIns="0" rtlCol="0">
+            <a:spAutoFit/>
+          </a:bodyPr>
+          <a:lstStyle/>
+          <a:p>
+            <a:pPr marL="12700">
+              <a:lnSpc>
+                <a:spcPct val="100000"/>
+              </a:lnSpc>
+              <a:spcBef>
+                <a:spcPts val="100"/>
+              </a:spcBef>
+            </a:pPr>
+            <a:r>
+              <a:rPr lang="en-GB" sz="1400" spc="-5" dirty="0">
+                <a:solidFill>
+                  <a:srgbClr val="202729"/>
+                </a:solidFill>
+                <a:latin typeface="Calibri"/>
+                <a:cs typeface="Calibri"/>
+              </a:rPr>
+              <a:t>Gomes, H. M., </a:t>
+            </a:r>
+            <a:r>
+              <a:rPr lang="en-GB" sz="1400" spc="-5" dirty="0" err="1">
+                <a:solidFill>
+                  <a:srgbClr val="202729"/>
+                </a:solidFill>
+                <a:latin typeface="Calibri"/>
+                <a:cs typeface="Calibri"/>
+              </a:rPr>
+              <a:t>Barddal</a:t>
+            </a:r>
+            <a:r>
+              <a:rPr lang="en-GB" sz="1400" spc="-5" dirty="0">
+                <a:solidFill>
+                  <a:srgbClr val="202729"/>
+                </a:solidFill>
+                <a:latin typeface="Calibri"/>
+                <a:cs typeface="Calibri"/>
+              </a:rPr>
+              <a:t>, J. P., </a:t>
+            </a:r>
+            <a:r>
+              <a:rPr lang="en-GB" sz="1400" spc="-5" dirty="0" err="1">
+                <a:solidFill>
+                  <a:srgbClr val="202729"/>
+                </a:solidFill>
+                <a:latin typeface="Calibri"/>
+                <a:cs typeface="Calibri"/>
+              </a:rPr>
+              <a:t>Enembreck</a:t>
+            </a:r>
+            <a:r>
+              <a:rPr lang="en-GB" sz="1400" spc="-5" dirty="0">
+                <a:solidFill>
+                  <a:srgbClr val="202729"/>
+                </a:solidFill>
+                <a:latin typeface="Calibri"/>
+                <a:cs typeface="Calibri"/>
+              </a:rPr>
+              <a:t>, F., &amp; Bifet, A. </a:t>
+            </a:r>
+            <a:r>
+              <a:rPr lang="en-GB" sz="1400" b="1" spc="-5" dirty="0">
+                <a:solidFill>
+                  <a:srgbClr val="202729"/>
+                </a:solidFill>
+                <a:latin typeface="Calibri"/>
+                <a:cs typeface="Calibri"/>
+              </a:rPr>
+              <a:t>A survey on ensemble learning for data stream classification</a:t>
+            </a:r>
+            <a:r>
+              <a:rPr lang="en-GB" sz="1400" spc="-5" dirty="0">
+                <a:solidFill>
+                  <a:srgbClr val="202729"/>
+                </a:solidFill>
+                <a:latin typeface="Calibri"/>
+                <a:cs typeface="Calibri"/>
+              </a:rPr>
+              <a:t>. ACM, 2017</a:t>
+            </a:r>
+          </a:p>
+        </p:txBody>
+      </p:sp>
+    </p:spTree>
+    <p:extLst>
+      <p:ext uri="{BB962C8B-B14F-4D97-AF65-F5344CB8AC3E}">
+        <p14:creationId xmlns:p14="http://schemas.microsoft.com/office/powerpoint/2010/main" val="766671583"/>
+      </p:ext>
+    </p:extLst>
+  </p:cSld>
+  <p:clrMapOvr>
+    <a:masterClrMapping/>
+  </p:clrMapOvr>
+</p:sld>
+</file>
+
+<file path=ppt/slides/slide18.xml><?xml version="1.0" encoding="utf-8"?>
+<p:sld xmlns:a="http://schemas.openxmlformats.org/drawingml/2006/main" xmlns:r="http://schemas.openxmlformats.org/officeDocument/2006/relationships" xmlns:p="http://schemas.openxmlformats.org/presentationml/2006/main">
+  <p:cSld>
+    <p:spTree>
+      <p:nvGrpSpPr>
+        <p:cNvPr id="1" name=""/>
+        <p:cNvGrpSpPr/>
+        <p:nvPr/>
+      </p:nvGrpSpPr>
+      <p:grpSpPr>
+        <a:xfrm>
+          <a:off x="0" y="0"/>
+          <a:ext cx="0" cy="0"/>
+          <a:chOff x="0" y="0"/>
+          <a:chExt cx="0" cy="0"/>
+        </a:xfrm>
+      </p:grpSpPr>
+      <p:sp>
+        <p:nvSpPr>
+          <p:cNvPr id="4" name="Title 3">
+            <a:extLst>
+              <a:ext uri="{FF2B5EF4-FFF2-40B4-BE49-F238E27FC236}">
+                <a16:creationId xmlns:a16="http://schemas.microsoft.com/office/drawing/2014/main" id="{63E607AF-4C45-EF70-7885-3B2A3ACD65BD}"/>
+              </a:ext>
+            </a:extLst>
+          </p:cNvPr>
+          <p:cNvSpPr>
+            <a:spLocks noGrp="1"/>
+          </p:cNvSpPr>
+          <p:nvPr>
+            <p:ph type="title"/>
+          </p:nvPr>
+        </p:nvSpPr>
         <p:spPr>
           <a:xfrm>
             <a:off x="838201" y="365125"/>
@@ -10335,7 +11309,7 @@
           <a:p>
             <a:fld id="{0365D038-E70F-B244-A1AE-4DC4A8F32122}" type="slidenum">
               <a:rPr lang="it-IT" smtClean="0"/>
-              <a:t>17</a:t>
+              <a:t>18</a:t>
             </a:fld>
             <a:endParaRPr lang="it-IT" dirty="0"/>
           </a:p>
@@ -11011,7 +11985,7 @@
 </p:sld>
 </file>
 
-<file path=ppt/slides/slide18.xml><?xml version="1.0" encoding="utf-8"?>
+<file path=ppt/slides/slide19.xml><?xml version="1.0" encoding="utf-8"?>
 <p:sld xmlns:a="http://schemas.openxmlformats.org/drawingml/2006/main" xmlns:r="http://schemas.openxmlformats.org/officeDocument/2006/relationships" xmlns:p="http://schemas.openxmlformats.org/presentationml/2006/main">
   <p:cSld>
     <p:spTree>
@@ -11084,7 +12058,7 @@
           <a:p>
             <a:fld id="{0365D038-E70F-B244-A1AE-4DC4A8F32122}" type="slidenum">
               <a:rPr lang="it-IT" smtClean="0"/>
-              <a:t>18</a:t>
+              <a:t>19</a:t>
             </a:fld>
             <a:endParaRPr lang="it-IT" dirty="0"/>
           </a:p>
@@ -11798,413 +12772,6 @@
 </p:sld>
 </file>
 
-<file path=ppt/slides/slide19.xml><?xml version="1.0" encoding="utf-8"?>
-<p:sld xmlns:a="http://schemas.openxmlformats.org/drawingml/2006/main" xmlns:r="http://schemas.openxmlformats.org/officeDocument/2006/relationships" xmlns:p="http://schemas.openxmlformats.org/presentationml/2006/main">
-  <p:cSld>
-    <p:spTree>
-      <p:nvGrpSpPr>
-        <p:cNvPr id="1" name=""/>
-        <p:cNvGrpSpPr/>
-        <p:nvPr/>
-      </p:nvGrpSpPr>
-      <p:grpSpPr>
-        <a:xfrm>
-          <a:off x="0" y="0"/>
-          <a:ext cx="0" cy="0"/>
-          <a:chOff x="0" y="0"/>
-          <a:chExt cx="0" cy="0"/>
-        </a:xfrm>
-      </p:grpSpPr>
-      <p:sp>
-        <p:nvSpPr>
-          <p:cNvPr id="4" name="Title 3">
-            <a:extLst>
-              <a:ext uri="{FF2B5EF4-FFF2-40B4-BE49-F238E27FC236}">
-                <a16:creationId xmlns:a16="http://schemas.microsoft.com/office/drawing/2014/main" id="{63E607AF-4C45-EF70-7885-3B2A3ACD65BD}"/>
-              </a:ext>
-            </a:extLst>
-          </p:cNvPr>
-          <p:cNvSpPr>
-            <a:spLocks noGrp="1"/>
-          </p:cNvSpPr>
-          <p:nvPr>
-            <p:ph type="title"/>
-          </p:nvPr>
-        </p:nvSpPr>
-        <p:spPr/>
-        <p:txBody>
-          <a:bodyPr/>
-          <a:lstStyle/>
-          <a:p>
-            <a:r>
-              <a:rPr lang="en-GB" dirty="0"/>
-              <a:t>Adaptation</a:t>
-            </a:r>
-          </a:p>
-        </p:txBody>
-      </p:sp>
-      <p:sp>
-        <p:nvSpPr>
-          <p:cNvPr id="3" name="Slide Number Placeholder 2">
-            <a:extLst>
-              <a:ext uri="{FF2B5EF4-FFF2-40B4-BE49-F238E27FC236}">
-                <a16:creationId xmlns:a16="http://schemas.microsoft.com/office/drawing/2014/main" id="{2A591F49-3458-7E90-1995-2728306046D3}"/>
-              </a:ext>
-            </a:extLst>
-          </p:cNvPr>
-          <p:cNvSpPr>
-            <a:spLocks noGrp="1"/>
-          </p:cNvSpPr>
-          <p:nvPr>
-            <p:ph type="sldNum" sz="quarter" idx="11"/>
-          </p:nvPr>
-        </p:nvSpPr>
-        <p:spPr/>
-        <p:txBody>
-          <a:bodyPr/>
-          <a:lstStyle/>
-          <a:p>
-            <a:fld id="{0365D038-E70F-B244-A1AE-4DC4A8F32122}" type="slidenum">
-              <a:rPr lang="it-IT" smtClean="0"/>
-              <a:t>19</a:t>
-            </a:fld>
-            <a:endParaRPr lang="it-IT" dirty="0"/>
-          </a:p>
-        </p:txBody>
-      </p:sp>
-      <p:sp>
-        <p:nvSpPr>
-          <p:cNvPr id="5" name="Footer Placeholder 1">
-            <a:extLst>
-              <a:ext uri="{FF2B5EF4-FFF2-40B4-BE49-F238E27FC236}">
-                <a16:creationId xmlns:a16="http://schemas.microsoft.com/office/drawing/2014/main" id="{77907C65-A885-1D9E-9D5C-D8112CF0F4E6}"/>
-              </a:ext>
-            </a:extLst>
-          </p:cNvPr>
-          <p:cNvSpPr>
-            <a:spLocks noGrp="1"/>
-          </p:cNvSpPr>
-          <p:nvPr>
-            <p:ph type="ftr" sz="quarter" idx="10"/>
-          </p:nvPr>
-        </p:nvSpPr>
-        <p:spPr>
-          <a:xfrm>
-            <a:off x="3270173" y="6356350"/>
-            <a:ext cx="5651653" cy="365125"/>
-          </a:xfrm>
-        </p:spPr>
-        <p:txBody>
-          <a:bodyPr/>
-          <a:lstStyle/>
-          <a:p>
-            <a:r>
-              <a:rPr lang="it-IT" dirty="0"/>
-              <a:t>Alessio Bernardo - alessio.bernardo@polimi.it</a:t>
-            </a:r>
-          </a:p>
-        </p:txBody>
-      </p:sp>
-      <p:sp>
-        <p:nvSpPr>
-          <p:cNvPr id="2" name="object 3">
-            <a:extLst>
-              <a:ext uri="{FF2B5EF4-FFF2-40B4-BE49-F238E27FC236}">
-                <a16:creationId xmlns:a16="http://schemas.microsoft.com/office/drawing/2014/main" id="{774C43D3-91B4-703D-D000-C1A288ED44A2}"/>
-              </a:ext>
-            </a:extLst>
-          </p:cNvPr>
-          <p:cNvSpPr txBox="1"/>
-          <p:nvPr/>
-        </p:nvSpPr>
-        <p:spPr>
-          <a:xfrm>
-            <a:off x="950555" y="1432299"/>
-            <a:ext cx="10403244" cy="1823063"/>
-          </a:xfrm>
-          <a:prstGeom prst="rect">
-            <a:avLst/>
-          </a:prstGeom>
-        </p:spPr>
-        <p:txBody>
-          <a:bodyPr vert="horz" wrap="square" lIns="0" tIns="12700" rIns="0" bIns="0" rtlCol="0">
-            <a:spAutoFit/>
-          </a:bodyPr>
-          <a:lstStyle/>
-          <a:p>
-            <a:pPr marL="12700">
-              <a:lnSpc>
-                <a:spcPct val="150000"/>
-              </a:lnSpc>
-              <a:spcBef>
-                <a:spcPts val="100"/>
-              </a:spcBef>
-              <a:buSzPct val="75000"/>
-              <a:tabLst>
-                <a:tab pos="354965" algn="l"/>
-                <a:tab pos="355600" algn="l"/>
-              </a:tabLst>
-            </a:pPr>
-            <a:r>
-              <a:rPr lang="en-GB" sz="2800" b="1" spc="-5" dirty="0">
-                <a:solidFill>
-                  <a:srgbClr val="C00000"/>
-                </a:solidFill>
-                <a:cs typeface="Calibri"/>
-              </a:rPr>
-              <a:t>Cardinality</a:t>
-            </a:r>
-          </a:p>
-          <a:p>
-            <a:pPr marL="469900" indent="-457200">
-              <a:lnSpc>
-                <a:spcPct val="150000"/>
-              </a:lnSpc>
-              <a:spcBef>
-                <a:spcPts val="100"/>
-              </a:spcBef>
-              <a:buSzPct val="75000"/>
-              <a:buFont typeface="Arial" panose="020B0604020202020204" pitchFamily="34" charset="0"/>
-              <a:buChar char="•"/>
-              <a:tabLst>
-                <a:tab pos="354965" algn="l"/>
-                <a:tab pos="355600" algn="l"/>
-              </a:tabLst>
-            </a:pPr>
-            <a:r>
-              <a:rPr lang="en-GB" sz="2600" b="1" spc="-5" dirty="0">
-                <a:cs typeface="Calibri"/>
-              </a:rPr>
-              <a:t>Fixed: </a:t>
-            </a:r>
-            <a:r>
-              <a:rPr lang="en-GB" sz="2600" spc="-5" dirty="0">
-                <a:cs typeface="Calibri"/>
-              </a:rPr>
-              <a:t>fixed numbers of base learners</a:t>
-            </a:r>
-          </a:p>
-          <a:p>
-            <a:pPr marL="469900" indent="-457200">
-              <a:lnSpc>
-                <a:spcPct val="150000"/>
-              </a:lnSpc>
-              <a:spcBef>
-                <a:spcPts val="100"/>
-              </a:spcBef>
-              <a:buSzPct val="75000"/>
-              <a:buFont typeface="Arial" panose="020B0604020202020204" pitchFamily="34" charset="0"/>
-              <a:buChar char="•"/>
-              <a:tabLst>
-                <a:tab pos="354965" algn="l"/>
-                <a:tab pos="355600" algn="l"/>
-              </a:tabLst>
-            </a:pPr>
-            <a:r>
-              <a:rPr lang="en-GB" sz="2600" b="1" spc="-5" dirty="0">
-                <a:cs typeface="Calibri"/>
-              </a:rPr>
-              <a:t>Dynamic: </a:t>
-            </a:r>
-            <a:r>
-              <a:rPr lang="en-GB" sz="2600" spc="-5" dirty="0">
-                <a:cs typeface="Calibri"/>
-              </a:rPr>
-              <a:t>add classifiers on the fly</a:t>
-            </a:r>
-          </a:p>
-        </p:txBody>
-      </p:sp>
-      <p:pic>
-        <p:nvPicPr>
-          <p:cNvPr id="86" name="object 42">
-            <a:extLst>
-              <a:ext uri="{FF2B5EF4-FFF2-40B4-BE49-F238E27FC236}">
-                <a16:creationId xmlns:a16="http://schemas.microsoft.com/office/drawing/2014/main" id="{B5F85516-F625-9613-EE8D-E5B862C722A5}"/>
-              </a:ext>
-            </a:extLst>
-          </p:cNvPr>
-          <p:cNvPicPr/>
-          <p:nvPr/>
-        </p:nvPicPr>
-        <p:blipFill>
-          <a:blip r:embed="rId3" cstate="print"/>
-          <a:stretch>
-            <a:fillRect/>
-          </a:stretch>
-        </p:blipFill>
-        <p:spPr>
-          <a:xfrm>
-            <a:off x="8905109" y="2631480"/>
-            <a:ext cx="908028" cy="231840"/>
-          </a:xfrm>
-          <a:prstGeom prst="rect">
-            <a:avLst/>
-          </a:prstGeom>
-        </p:spPr>
-      </p:pic>
-      <p:sp>
-        <p:nvSpPr>
-          <p:cNvPr id="88" name="CasellaDiTesto 87">
-            <a:extLst>
-              <a:ext uri="{FF2B5EF4-FFF2-40B4-BE49-F238E27FC236}">
-                <a16:creationId xmlns:a16="http://schemas.microsoft.com/office/drawing/2014/main" id="{E097C659-3240-384A-0B1D-989868993B07}"/>
-              </a:ext>
-            </a:extLst>
-          </p:cNvPr>
-          <p:cNvSpPr txBox="1"/>
-          <p:nvPr/>
-        </p:nvSpPr>
-        <p:spPr>
-          <a:xfrm>
-            <a:off x="9595945" y="1460938"/>
-            <a:ext cx="0" cy="0"/>
-          </a:xfrm>
-          <a:prstGeom prst="rect">
-            <a:avLst/>
-          </a:prstGeom>
-        </p:spPr>
-        <p:txBody>
-          <a:bodyPr vert="horz" wrap="none" lIns="91440" tIns="45720" rIns="91440" bIns="45720" rtlCol="0">
-            <a:normAutofit fontScale="25000" lnSpcReduction="20000"/>
-          </a:bodyPr>
-          <a:lstStyle/>
-          <a:p>
-            <a:pPr algn="l"/>
-            <a:endParaRPr lang="it-IT" sz="4000" b="0" dirty="0">
-              <a:solidFill>
-                <a:schemeClr val="bg1"/>
-              </a:solidFill>
-            </a:endParaRPr>
-          </a:p>
-        </p:txBody>
-      </p:sp>
-      <p:sp>
-        <p:nvSpPr>
-          <p:cNvPr id="20" name="object 18">
-            <a:extLst>
-              <a:ext uri="{FF2B5EF4-FFF2-40B4-BE49-F238E27FC236}">
-                <a16:creationId xmlns:a16="http://schemas.microsoft.com/office/drawing/2014/main" id="{3D51F4A2-E485-7F59-7A1A-642571700484}"/>
-              </a:ext>
-            </a:extLst>
-          </p:cNvPr>
-          <p:cNvSpPr txBox="1"/>
-          <p:nvPr/>
-        </p:nvSpPr>
-        <p:spPr>
-          <a:xfrm>
-            <a:off x="1505999" y="6054191"/>
-            <a:ext cx="9180000" cy="228268"/>
-          </a:xfrm>
-          <a:prstGeom prst="rect">
-            <a:avLst/>
-          </a:prstGeom>
-          <a:ln>
-            <a:solidFill>
-              <a:schemeClr val="tx1"/>
-            </a:solidFill>
-          </a:ln>
-        </p:spPr>
-        <p:txBody>
-          <a:bodyPr vert="horz" wrap="square" lIns="0" tIns="12700" rIns="0" bIns="0" rtlCol="0">
-            <a:spAutoFit/>
-          </a:bodyPr>
-          <a:lstStyle/>
-          <a:p>
-            <a:pPr marL="12700">
-              <a:lnSpc>
-                <a:spcPct val="100000"/>
-              </a:lnSpc>
-              <a:spcBef>
-                <a:spcPts val="100"/>
-              </a:spcBef>
-            </a:pPr>
-            <a:r>
-              <a:rPr lang="en-GB" sz="1400" spc="-5" dirty="0">
-                <a:solidFill>
-                  <a:srgbClr val="202729"/>
-                </a:solidFill>
-                <a:latin typeface="Calibri"/>
-                <a:cs typeface="Calibri"/>
-              </a:rPr>
-              <a:t>Gomes, H. M., </a:t>
-            </a:r>
-            <a:r>
-              <a:rPr lang="en-GB" sz="1400" spc="-5" dirty="0" err="1">
-                <a:solidFill>
-                  <a:srgbClr val="202729"/>
-                </a:solidFill>
-                <a:latin typeface="Calibri"/>
-                <a:cs typeface="Calibri"/>
-              </a:rPr>
-              <a:t>Barddal</a:t>
-            </a:r>
-            <a:r>
-              <a:rPr lang="en-GB" sz="1400" spc="-5" dirty="0">
-                <a:solidFill>
-                  <a:srgbClr val="202729"/>
-                </a:solidFill>
-                <a:latin typeface="Calibri"/>
-                <a:cs typeface="Calibri"/>
-              </a:rPr>
-              <a:t>, J. P., </a:t>
-            </a:r>
-            <a:r>
-              <a:rPr lang="en-GB" sz="1400" spc="-5" dirty="0" err="1">
-                <a:solidFill>
-                  <a:srgbClr val="202729"/>
-                </a:solidFill>
-                <a:latin typeface="Calibri"/>
-                <a:cs typeface="Calibri"/>
-              </a:rPr>
-              <a:t>Enembreck</a:t>
-            </a:r>
-            <a:r>
-              <a:rPr lang="en-GB" sz="1400" spc="-5" dirty="0">
-                <a:solidFill>
-                  <a:srgbClr val="202729"/>
-                </a:solidFill>
-                <a:latin typeface="Calibri"/>
-                <a:cs typeface="Calibri"/>
-              </a:rPr>
-              <a:t>, F., &amp; Bifet, A. </a:t>
-            </a:r>
-            <a:r>
-              <a:rPr lang="en-GB" sz="1400" b="1" spc="-5" dirty="0">
-                <a:solidFill>
-                  <a:srgbClr val="202729"/>
-                </a:solidFill>
-                <a:latin typeface="Calibri"/>
-                <a:cs typeface="Calibri"/>
-              </a:rPr>
-              <a:t>A survey on ensemble learning for data stream classification</a:t>
-            </a:r>
-            <a:r>
-              <a:rPr lang="en-GB" sz="1400" spc="-5" dirty="0">
-                <a:solidFill>
-                  <a:srgbClr val="202729"/>
-                </a:solidFill>
-                <a:latin typeface="Calibri"/>
-                <a:cs typeface="Calibri"/>
-              </a:rPr>
-              <a:t>. ACM, 2017</a:t>
-            </a:r>
-          </a:p>
-        </p:txBody>
-      </p:sp>
-    </p:spTree>
-    <p:extLst>
-      <p:ext uri="{BB962C8B-B14F-4D97-AF65-F5344CB8AC3E}">
-        <p14:creationId xmlns:p14="http://schemas.microsoft.com/office/powerpoint/2010/main" val="4185636615"/>
-      </p:ext>
-    </p:extLst>
-  </p:cSld>
-  <p:clrMapOvr>
-    <a:masterClrMapping/>
-  </p:clrMapOvr>
-</p:sld>
-</file>
-
 <file path=ppt/slides/slide2.xml><?xml version="1.0" encoding="utf-8"?>
 <p:sld xmlns:a="http://schemas.openxmlformats.org/drawingml/2006/main" xmlns:r="http://schemas.openxmlformats.org/officeDocument/2006/relationships" xmlns:p="http://schemas.openxmlformats.org/presentationml/2006/main">
   <p:cSld>
@@ -12415,7 +12982,7 @@
           <a:p>
             <a:r>
               <a:rPr lang="en-GB" dirty="0"/>
-              <a:t>Online Bagging</a:t>
+              <a:t>Adaptation</a:t>
             </a:r>
           </a:p>
         </p:txBody>
@@ -12444,6 +13011,413 @@
             <a:fld id="{0365D038-E70F-B244-A1AE-4DC4A8F32122}" type="slidenum">
               <a:rPr lang="it-IT" smtClean="0"/>
               <a:t>20</a:t>
+            </a:fld>
+            <a:endParaRPr lang="it-IT" dirty="0"/>
+          </a:p>
+        </p:txBody>
+      </p:sp>
+      <p:sp>
+        <p:nvSpPr>
+          <p:cNvPr id="5" name="Footer Placeholder 1">
+            <a:extLst>
+              <a:ext uri="{FF2B5EF4-FFF2-40B4-BE49-F238E27FC236}">
+                <a16:creationId xmlns:a16="http://schemas.microsoft.com/office/drawing/2014/main" id="{77907C65-A885-1D9E-9D5C-D8112CF0F4E6}"/>
+              </a:ext>
+            </a:extLst>
+          </p:cNvPr>
+          <p:cNvSpPr>
+            <a:spLocks noGrp="1"/>
+          </p:cNvSpPr>
+          <p:nvPr>
+            <p:ph type="ftr" sz="quarter" idx="10"/>
+          </p:nvPr>
+        </p:nvSpPr>
+        <p:spPr>
+          <a:xfrm>
+            <a:off x="3270173" y="6356350"/>
+            <a:ext cx="5651653" cy="365125"/>
+          </a:xfrm>
+        </p:spPr>
+        <p:txBody>
+          <a:bodyPr/>
+          <a:lstStyle/>
+          <a:p>
+            <a:r>
+              <a:rPr lang="it-IT" dirty="0"/>
+              <a:t>Alessio Bernardo - alessio.bernardo@polimi.it</a:t>
+            </a:r>
+          </a:p>
+        </p:txBody>
+      </p:sp>
+      <p:sp>
+        <p:nvSpPr>
+          <p:cNvPr id="2" name="object 3">
+            <a:extLst>
+              <a:ext uri="{FF2B5EF4-FFF2-40B4-BE49-F238E27FC236}">
+                <a16:creationId xmlns:a16="http://schemas.microsoft.com/office/drawing/2014/main" id="{774C43D3-91B4-703D-D000-C1A288ED44A2}"/>
+              </a:ext>
+            </a:extLst>
+          </p:cNvPr>
+          <p:cNvSpPr txBox="1"/>
+          <p:nvPr/>
+        </p:nvSpPr>
+        <p:spPr>
+          <a:xfrm>
+            <a:off x="950555" y="1432299"/>
+            <a:ext cx="10403244" cy="1823063"/>
+          </a:xfrm>
+          <a:prstGeom prst="rect">
+            <a:avLst/>
+          </a:prstGeom>
+        </p:spPr>
+        <p:txBody>
+          <a:bodyPr vert="horz" wrap="square" lIns="0" tIns="12700" rIns="0" bIns="0" rtlCol="0">
+            <a:spAutoFit/>
+          </a:bodyPr>
+          <a:lstStyle/>
+          <a:p>
+            <a:pPr marL="12700">
+              <a:lnSpc>
+                <a:spcPct val="150000"/>
+              </a:lnSpc>
+              <a:spcBef>
+                <a:spcPts val="100"/>
+              </a:spcBef>
+              <a:buSzPct val="75000"/>
+              <a:tabLst>
+                <a:tab pos="354965" algn="l"/>
+                <a:tab pos="355600" algn="l"/>
+              </a:tabLst>
+            </a:pPr>
+            <a:r>
+              <a:rPr lang="en-GB" sz="2800" b="1" spc="-5" dirty="0">
+                <a:solidFill>
+                  <a:srgbClr val="C00000"/>
+                </a:solidFill>
+                <a:cs typeface="Calibri"/>
+              </a:rPr>
+              <a:t>Cardinality</a:t>
+            </a:r>
+          </a:p>
+          <a:p>
+            <a:pPr marL="469900" indent="-457200">
+              <a:lnSpc>
+                <a:spcPct val="150000"/>
+              </a:lnSpc>
+              <a:spcBef>
+                <a:spcPts val="100"/>
+              </a:spcBef>
+              <a:buSzPct val="75000"/>
+              <a:buFont typeface="Arial" panose="020B0604020202020204" pitchFamily="34" charset="0"/>
+              <a:buChar char="•"/>
+              <a:tabLst>
+                <a:tab pos="354965" algn="l"/>
+                <a:tab pos="355600" algn="l"/>
+              </a:tabLst>
+            </a:pPr>
+            <a:r>
+              <a:rPr lang="en-GB" sz="2600" b="1" spc="-5" dirty="0">
+                <a:cs typeface="Calibri"/>
+              </a:rPr>
+              <a:t>Fixed: </a:t>
+            </a:r>
+            <a:r>
+              <a:rPr lang="en-GB" sz="2600" spc="-5" dirty="0">
+                <a:cs typeface="Calibri"/>
+              </a:rPr>
+              <a:t>fixed numbers of base learners</a:t>
+            </a:r>
+          </a:p>
+          <a:p>
+            <a:pPr marL="469900" indent="-457200">
+              <a:lnSpc>
+                <a:spcPct val="150000"/>
+              </a:lnSpc>
+              <a:spcBef>
+                <a:spcPts val="100"/>
+              </a:spcBef>
+              <a:buSzPct val="75000"/>
+              <a:buFont typeface="Arial" panose="020B0604020202020204" pitchFamily="34" charset="0"/>
+              <a:buChar char="•"/>
+              <a:tabLst>
+                <a:tab pos="354965" algn="l"/>
+                <a:tab pos="355600" algn="l"/>
+              </a:tabLst>
+            </a:pPr>
+            <a:r>
+              <a:rPr lang="en-GB" sz="2600" b="1" spc="-5" dirty="0">
+                <a:cs typeface="Calibri"/>
+              </a:rPr>
+              <a:t>Dynamic: </a:t>
+            </a:r>
+            <a:r>
+              <a:rPr lang="en-GB" sz="2600" spc="-5" dirty="0">
+                <a:cs typeface="Calibri"/>
+              </a:rPr>
+              <a:t>add classifiers on the fly</a:t>
+            </a:r>
+          </a:p>
+        </p:txBody>
+      </p:sp>
+      <p:pic>
+        <p:nvPicPr>
+          <p:cNvPr id="86" name="object 42">
+            <a:extLst>
+              <a:ext uri="{FF2B5EF4-FFF2-40B4-BE49-F238E27FC236}">
+                <a16:creationId xmlns:a16="http://schemas.microsoft.com/office/drawing/2014/main" id="{B5F85516-F625-9613-EE8D-E5B862C722A5}"/>
+              </a:ext>
+            </a:extLst>
+          </p:cNvPr>
+          <p:cNvPicPr/>
+          <p:nvPr/>
+        </p:nvPicPr>
+        <p:blipFill>
+          <a:blip r:embed="rId3" cstate="print"/>
+          <a:stretch>
+            <a:fillRect/>
+          </a:stretch>
+        </p:blipFill>
+        <p:spPr>
+          <a:xfrm>
+            <a:off x="8905109" y="2631480"/>
+            <a:ext cx="908028" cy="231840"/>
+          </a:xfrm>
+          <a:prstGeom prst="rect">
+            <a:avLst/>
+          </a:prstGeom>
+        </p:spPr>
+      </p:pic>
+      <p:sp>
+        <p:nvSpPr>
+          <p:cNvPr id="88" name="CasellaDiTesto 87">
+            <a:extLst>
+              <a:ext uri="{FF2B5EF4-FFF2-40B4-BE49-F238E27FC236}">
+                <a16:creationId xmlns:a16="http://schemas.microsoft.com/office/drawing/2014/main" id="{E097C659-3240-384A-0B1D-989868993B07}"/>
+              </a:ext>
+            </a:extLst>
+          </p:cNvPr>
+          <p:cNvSpPr txBox="1"/>
+          <p:nvPr/>
+        </p:nvSpPr>
+        <p:spPr>
+          <a:xfrm>
+            <a:off x="9595945" y="1460938"/>
+            <a:ext cx="0" cy="0"/>
+          </a:xfrm>
+          <a:prstGeom prst="rect">
+            <a:avLst/>
+          </a:prstGeom>
+        </p:spPr>
+        <p:txBody>
+          <a:bodyPr vert="horz" wrap="none" lIns="91440" tIns="45720" rIns="91440" bIns="45720" rtlCol="0">
+            <a:normAutofit fontScale="25000" lnSpcReduction="20000"/>
+          </a:bodyPr>
+          <a:lstStyle/>
+          <a:p>
+            <a:pPr algn="l"/>
+            <a:endParaRPr lang="it-IT" sz="4000" b="0" dirty="0">
+              <a:solidFill>
+                <a:schemeClr val="bg1"/>
+              </a:solidFill>
+            </a:endParaRPr>
+          </a:p>
+        </p:txBody>
+      </p:sp>
+      <p:sp>
+        <p:nvSpPr>
+          <p:cNvPr id="20" name="object 18">
+            <a:extLst>
+              <a:ext uri="{FF2B5EF4-FFF2-40B4-BE49-F238E27FC236}">
+                <a16:creationId xmlns:a16="http://schemas.microsoft.com/office/drawing/2014/main" id="{3D51F4A2-E485-7F59-7A1A-642571700484}"/>
+              </a:ext>
+            </a:extLst>
+          </p:cNvPr>
+          <p:cNvSpPr txBox="1"/>
+          <p:nvPr/>
+        </p:nvSpPr>
+        <p:spPr>
+          <a:xfrm>
+            <a:off x="1505999" y="6054191"/>
+            <a:ext cx="9180000" cy="228268"/>
+          </a:xfrm>
+          <a:prstGeom prst="rect">
+            <a:avLst/>
+          </a:prstGeom>
+          <a:ln>
+            <a:solidFill>
+              <a:schemeClr val="tx1"/>
+            </a:solidFill>
+          </a:ln>
+        </p:spPr>
+        <p:txBody>
+          <a:bodyPr vert="horz" wrap="square" lIns="0" tIns="12700" rIns="0" bIns="0" rtlCol="0">
+            <a:spAutoFit/>
+          </a:bodyPr>
+          <a:lstStyle/>
+          <a:p>
+            <a:pPr marL="12700">
+              <a:lnSpc>
+                <a:spcPct val="100000"/>
+              </a:lnSpc>
+              <a:spcBef>
+                <a:spcPts val="100"/>
+              </a:spcBef>
+            </a:pPr>
+            <a:r>
+              <a:rPr lang="en-GB" sz="1400" spc="-5" dirty="0">
+                <a:solidFill>
+                  <a:srgbClr val="202729"/>
+                </a:solidFill>
+                <a:latin typeface="Calibri"/>
+                <a:cs typeface="Calibri"/>
+              </a:rPr>
+              <a:t>Gomes, H. M., </a:t>
+            </a:r>
+            <a:r>
+              <a:rPr lang="en-GB" sz="1400" spc="-5" dirty="0" err="1">
+                <a:solidFill>
+                  <a:srgbClr val="202729"/>
+                </a:solidFill>
+                <a:latin typeface="Calibri"/>
+                <a:cs typeface="Calibri"/>
+              </a:rPr>
+              <a:t>Barddal</a:t>
+            </a:r>
+            <a:r>
+              <a:rPr lang="en-GB" sz="1400" spc="-5" dirty="0">
+                <a:solidFill>
+                  <a:srgbClr val="202729"/>
+                </a:solidFill>
+                <a:latin typeface="Calibri"/>
+                <a:cs typeface="Calibri"/>
+              </a:rPr>
+              <a:t>, J. P., </a:t>
+            </a:r>
+            <a:r>
+              <a:rPr lang="en-GB" sz="1400" spc="-5" dirty="0" err="1">
+                <a:solidFill>
+                  <a:srgbClr val="202729"/>
+                </a:solidFill>
+                <a:latin typeface="Calibri"/>
+                <a:cs typeface="Calibri"/>
+              </a:rPr>
+              <a:t>Enembreck</a:t>
+            </a:r>
+            <a:r>
+              <a:rPr lang="en-GB" sz="1400" spc="-5" dirty="0">
+                <a:solidFill>
+                  <a:srgbClr val="202729"/>
+                </a:solidFill>
+                <a:latin typeface="Calibri"/>
+                <a:cs typeface="Calibri"/>
+              </a:rPr>
+              <a:t>, F., &amp; Bifet, A. </a:t>
+            </a:r>
+            <a:r>
+              <a:rPr lang="en-GB" sz="1400" b="1" spc="-5" dirty="0">
+                <a:solidFill>
+                  <a:srgbClr val="202729"/>
+                </a:solidFill>
+                <a:latin typeface="Calibri"/>
+                <a:cs typeface="Calibri"/>
+              </a:rPr>
+              <a:t>A survey on ensemble learning for data stream classification</a:t>
+            </a:r>
+            <a:r>
+              <a:rPr lang="en-GB" sz="1400" spc="-5" dirty="0">
+                <a:solidFill>
+                  <a:srgbClr val="202729"/>
+                </a:solidFill>
+                <a:latin typeface="Calibri"/>
+                <a:cs typeface="Calibri"/>
+              </a:rPr>
+              <a:t>. ACM, 2017</a:t>
+            </a:r>
+          </a:p>
+        </p:txBody>
+      </p:sp>
+    </p:spTree>
+    <p:extLst>
+      <p:ext uri="{BB962C8B-B14F-4D97-AF65-F5344CB8AC3E}">
+        <p14:creationId xmlns:p14="http://schemas.microsoft.com/office/powerpoint/2010/main" val="4185636615"/>
+      </p:ext>
+    </p:extLst>
+  </p:cSld>
+  <p:clrMapOvr>
+    <a:masterClrMapping/>
+  </p:clrMapOvr>
+</p:sld>
+</file>
+
+<file path=ppt/slides/slide21.xml><?xml version="1.0" encoding="utf-8"?>
+<p:sld xmlns:a="http://schemas.openxmlformats.org/drawingml/2006/main" xmlns:r="http://schemas.openxmlformats.org/officeDocument/2006/relationships" xmlns:p="http://schemas.openxmlformats.org/presentationml/2006/main">
+  <p:cSld>
+    <p:spTree>
+      <p:nvGrpSpPr>
+        <p:cNvPr id="1" name=""/>
+        <p:cNvGrpSpPr/>
+        <p:nvPr/>
+      </p:nvGrpSpPr>
+      <p:grpSpPr>
+        <a:xfrm>
+          <a:off x="0" y="0"/>
+          <a:ext cx="0" cy="0"/>
+          <a:chOff x="0" y="0"/>
+          <a:chExt cx="0" cy="0"/>
+        </a:xfrm>
+      </p:grpSpPr>
+      <p:sp>
+        <p:nvSpPr>
+          <p:cNvPr id="4" name="Title 3">
+            <a:extLst>
+              <a:ext uri="{FF2B5EF4-FFF2-40B4-BE49-F238E27FC236}">
+                <a16:creationId xmlns:a16="http://schemas.microsoft.com/office/drawing/2014/main" id="{63E607AF-4C45-EF70-7885-3B2A3ACD65BD}"/>
+              </a:ext>
+            </a:extLst>
+          </p:cNvPr>
+          <p:cNvSpPr>
+            <a:spLocks noGrp="1"/>
+          </p:cNvSpPr>
+          <p:nvPr>
+            <p:ph type="title"/>
+          </p:nvPr>
+        </p:nvSpPr>
+        <p:spPr/>
+        <p:txBody>
+          <a:bodyPr/>
+          <a:lstStyle/>
+          <a:p>
+            <a:r>
+              <a:rPr lang="en-GB" dirty="0"/>
+              <a:t>Online Bagging</a:t>
+            </a:r>
+          </a:p>
+        </p:txBody>
+      </p:sp>
+      <p:sp>
+        <p:nvSpPr>
+          <p:cNvPr id="3" name="Slide Number Placeholder 2">
+            <a:extLst>
+              <a:ext uri="{FF2B5EF4-FFF2-40B4-BE49-F238E27FC236}">
+                <a16:creationId xmlns:a16="http://schemas.microsoft.com/office/drawing/2014/main" id="{2A591F49-3458-7E90-1995-2728306046D3}"/>
+              </a:ext>
+            </a:extLst>
+          </p:cNvPr>
+          <p:cNvSpPr>
+            <a:spLocks noGrp="1"/>
+          </p:cNvSpPr>
+          <p:nvPr>
+            <p:ph type="sldNum" sz="quarter" idx="11"/>
+          </p:nvPr>
+        </p:nvSpPr>
+        <p:spPr/>
+        <p:txBody>
+          <a:bodyPr/>
+          <a:lstStyle/>
+          <a:p>
+            <a:fld id="{0365D038-E70F-B244-A1AE-4DC4A8F32122}" type="slidenum">
+              <a:rPr lang="it-IT" smtClean="0"/>
+              <a:t>21</a:t>
             </a:fld>
             <a:endParaRPr lang="it-IT" dirty="0"/>
           </a:p>
@@ -12944,7 +13918,7 @@
 </p:sld>
 </file>
 
-<file path=ppt/slides/slide21.xml><?xml version="1.0" encoding="utf-8"?>
+<file path=ppt/slides/slide22.xml><?xml version="1.0" encoding="utf-8"?>
 <p:sld xmlns:a="http://schemas.openxmlformats.org/drawingml/2006/main" xmlns:r="http://schemas.openxmlformats.org/officeDocument/2006/relationships" xmlns:p="http://schemas.openxmlformats.org/presentationml/2006/main">
   <p:cSld>
     <p:spTree>
@@ -13012,7 +13986,7 @@
           <a:p>
             <a:fld id="{0365D038-E70F-B244-A1AE-4DC4A8F32122}" type="slidenum">
               <a:rPr lang="it-IT" smtClean="0"/>
-              <a:t>21</a:t>
+              <a:t>22</a:t>
             </a:fld>
             <a:endParaRPr lang="it-IT" dirty="0"/>
           </a:p>
@@ -13539,7 +14513,7 @@
 </p:sld>
 </file>
 
-<file path=ppt/slides/slide22.xml><?xml version="1.0" encoding="utf-8"?>
+<file path=ppt/slides/slide23.xml><?xml version="1.0" encoding="utf-8"?>
 <p:sld xmlns:a="http://schemas.openxmlformats.org/drawingml/2006/main" xmlns:r="http://schemas.openxmlformats.org/officeDocument/2006/relationships" xmlns:p="http://schemas.openxmlformats.org/presentationml/2006/main">
   <p:cSld>
     <p:spTree>
@@ -13607,7 +14581,7 @@
           <a:p>
             <a:fld id="{0365D038-E70F-B244-A1AE-4DC4A8F32122}" type="slidenum">
               <a:rPr lang="it-IT" smtClean="0"/>
-              <a:t>22</a:t>
+              <a:t>23</a:t>
             </a:fld>
             <a:endParaRPr lang="it-IT" dirty="0"/>
           </a:p>
@@ -14038,7 +15012,7 @@
 </p:sld>
 </file>
 
-<file path=ppt/slides/slide23.xml><?xml version="1.0" encoding="utf-8"?>
+<file path=ppt/slides/slide24.xml><?xml version="1.0" encoding="utf-8"?>
 <p:sld xmlns:a="http://schemas.openxmlformats.org/drawingml/2006/main" xmlns:r="http://schemas.openxmlformats.org/officeDocument/2006/relationships" xmlns:p="http://schemas.openxmlformats.org/presentationml/2006/main">
   <p:cSld>
     <p:spTree>
@@ -14106,7 +15080,7 @@
           <a:p>
             <a:fld id="{0365D038-E70F-B244-A1AE-4DC4A8F32122}" type="slidenum">
               <a:rPr lang="it-IT" smtClean="0"/>
-              <a:t>23</a:t>
+              <a:t>24</a:t>
             </a:fld>
             <a:endParaRPr lang="it-IT" dirty="0"/>
           </a:p>
@@ -14509,7 +15483,7 @@
 </p:sld>
 </file>
 
-<file path=ppt/slides/slide24.xml><?xml version="1.0" encoding="utf-8"?>
+<file path=ppt/slides/slide25.xml><?xml version="1.0" encoding="utf-8"?>
 <p:sld xmlns:a="http://schemas.openxmlformats.org/drawingml/2006/main" xmlns:r="http://schemas.openxmlformats.org/officeDocument/2006/relationships" xmlns:p="http://schemas.openxmlformats.org/presentationml/2006/main">
   <p:cSld>
     <p:spTree>
@@ -14569,7 +15543,7 @@
                 </a:buClr>
                 <a:buSzPts val="1400"/>
               </a:pPr>
-              <a:t>24</a:t>
+              <a:t>25</a:t>
             </a:fld>
             <a:endParaRPr lang="en-US" dirty="0"/>
           </a:p>
@@ -14698,7 +15672,7 @@
 </p:sld>
 </file>
 
-<file path=ppt/slides/slide25.xml><?xml version="1.0" encoding="utf-8"?>
+<file path=ppt/slides/slide26.xml><?xml version="1.0" encoding="utf-8"?>
 <p:sld xmlns:a="http://schemas.openxmlformats.org/drawingml/2006/main" xmlns:r="http://schemas.openxmlformats.org/officeDocument/2006/relationships" xmlns:p="http://schemas.openxmlformats.org/presentationml/2006/main">
   <p:cSld>
     <p:spTree>
@@ -14738,7 +15712,7 @@
           <a:p>
             <a:fld id="{0365D038-E70F-B244-A1AE-4DC4A8F32122}" type="slidenum">
               <a:rPr lang="it-IT" smtClean="0"/>
-              <a:t>25</a:t>
+              <a:t>26</a:t>
             </a:fld>
             <a:endParaRPr lang="it-IT" dirty="0"/>
           </a:p>
@@ -15178,7 +16152,7 @@
 </p:sld>
 </file>
 
-<file path=ppt/slides/slide26.xml><?xml version="1.0" encoding="utf-8"?>
+<file path=ppt/slides/slide27.xml><?xml version="1.0" encoding="utf-8"?>
 <p:sld xmlns:a="http://schemas.openxmlformats.org/drawingml/2006/main" xmlns:r="http://schemas.openxmlformats.org/officeDocument/2006/relationships" xmlns:p="http://schemas.openxmlformats.org/presentationml/2006/main">
   <p:cSld>
     <p:spTree>
@@ -15650,7 +16624,7 @@
           <a:p>
             <a:r>
               <a:rPr lang="en-US" dirty="0"/>
-              <a:t>Bias-Variance trade-off</a:t>
+              <a:t>Ensemble Classifiers</a:t>
             </a:r>
           </a:p>
         </p:txBody>
@@ -15679,6 +16653,1367 @@
             <a:fld id="{0365D038-E70F-B244-A1AE-4DC4A8F32122}" type="slidenum">
               <a:rPr lang="it-IT" smtClean="0"/>
               <a:t>4</a:t>
+            </a:fld>
+            <a:endParaRPr lang="it-IT" dirty="0"/>
+          </a:p>
+        </p:txBody>
+      </p:sp>
+      <p:sp>
+        <p:nvSpPr>
+          <p:cNvPr id="5" name="Footer Placeholder 1">
+            <a:extLst>
+              <a:ext uri="{FF2B5EF4-FFF2-40B4-BE49-F238E27FC236}">
+                <a16:creationId xmlns:a16="http://schemas.microsoft.com/office/drawing/2014/main" id="{77907C65-A885-1D9E-9D5C-D8112CF0F4E6}"/>
+              </a:ext>
+            </a:extLst>
+          </p:cNvPr>
+          <p:cNvSpPr>
+            <a:spLocks noGrp="1"/>
+          </p:cNvSpPr>
+          <p:nvPr>
+            <p:ph type="ftr" sz="quarter" idx="10"/>
+          </p:nvPr>
+        </p:nvSpPr>
+        <p:spPr>
+          <a:xfrm>
+            <a:off x="3270173" y="6356350"/>
+            <a:ext cx="5651653" cy="365125"/>
+          </a:xfrm>
+        </p:spPr>
+        <p:txBody>
+          <a:bodyPr/>
+          <a:lstStyle/>
+          <a:p>
+            <a:r>
+              <a:rPr lang="it-IT" dirty="0"/>
+              <a:t>Alessio Bernardo - alessio.bernardo@polimi.it</a:t>
+            </a:r>
+          </a:p>
+        </p:txBody>
+      </p:sp>
+      <p:grpSp>
+        <p:nvGrpSpPr>
+          <p:cNvPr id="35" name="Gruppo 34">
+            <a:extLst>
+              <a:ext uri="{FF2B5EF4-FFF2-40B4-BE49-F238E27FC236}">
+                <a16:creationId xmlns:a16="http://schemas.microsoft.com/office/drawing/2014/main" id="{59BC643E-63A2-E055-7526-F1C442955463}"/>
+              </a:ext>
+            </a:extLst>
+          </p:cNvPr>
+          <p:cNvGrpSpPr/>
+          <p:nvPr/>
+        </p:nvGrpSpPr>
+        <p:grpSpPr>
+          <a:xfrm>
+            <a:off x="3245255" y="1394053"/>
+            <a:ext cx="5701487" cy="4962297"/>
+            <a:chOff x="2497018" y="1394015"/>
+            <a:chExt cx="5701487" cy="4962297"/>
+          </a:xfrm>
+        </p:grpSpPr>
+        <p:pic>
+          <p:nvPicPr>
+            <p:cNvPr id="6" name="Picture 4" descr="Steam Community :: :: Grut">
+              <a:extLst>
+                <a:ext uri="{FF2B5EF4-FFF2-40B4-BE49-F238E27FC236}">
+                  <a16:creationId xmlns:a16="http://schemas.microsoft.com/office/drawing/2014/main" id="{B88C0D75-CAB2-D0D0-A3DA-8A2C03C49ABA}"/>
+                </a:ext>
+              </a:extLst>
+            </p:cNvPr>
+            <p:cNvPicPr>
+              <a:picLocks noChangeAspect="1" noChangeArrowheads="1"/>
+            </p:cNvPicPr>
+            <p:nvPr/>
+          </p:nvPicPr>
+          <p:blipFill>
+            <a:blip r:embed="rId3">
+              <a:extLst>
+                <a:ext uri="{28A0092B-C50C-407E-A947-70E740481C1C}">
+                  <a14:useLocalDpi xmlns:a14="http://schemas.microsoft.com/office/drawing/2010/main" val="0"/>
+                </a:ext>
+              </a:extLst>
+            </a:blip>
+            <a:srcRect/>
+            <a:stretch>
+              <a:fillRect/>
+            </a:stretch>
+          </p:blipFill>
+          <p:spPr bwMode="auto">
+            <a:xfrm flipH="1">
+              <a:off x="2497018" y="2395704"/>
+              <a:ext cx="1546309" cy="2063020"/>
+            </a:xfrm>
+            <a:prstGeom prst="rect">
+              <a:avLst/>
+            </a:prstGeom>
+            <a:noFill/>
+            <a:extLst>
+              <a:ext uri="{909E8E84-426E-40DD-AFC4-6F175D3DCCD1}">
+                <a14:hiddenFill xmlns:a14="http://schemas.microsoft.com/office/drawing/2010/main">
+                  <a:solidFill>
+                    <a:srgbClr val="FFFFFF"/>
+                  </a:solidFill>
+                </a14:hiddenFill>
+              </a:ext>
+            </a:extLst>
+          </p:spPr>
+        </p:pic>
+        <p:pic>
+          <p:nvPicPr>
+            <p:cNvPr id="7" name="Picture 4" descr="Steam Community :: :: Grut">
+              <a:extLst>
+                <a:ext uri="{FF2B5EF4-FFF2-40B4-BE49-F238E27FC236}">
+                  <a16:creationId xmlns:a16="http://schemas.microsoft.com/office/drawing/2014/main" id="{41D50F0C-97B7-5ED0-2078-FB22EE643FC4}"/>
+                </a:ext>
+              </a:extLst>
+            </p:cNvPr>
+            <p:cNvPicPr>
+              <a:picLocks noChangeAspect="1" noChangeArrowheads="1"/>
+            </p:cNvPicPr>
+            <p:nvPr/>
+          </p:nvPicPr>
+          <p:blipFill>
+            <a:blip r:embed="rId3">
+              <a:extLst>
+                <a:ext uri="{28A0092B-C50C-407E-A947-70E740481C1C}">
+                  <a14:useLocalDpi xmlns:a14="http://schemas.microsoft.com/office/drawing/2010/main" val="0"/>
+                </a:ext>
+              </a:extLst>
+            </a:blip>
+            <a:srcRect/>
+            <a:stretch>
+              <a:fillRect/>
+            </a:stretch>
+          </p:blipFill>
+          <p:spPr bwMode="auto">
+            <a:xfrm>
+              <a:off x="4154715" y="2395704"/>
+              <a:ext cx="1546309" cy="2063020"/>
+            </a:xfrm>
+            <a:prstGeom prst="rect">
+              <a:avLst/>
+            </a:prstGeom>
+            <a:noFill/>
+            <a:extLst>
+              <a:ext uri="{909E8E84-426E-40DD-AFC4-6F175D3DCCD1}">
+                <a14:hiddenFill xmlns:a14="http://schemas.microsoft.com/office/drawing/2010/main">
+                  <a:solidFill>
+                    <a:srgbClr val="FFFFFF"/>
+                  </a:solidFill>
+                </a14:hiddenFill>
+              </a:ext>
+            </a:extLst>
+          </p:spPr>
+        </p:pic>
+        <p:pic>
+          <p:nvPicPr>
+            <p:cNvPr id="8" name="Picture 4" descr="Steam Community :: :: Grut">
+              <a:extLst>
+                <a:ext uri="{FF2B5EF4-FFF2-40B4-BE49-F238E27FC236}">
+                  <a16:creationId xmlns:a16="http://schemas.microsoft.com/office/drawing/2014/main" id="{06425E2B-60B5-3374-55AC-7C8158D8F4E5}"/>
+                </a:ext>
+              </a:extLst>
+            </p:cNvPr>
+            <p:cNvPicPr>
+              <a:picLocks noChangeAspect="1" noChangeArrowheads="1"/>
+            </p:cNvPicPr>
+            <p:nvPr/>
+          </p:nvPicPr>
+          <p:blipFill>
+            <a:blip r:embed="rId3">
+              <a:extLst>
+                <a:ext uri="{28A0092B-C50C-407E-A947-70E740481C1C}">
+                  <a14:useLocalDpi xmlns:a14="http://schemas.microsoft.com/office/drawing/2010/main" val="0"/>
+                </a:ext>
+              </a:extLst>
+            </a:blip>
+            <a:srcRect/>
+            <a:stretch>
+              <a:fillRect/>
+            </a:stretch>
+          </p:blipFill>
+          <p:spPr bwMode="auto">
+            <a:xfrm flipH="1">
+              <a:off x="6652196" y="2395705"/>
+              <a:ext cx="1546309" cy="2063020"/>
+            </a:xfrm>
+            <a:prstGeom prst="rect">
+              <a:avLst/>
+            </a:prstGeom>
+            <a:noFill/>
+            <a:extLst>
+              <a:ext uri="{909E8E84-426E-40DD-AFC4-6F175D3DCCD1}">
+                <a14:hiddenFill xmlns:a14="http://schemas.microsoft.com/office/drawing/2010/main">
+                  <a:solidFill>
+                    <a:srgbClr val="FFFFFF"/>
+                  </a:solidFill>
+                </a14:hiddenFill>
+              </a:ext>
+            </a:extLst>
+          </p:spPr>
+        </p:pic>
+        <p:sp>
+          <p:nvSpPr>
+            <p:cNvPr id="9" name="TextBox 10">
+              <a:extLst>
+                <a:ext uri="{FF2B5EF4-FFF2-40B4-BE49-F238E27FC236}">
+                  <a16:creationId xmlns:a16="http://schemas.microsoft.com/office/drawing/2014/main" id="{8422FAEA-ACC7-E5DA-D823-A4E96EC0EF8F}"/>
+                </a:ext>
+              </a:extLst>
+            </p:cNvPr>
+            <p:cNvSpPr txBox="1"/>
+            <p:nvPr/>
+          </p:nvSpPr>
+          <p:spPr>
+            <a:xfrm>
+              <a:off x="5849022" y="3434255"/>
+              <a:ext cx="914400" cy="914400"/>
+            </a:xfrm>
+            <a:prstGeom prst="rect">
+              <a:avLst/>
+            </a:prstGeom>
+          </p:spPr>
+          <p:txBody>
+            <a:bodyPr vert="horz" wrap="none" lIns="91440" tIns="45720" rIns="91440" bIns="45720" rtlCol="0">
+              <a:normAutofit/>
+            </a:bodyPr>
+            <a:lstStyle/>
+            <a:p>
+              <a:pPr algn="l"/>
+              <a:r>
+                <a:rPr lang="en-US" sz="2400" b="0" dirty="0"/>
+                <a:t>[…]</a:t>
+              </a:r>
+            </a:p>
+          </p:txBody>
+        </p:sp>
+        <p:sp>
+          <p:nvSpPr>
+            <p:cNvPr id="10" name="TextBox 12">
+              <a:extLst>
+                <a:ext uri="{FF2B5EF4-FFF2-40B4-BE49-F238E27FC236}">
+                  <a16:creationId xmlns:a16="http://schemas.microsoft.com/office/drawing/2014/main" id="{8B9C4D3E-93BC-12D5-3215-E733A6682163}"/>
+                </a:ext>
+              </a:extLst>
+            </p:cNvPr>
+            <p:cNvSpPr txBox="1"/>
+            <p:nvPr/>
+          </p:nvSpPr>
+          <p:spPr>
+            <a:xfrm>
+              <a:off x="4511857" y="1394015"/>
+              <a:ext cx="2955623" cy="375840"/>
+            </a:xfrm>
+            <a:prstGeom prst="rect">
+              <a:avLst/>
+            </a:prstGeom>
+          </p:spPr>
+          <p:txBody>
+            <a:bodyPr vert="horz" wrap="none" lIns="91440" tIns="45720" rIns="91440" bIns="45720" rtlCol="0">
+              <a:normAutofit lnSpcReduction="10000"/>
+            </a:bodyPr>
+            <a:lstStyle/>
+            <a:p>
+              <a:pPr algn="ctr"/>
+              <a:r>
+                <a:rPr lang="en-US" sz="2000" b="1" dirty="0"/>
+                <a:t>Data point from the stream</a:t>
+              </a:r>
+            </a:p>
+          </p:txBody>
+        </p:sp>
+        <p:grpSp>
+          <p:nvGrpSpPr>
+            <p:cNvPr id="11" name="Group 18">
+              <a:extLst>
+                <a:ext uri="{FF2B5EF4-FFF2-40B4-BE49-F238E27FC236}">
+                  <a16:creationId xmlns:a16="http://schemas.microsoft.com/office/drawing/2014/main" id="{FF972098-ECB7-1143-0A79-E3C8AFBE6BC7}"/>
+                </a:ext>
+              </a:extLst>
+            </p:cNvPr>
+            <p:cNvGrpSpPr/>
+            <p:nvPr/>
+          </p:nvGrpSpPr>
+          <p:grpSpPr>
+            <a:xfrm>
+              <a:off x="3333657" y="1783858"/>
+              <a:ext cx="1867320" cy="542880"/>
+              <a:chOff x="6389583" y="1722714"/>
+              <a:chExt cx="1867320" cy="791280"/>
+            </a:xfrm>
+          </p:grpSpPr>
+          <mc:AlternateContent xmlns:mc="http://schemas.openxmlformats.org/markup-compatibility/2006" xmlns:p14="http://schemas.microsoft.com/office/powerpoint/2010/main">
+            <mc:Choice Requires="p14">
+              <p:contentPart p14:bwMode="auto" r:id="rId4">
+                <p14:nvContentPartPr>
+                  <p14:cNvPr id="12" name="Ink 16">
+                    <a:extLst>
+                      <a:ext uri="{FF2B5EF4-FFF2-40B4-BE49-F238E27FC236}">
+                        <a16:creationId xmlns:a16="http://schemas.microsoft.com/office/drawing/2014/main" id="{E653BD2D-CE4A-D065-0710-061BE900D59D}"/>
+                      </a:ext>
+                    </a:extLst>
+                  </p14:cNvPr>
+                  <p14:cNvContentPartPr/>
+                  <p14:nvPr/>
+                </p14:nvContentPartPr>
+                <p14:xfrm>
+                  <a:off x="6455463" y="1722714"/>
+                  <a:ext cx="1801440" cy="695880"/>
+                </p14:xfrm>
+              </p:contentPart>
+            </mc:Choice>
+            <mc:Fallback xmlns="">
+              <p:pic>
+                <p:nvPicPr>
+                  <p:cNvPr id="17" name="Ink 16">
+                    <a:extLst>
+                      <a:ext uri="{FF2B5EF4-FFF2-40B4-BE49-F238E27FC236}">
+                        <a16:creationId xmlns:a16="http://schemas.microsoft.com/office/drawing/2014/main" id="{FB45432B-4B8A-E24C-679C-34BD13959A0B}"/>
+                      </a:ext>
+                    </a:extLst>
+                  </p:cNvPr>
+                  <p:cNvPicPr/>
+                  <p:nvPr/>
+                </p:nvPicPr>
+                <p:blipFill>
+                  <a:blip r:embed="rId5"/>
+                  <a:stretch>
+                    <a:fillRect/>
+                  </a:stretch>
+                </p:blipFill>
+                <p:spPr>
+                  <a:xfrm>
+                    <a:off x="6449343" y="1716594"/>
+                    <a:ext cx="1813680" cy="708120"/>
+                  </a:xfrm>
+                  <a:prstGeom prst="rect">
+                    <a:avLst/>
+                  </a:prstGeom>
+                </p:spPr>
+              </p:pic>
+            </mc:Fallback>
+          </mc:AlternateContent>
+          <mc:AlternateContent xmlns:mc="http://schemas.openxmlformats.org/markup-compatibility/2006" xmlns:p14="http://schemas.microsoft.com/office/powerpoint/2010/main">
+            <mc:Choice Requires="p14">
+              <p:contentPart p14:bwMode="auto" r:id="rId6">
+                <p14:nvContentPartPr>
+                  <p14:cNvPr id="13" name="Ink 17">
+                    <a:extLst>
+                      <a:ext uri="{FF2B5EF4-FFF2-40B4-BE49-F238E27FC236}">
+                        <a16:creationId xmlns:a16="http://schemas.microsoft.com/office/drawing/2014/main" id="{D39FA39C-09FF-CA58-5A63-DD90E07D454E}"/>
+                      </a:ext>
+                    </a:extLst>
+                  </p14:cNvPr>
+                  <p14:cNvContentPartPr/>
+                  <p14:nvPr/>
+                </p14:nvContentPartPr>
+                <p14:xfrm>
+                  <a:off x="6389583" y="2266314"/>
+                  <a:ext cx="378360" cy="247680"/>
+                </p14:xfrm>
+              </p:contentPart>
+            </mc:Choice>
+            <mc:Fallback xmlns="">
+              <p:pic>
+                <p:nvPicPr>
+                  <p:cNvPr id="18" name="Ink 17">
+                    <a:extLst>
+                      <a:ext uri="{FF2B5EF4-FFF2-40B4-BE49-F238E27FC236}">
+                        <a16:creationId xmlns:a16="http://schemas.microsoft.com/office/drawing/2014/main" id="{4420D8B9-B7C6-9FD0-E72F-8EB905732733}"/>
+                      </a:ext>
+                    </a:extLst>
+                  </p:cNvPr>
+                  <p:cNvPicPr/>
+                  <p:nvPr/>
+                </p:nvPicPr>
+                <p:blipFill>
+                  <a:blip r:embed="rId7"/>
+                  <a:stretch>
+                    <a:fillRect/>
+                  </a:stretch>
+                </p:blipFill>
+                <p:spPr>
+                  <a:xfrm>
+                    <a:off x="6383463" y="2260194"/>
+                    <a:ext cx="390600" cy="259920"/>
+                  </a:xfrm>
+                  <a:prstGeom prst="rect">
+                    <a:avLst/>
+                  </a:prstGeom>
+                </p:spPr>
+              </p:pic>
+            </mc:Fallback>
+          </mc:AlternateContent>
+        </p:grpSp>
+        <p:grpSp>
+          <p:nvGrpSpPr>
+            <p:cNvPr id="14" name="Group 21">
+              <a:extLst>
+                <a:ext uri="{FF2B5EF4-FFF2-40B4-BE49-F238E27FC236}">
+                  <a16:creationId xmlns:a16="http://schemas.microsoft.com/office/drawing/2014/main" id="{DC615B9F-C966-79D2-C2A0-1FAB370A03DC}"/>
+                </a:ext>
+              </a:extLst>
+            </p:cNvPr>
+            <p:cNvGrpSpPr/>
+            <p:nvPr/>
+          </p:nvGrpSpPr>
+          <p:grpSpPr>
+            <a:xfrm>
+              <a:off x="4816137" y="1792858"/>
+              <a:ext cx="729360" cy="533880"/>
+              <a:chOff x="7872063" y="1731714"/>
+              <a:chExt cx="729360" cy="760320"/>
+            </a:xfrm>
+          </p:grpSpPr>
+          <mc:AlternateContent xmlns:mc="http://schemas.openxmlformats.org/markup-compatibility/2006" xmlns:p14="http://schemas.microsoft.com/office/powerpoint/2010/main">
+            <mc:Choice Requires="p14">
+              <p:contentPart p14:bwMode="auto" r:id="rId8">
+                <p14:nvContentPartPr>
+                  <p14:cNvPr id="15" name="Ink 19">
+                    <a:extLst>
+                      <a:ext uri="{FF2B5EF4-FFF2-40B4-BE49-F238E27FC236}">
+                        <a16:creationId xmlns:a16="http://schemas.microsoft.com/office/drawing/2014/main" id="{1E261EC0-81D5-54B3-AC6B-5C62C69F52E5}"/>
+                      </a:ext>
+                    </a:extLst>
+                  </p14:cNvPr>
+                  <p14:cNvContentPartPr/>
+                  <p14:nvPr/>
+                </p14:nvContentPartPr>
+                <p14:xfrm>
+                  <a:off x="7958463" y="1731714"/>
+                  <a:ext cx="642960" cy="727560"/>
+                </p14:xfrm>
+              </p:contentPart>
+            </mc:Choice>
+            <mc:Fallback xmlns="">
+              <p:pic>
+                <p:nvPicPr>
+                  <p:cNvPr id="20" name="Ink 19">
+                    <a:extLst>
+                      <a:ext uri="{FF2B5EF4-FFF2-40B4-BE49-F238E27FC236}">
+                        <a16:creationId xmlns:a16="http://schemas.microsoft.com/office/drawing/2014/main" id="{69EAF1D7-51B6-E805-4CB1-B17CDE430375}"/>
+                      </a:ext>
+                    </a:extLst>
+                  </p:cNvPr>
+                  <p:cNvPicPr/>
+                  <p:nvPr/>
+                </p:nvPicPr>
+                <p:blipFill>
+                  <a:blip r:embed="rId9"/>
+                  <a:stretch>
+                    <a:fillRect/>
+                  </a:stretch>
+                </p:blipFill>
+                <p:spPr>
+                  <a:xfrm>
+                    <a:off x="7952343" y="1725594"/>
+                    <a:ext cx="655200" cy="739800"/>
+                  </a:xfrm>
+                  <a:prstGeom prst="rect">
+                    <a:avLst/>
+                  </a:prstGeom>
+                </p:spPr>
+              </p:pic>
+            </mc:Fallback>
+          </mc:AlternateContent>
+          <mc:AlternateContent xmlns:mc="http://schemas.openxmlformats.org/markup-compatibility/2006" xmlns:p14="http://schemas.microsoft.com/office/powerpoint/2010/main">
+            <mc:Choice Requires="p14">
+              <p:contentPart p14:bwMode="auto" r:id="rId10">
+                <p14:nvContentPartPr>
+                  <p14:cNvPr id="16" name="Ink 20">
+                    <a:extLst>
+                      <a:ext uri="{FF2B5EF4-FFF2-40B4-BE49-F238E27FC236}">
+                        <a16:creationId xmlns:a16="http://schemas.microsoft.com/office/drawing/2014/main" id="{26052E7F-C673-71A9-5B09-D22E9ABDAE34}"/>
+                      </a:ext>
+                    </a:extLst>
+                  </p14:cNvPr>
+                  <p14:cNvContentPartPr/>
+                  <p14:nvPr/>
+                </p14:nvContentPartPr>
+                <p14:xfrm>
+                  <a:off x="7872063" y="2265594"/>
+                  <a:ext cx="474480" cy="226440"/>
+                </p14:xfrm>
+              </p:contentPart>
+            </mc:Choice>
+            <mc:Fallback xmlns="">
+              <p:pic>
+                <p:nvPicPr>
+                  <p:cNvPr id="21" name="Ink 20">
+                    <a:extLst>
+                      <a:ext uri="{FF2B5EF4-FFF2-40B4-BE49-F238E27FC236}">
+                        <a16:creationId xmlns:a16="http://schemas.microsoft.com/office/drawing/2014/main" id="{B8235B01-F66E-AF09-F1C0-CB9E40826CFA}"/>
+                      </a:ext>
+                    </a:extLst>
+                  </p:cNvPr>
+                  <p:cNvPicPr/>
+                  <p:nvPr/>
+                </p:nvPicPr>
+                <p:blipFill>
+                  <a:blip r:embed="rId11"/>
+                  <a:stretch>
+                    <a:fillRect/>
+                  </a:stretch>
+                </p:blipFill>
+                <p:spPr>
+                  <a:xfrm>
+                    <a:off x="7865943" y="2259474"/>
+                    <a:ext cx="486720" cy="238680"/>
+                  </a:xfrm>
+                  <a:prstGeom prst="rect">
+                    <a:avLst/>
+                  </a:prstGeom>
+                </p:spPr>
+              </p:pic>
+            </mc:Fallback>
+          </mc:AlternateContent>
+        </p:grpSp>
+        <p:grpSp>
+          <p:nvGrpSpPr>
+            <p:cNvPr id="17" name="Group 25">
+              <a:extLst>
+                <a:ext uri="{FF2B5EF4-FFF2-40B4-BE49-F238E27FC236}">
+                  <a16:creationId xmlns:a16="http://schemas.microsoft.com/office/drawing/2014/main" id="{06F09873-1537-C08F-DA25-D0842CA9BF8F}"/>
+                </a:ext>
+              </a:extLst>
+            </p:cNvPr>
+            <p:cNvGrpSpPr/>
+            <p:nvPr/>
+          </p:nvGrpSpPr>
+          <p:grpSpPr>
+            <a:xfrm>
+              <a:off x="6597157" y="1741018"/>
+              <a:ext cx="1293840" cy="585720"/>
+              <a:chOff x="10028463" y="1679874"/>
+              <a:chExt cx="1293840" cy="786600"/>
+            </a:xfrm>
+          </p:grpSpPr>
+          <mc:AlternateContent xmlns:mc="http://schemas.openxmlformats.org/markup-compatibility/2006" xmlns:p14="http://schemas.microsoft.com/office/powerpoint/2010/main">
+            <mc:Choice Requires="p14">
+              <p:contentPart p14:bwMode="auto" r:id="rId12">
+                <p14:nvContentPartPr>
+                  <p14:cNvPr id="18" name="Ink 23">
+                    <a:extLst>
+                      <a:ext uri="{FF2B5EF4-FFF2-40B4-BE49-F238E27FC236}">
+                        <a16:creationId xmlns:a16="http://schemas.microsoft.com/office/drawing/2014/main" id="{5DD99952-82C8-FAE5-C53D-F69B636DDC78}"/>
+                      </a:ext>
+                    </a:extLst>
+                  </p14:cNvPr>
+                  <p14:cNvContentPartPr/>
+                  <p14:nvPr/>
+                </p14:nvContentPartPr>
+                <p14:xfrm>
+                  <a:off x="10028463" y="1679874"/>
+                  <a:ext cx="999360" cy="672480"/>
+                </p14:xfrm>
+              </p:contentPart>
+            </mc:Choice>
+            <mc:Fallback xmlns="">
+              <p:pic>
+                <p:nvPicPr>
+                  <p:cNvPr id="24" name="Ink 23">
+                    <a:extLst>
+                      <a:ext uri="{FF2B5EF4-FFF2-40B4-BE49-F238E27FC236}">
+                        <a16:creationId xmlns:a16="http://schemas.microsoft.com/office/drawing/2014/main" id="{3283243A-912B-C554-6000-16122E15EA18}"/>
+                      </a:ext>
+                    </a:extLst>
+                  </p:cNvPr>
+                  <p:cNvPicPr/>
+                  <p:nvPr/>
+                </p:nvPicPr>
+                <p:blipFill>
+                  <a:blip r:embed="rId13"/>
+                  <a:stretch>
+                    <a:fillRect/>
+                  </a:stretch>
+                </p:blipFill>
+                <p:spPr>
+                  <a:xfrm>
+                    <a:off x="10022343" y="1673754"/>
+                    <a:ext cx="1011600" cy="684720"/>
+                  </a:xfrm>
+                  <a:prstGeom prst="rect">
+                    <a:avLst/>
+                  </a:prstGeom>
+                </p:spPr>
+              </p:pic>
+            </mc:Fallback>
+          </mc:AlternateContent>
+          <mc:AlternateContent xmlns:mc="http://schemas.openxmlformats.org/markup-compatibility/2006" xmlns:p14="http://schemas.microsoft.com/office/powerpoint/2010/main">
+            <mc:Choice Requires="p14">
+              <p:contentPart p14:bwMode="auto" r:id="rId14">
+                <p14:nvContentPartPr>
+                  <p14:cNvPr id="19" name="Ink 24">
+                    <a:extLst>
+                      <a:ext uri="{FF2B5EF4-FFF2-40B4-BE49-F238E27FC236}">
+                        <a16:creationId xmlns:a16="http://schemas.microsoft.com/office/drawing/2014/main" id="{8D6BC91D-5070-82A7-E6EC-14918D9454C5}"/>
+                      </a:ext>
+                    </a:extLst>
+                  </p14:cNvPr>
+                  <p14:cNvContentPartPr/>
+                  <p14:nvPr/>
+                </p14:nvContentPartPr>
+                <p14:xfrm>
+                  <a:off x="10874103" y="2196834"/>
+                  <a:ext cx="448200" cy="269640"/>
+                </p14:xfrm>
+              </p:contentPart>
+            </mc:Choice>
+            <mc:Fallback xmlns="">
+              <p:pic>
+                <p:nvPicPr>
+                  <p:cNvPr id="25" name="Ink 24">
+                    <a:extLst>
+                      <a:ext uri="{FF2B5EF4-FFF2-40B4-BE49-F238E27FC236}">
+                        <a16:creationId xmlns:a16="http://schemas.microsoft.com/office/drawing/2014/main" id="{B54B1AE6-7B99-04C2-4215-F60FEDE731DA}"/>
+                      </a:ext>
+                    </a:extLst>
+                  </p:cNvPr>
+                  <p:cNvPicPr/>
+                  <p:nvPr/>
+                </p:nvPicPr>
+                <p:blipFill>
+                  <a:blip r:embed="rId15"/>
+                  <a:stretch>
+                    <a:fillRect/>
+                  </a:stretch>
+                </p:blipFill>
+                <p:spPr>
+                  <a:xfrm>
+                    <a:off x="10867983" y="2190714"/>
+                    <a:ext cx="460440" cy="281880"/>
+                  </a:xfrm>
+                  <a:prstGeom prst="rect">
+                    <a:avLst/>
+                  </a:prstGeom>
+                </p:spPr>
+              </p:pic>
+            </mc:Fallback>
+          </mc:AlternateContent>
+        </p:grpSp>
+        <p:sp>
+          <p:nvSpPr>
+            <p:cNvPr id="20" name="TextBox 28">
+              <a:extLst>
+                <a:ext uri="{FF2B5EF4-FFF2-40B4-BE49-F238E27FC236}">
+                  <a16:creationId xmlns:a16="http://schemas.microsoft.com/office/drawing/2014/main" id="{FEE6D62B-8BF8-2A89-B603-E7DDA185888A}"/>
+                </a:ext>
+              </a:extLst>
+            </p:cNvPr>
+            <p:cNvSpPr txBox="1"/>
+            <p:nvPr/>
+          </p:nvSpPr>
+          <p:spPr>
+            <a:xfrm>
+              <a:off x="2812972" y="4494777"/>
+              <a:ext cx="914400" cy="587776"/>
+            </a:xfrm>
+            <a:prstGeom prst="rect">
+              <a:avLst/>
+            </a:prstGeom>
+          </p:spPr>
+          <p:txBody>
+            <a:bodyPr vert="horz" wrap="none" lIns="91440" tIns="45720" rIns="91440" bIns="45720" rtlCol="0">
+              <a:normAutofit/>
+            </a:bodyPr>
+            <a:lstStyle/>
+            <a:p>
+              <a:pPr algn="ctr"/>
+              <a:r>
+                <a:rPr lang="en-US" sz="2000" b="1" dirty="0"/>
+                <a:t>HAT</a:t>
+              </a:r>
+              <a:r>
+                <a:rPr lang="en-US" sz="2000" b="1" baseline="-25000" dirty="0"/>
+                <a:t>1</a:t>
+              </a:r>
+            </a:p>
+          </p:txBody>
+        </p:sp>
+        <p:sp>
+          <p:nvSpPr>
+            <p:cNvPr id="21" name="TextBox 29">
+              <a:extLst>
+                <a:ext uri="{FF2B5EF4-FFF2-40B4-BE49-F238E27FC236}">
+                  <a16:creationId xmlns:a16="http://schemas.microsoft.com/office/drawing/2014/main" id="{7D2CAA63-BB34-763F-3FB4-EAF44629A887}"/>
+                </a:ext>
+              </a:extLst>
+            </p:cNvPr>
+            <p:cNvSpPr txBox="1"/>
+            <p:nvPr/>
+          </p:nvSpPr>
+          <p:spPr>
+            <a:xfrm>
+              <a:off x="4511857" y="4494454"/>
+              <a:ext cx="914400" cy="587776"/>
+            </a:xfrm>
+            <a:prstGeom prst="rect">
+              <a:avLst/>
+            </a:prstGeom>
+          </p:spPr>
+          <p:txBody>
+            <a:bodyPr vert="horz" wrap="none" lIns="91440" tIns="45720" rIns="91440" bIns="45720" rtlCol="0">
+              <a:normAutofit/>
+            </a:bodyPr>
+            <a:lstStyle/>
+            <a:p>
+              <a:pPr algn="ctr"/>
+              <a:r>
+                <a:rPr lang="en-US" sz="2000" b="1" dirty="0"/>
+                <a:t>HAT</a:t>
+              </a:r>
+              <a:r>
+                <a:rPr lang="en-US" sz="2000" b="1" baseline="-25000" dirty="0"/>
+                <a:t>2</a:t>
+              </a:r>
+            </a:p>
+          </p:txBody>
+        </p:sp>
+        <p:sp>
+          <p:nvSpPr>
+            <p:cNvPr id="22" name="TextBox 30">
+              <a:extLst>
+                <a:ext uri="{FF2B5EF4-FFF2-40B4-BE49-F238E27FC236}">
+                  <a16:creationId xmlns:a16="http://schemas.microsoft.com/office/drawing/2014/main" id="{149C5530-4897-D106-F3E1-AF3104D11C22}"/>
+                </a:ext>
+              </a:extLst>
+            </p:cNvPr>
+            <p:cNvSpPr txBox="1"/>
+            <p:nvPr/>
+          </p:nvSpPr>
+          <p:spPr>
+            <a:xfrm>
+              <a:off x="6968150" y="4494492"/>
+              <a:ext cx="914400" cy="587776"/>
+            </a:xfrm>
+            <a:prstGeom prst="rect">
+              <a:avLst/>
+            </a:prstGeom>
+          </p:spPr>
+          <p:txBody>
+            <a:bodyPr vert="horz" wrap="none" lIns="91440" tIns="45720" rIns="91440" bIns="45720" rtlCol="0">
+              <a:normAutofit/>
+            </a:bodyPr>
+            <a:lstStyle/>
+            <a:p>
+              <a:pPr algn="ctr"/>
+              <a:r>
+                <a:rPr lang="en-US" sz="2000" b="1" dirty="0" err="1"/>
+                <a:t>HAT</a:t>
+              </a:r>
+              <a:r>
+                <a:rPr lang="en-US" sz="2000" b="1" baseline="-25000" dirty="0" err="1"/>
+                <a:t>n</a:t>
+              </a:r>
+              <a:endParaRPr lang="en-US" sz="2000" b="1" baseline="-25000" dirty="0"/>
+            </a:p>
+          </p:txBody>
+        </p:sp>
+        <p:sp>
+          <p:nvSpPr>
+            <p:cNvPr id="23" name="TextBox 31">
+              <a:extLst>
+                <a:ext uri="{FF2B5EF4-FFF2-40B4-BE49-F238E27FC236}">
+                  <a16:creationId xmlns:a16="http://schemas.microsoft.com/office/drawing/2014/main" id="{431C1FAD-FE0B-8B4C-43D7-B0CF2747DBAB}"/>
+                </a:ext>
+              </a:extLst>
+            </p:cNvPr>
+            <p:cNvSpPr txBox="1"/>
+            <p:nvPr/>
+          </p:nvSpPr>
+          <p:spPr>
+            <a:xfrm>
+              <a:off x="5013221" y="5306665"/>
+              <a:ext cx="1671602" cy="426141"/>
+            </a:xfrm>
+            <a:prstGeom prst="rect">
+              <a:avLst/>
+            </a:prstGeom>
+          </p:spPr>
+          <p:txBody>
+            <a:bodyPr vert="horz" wrap="none" lIns="91440" tIns="45720" rIns="91440" bIns="45720" rtlCol="0">
+              <a:normAutofit/>
+            </a:bodyPr>
+            <a:lstStyle/>
+            <a:p>
+              <a:pPr algn="ctr"/>
+              <a:r>
+                <a:rPr lang="en-US" sz="2000" b="1" dirty="0"/>
+                <a:t>Voting</a:t>
+              </a:r>
+              <a:endParaRPr lang="en-US" sz="2000" b="1" baseline="-25000" dirty="0"/>
+            </a:p>
+          </p:txBody>
+        </p:sp>
+        <p:sp>
+          <p:nvSpPr>
+            <p:cNvPr id="24" name="TextBox 32">
+              <a:extLst>
+                <a:ext uri="{FF2B5EF4-FFF2-40B4-BE49-F238E27FC236}">
+                  <a16:creationId xmlns:a16="http://schemas.microsoft.com/office/drawing/2014/main" id="{FE946CEC-7795-81D5-73A1-6936CC640795}"/>
+                </a:ext>
+              </a:extLst>
+            </p:cNvPr>
+            <p:cNvSpPr txBox="1"/>
+            <p:nvPr/>
+          </p:nvSpPr>
+          <p:spPr>
+            <a:xfrm>
+              <a:off x="5319632" y="5970860"/>
+              <a:ext cx="1145520" cy="385452"/>
+            </a:xfrm>
+            <a:prstGeom prst="rect">
+              <a:avLst/>
+            </a:prstGeom>
+          </p:spPr>
+          <p:txBody>
+            <a:bodyPr vert="horz" wrap="none" lIns="91440" tIns="45720" rIns="91440" bIns="45720" rtlCol="0">
+              <a:normAutofit lnSpcReduction="10000"/>
+            </a:bodyPr>
+            <a:lstStyle/>
+            <a:p>
+              <a:pPr algn="ctr"/>
+              <a:r>
+                <a:rPr lang="en-US" sz="2000" b="1" dirty="0"/>
+                <a:t>Prediction</a:t>
+              </a:r>
+              <a:endParaRPr lang="en-US" sz="2000" b="1" baseline="-25000" dirty="0"/>
+            </a:p>
+          </p:txBody>
+        </p:sp>
+        <p:grpSp>
+          <p:nvGrpSpPr>
+            <p:cNvPr id="25" name="Group 41">
+              <a:extLst>
+                <a:ext uri="{FF2B5EF4-FFF2-40B4-BE49-F238E27FC236}">
+                  <a16:creationId xmlns:a16="http://schemas.microsoft.com/office/drawing/2014/main" id="{66CA4CD3-CCFE-C5C7-B01E-DCBEDC832A32}"/>
+                </a:ext>
+              </a:extLst>
+            </p:cNvPr>
+            <p:cNvGrpSpPr/>
+            <p:nvPr/>
+          </p:nvGrpSpPr>
+          <p:grpSpPr>
+            <a:xfrm>
+              <a:off x="3207752" y="4820969"/>
+              <a:ext cx="2337745" cy="643016"/>
+              <a:chOff x="6312183" y="5300034"/>
+              <a:chExt cx="2427332" cy="320040"/>
+            </a:xfrm>
+          </p:grpSpPr>
+          <mc:AlternateContent xmlns:mc="http://schemas.openxmlformats.org/markup-compatibility/2006" xmlns:p14="http://schemas.microsoft.com/office/powerpoint/2010/main">
+            <mc:Choice Requires="p14">
+              <p:contentPart p14:bwMode="auto" r:id="rId16">
+                <p14:nvContentPartPr>
+                  <p14:cNvPr id="26" name="Ink 33">
+                    <a:extLst>
+                      <a:ext uri="{FF2B5EF4-FFF2-40B4-BE49-F238E27FC236}">
+                        <a16:creationId xmlns:a16="http://schemas.microsoft.com/office/drawing/2014/main" id="{FCE5A553-17A2-20B3-AC58-4CAC2873C789}"/>
+                      </a:ext>
+                    </a:extLst>
+                  </p14:cNvPr>
+                  <p14:cNvContentPartPr/>
+                  <p14:nvPr/>
+                </p14:nvContentPartPr>
+                <p14:xfrm>
+                  <a:off x="6312183" y="5366634"/>
+                  <a:ext cx="1941480" cy="253440"/>
+                </p14:xfrm>
+              </p:contentPart>
+            </mc:Choice>
+            <mc:Fallback xmlns="">
+              <p:pic>
+                <p:nvPicPr>
+                  <p:cNvPr id="34" name="Ink 33">
+                    <a:extLst>
+                      <a:ext uri="{FF2B5EF4-FFF2-40B4-BE49-F238E27FC236}">
+                        <a16:creationId xmlns:a16="http://schemas.microsoft.com/office/drawing/2014/main" id="{650E67A0-0D53-64BD-5F87-81B66622EE74}"/>
+                      </a:ext>
+                    </a:extLst>
+                  </p:cNvPr>
+                  <p:cNvPicPr/>
+                  <p:nvPr/>
+                </p:nvPicPr>
+                <p:blipFill>
+                  <a:blip r:embed="rId17"/>
+                  <a:stretch>
+                    <a:fillRect/>
+                  </a:stretch>
+                </p:blipFill>
+                <p:spPr>
+                  <a:xfrm>
+                    <a:off x="6305076" y="5363911"/>
+                    <a:ext cx="1955694" cy="258887"/>
+                  </a:xfrm>
+                  <a:prstGeom prst="rect">
+                    <a:avLst/>
+                  </a:prstGeom>
+                </p:spPr>
+              </p:pic>
+            </mc:Fallback>
+          </mc:AlternateContent>
+          <mc:AlternateContent xmlns:mc="http://schemas.openxmlformats.org/markup-compatibility/2006" xmlns:p14="http://schemas.microsoft.com/office/powerpoint/2010/main">
+            <mc:Choice Requires="p14">
+              <p:contentPart p14:bwMode="auto" r:id="rId18">
+                <p14:nvContentPartPr>
+                  <p14:cNvPr id="27" name="Ink 38">
+                    <a:extLst>
+                      <a:ext uri="{FF2B5EF4-FFF2-40B4-BE49-F238E27FC236}">
+                        <a16:creationId xmlns:a16="http://schemas.microsoft.com/office/drawing/2014/main" id="{63660C51-E59E-C610-EAA9-D731C0E50B32}"/>
+                      </a:ext>
+                    </a:extLst>
+                  </p14:cNvPr>
+                  <p14:cNvContentPartPr/>
+                  <p14:nvPr/>
+                </p14:nvContentPartPr>
+                <p14:xfrm>
+                  <a:off x="8307154" y="5300034"/>
+                  <a:ext cx="432361" cy="212760"/>
+                </p14:xfrm>
+              </p:contentPart>
+            </mc:Choice>
+            <mc:Fallback xmlns="">
+              <p:pic>
+                <p:nvPicPr>
+                  <p:cNvPr id="39" name="Ink 38">
+                    <a:extLst>
+                      <a:ext uri="{FF2B5EF4-FFF2-40B4-BE49-F238E27FC236}">
+                        <a16:creationId xmlns:a16="http://schemas.microsoft.com/office/drawing/2014/main" id="{B9BC35EB-2D96-A7F7-E1C2-0E7B51F525A0}"/>
+                      </a:ext>
+                    </a:extLst>
+                  </p:cNvPr>
+                  <p:cNvPicPr/>
+                  <p:nvPr/>
+                </p:nvPicPr>
+                <p:blipFill>
+                  <a:blip r:embed="rId19"/>
+                  <a:stretch>
+                    <a:fillRect/>
+                  </a:stretch>
+                </p:blipFill>
+                <p:spPr>
+                  <a:xfrm>
+                    <a:off x="8300046" y="5297308"/>
+                    <a:ext cx="446578" cy="218211"/>
+                  </a:xfrm>
+                  <a:prstGeom prst="rect">
+                    <a:avLst/>
+                  </a:prstGeom>
+                </p:spPr>
+              </p:pic>
+            </mc:Fallback>
+          </mc:AlternateContent>
+        </p:grpSp>
+        <mc:AlternateContent xmlns:mc="http://schemas.openxmlformats.org/markup-compatibility/2006">
+          <mc:Choice xmlns:p14="http://schemas.microsoft.com/office/powerpoint/2010/main" Requires="p14">
+            <p:contentPart p14:bwMode="auto" r:id="rId20">
+              <p14:nvContentPartPr>
+                <p14:cNvPr id="28" name="Ink 42">
+                  <a:extLst>
+                    <a:ext uri="{FF2B5EF4-FFF2-40B4-BE49-F238E27FC236}">
+                      <a16:creationId xmlns:a16="http://schemas.microsoft.com/office/drawing/2014/main" id="{6DCD7C2A-C370-F0F1-B330-50E4EE069105}"/>
+                    </a:ext>
+                  </a:extLst>
+                </p14:cNvPr>
+                <p14:cNvContentPartPr/>
+                <p14:nvPr/>
+              </p14:nvContentPartPr>
+              <p14:xfrm>
+                <a:off x="6488062" y="4970541"/>
+                <a:ext cx="954735" cy="493444"/>
+              </p14:xfrm>
+            </p:contentPart>
+          </mc:Choice>
+          <mc:Fallback>
+            <p:pic>
+              <p:nvPicPr>
+                <p:cNvPr id="28" name="Ink 42">
+                  <a:extLst>
+                    <a:ext uri="{FF2B5EF4-FFF2-40B4-BE49-F238E27FC236}">
+                      <a16:creationId xmlns:a16="http://schemas.microsoft.com/office/drawing/2014/main" id="{6DCD7C2A-C370-F0F1-B330-50E4EE069105}"/>
+                    </a:ext>
+                  </a:extLst>
+                </p:cNvPr>
+                <p:cNvPicPr/>
+                <p:nvPr/>
+              </p:nvPicPr>
+              <p:blipFill>
+                <a:blip r:embed="rId21"/>
+                <a:stretch>
+                  <a:fillRect/>
+                </a:stretch>
+              </p:blipFill>
+              <p:spPr>
+                <a:xfrm>
+                  <a:off x="6481940" y="4964418"/>
+                  <a:ext cx="966980" cy="505690"/>
+                </a:xfrm>
+                <a:prstGeom prst="rect">
+                  <a:avLst/>
+                </a:prstGeom>
+              </p:spPr>
+            </p:pic>
+          </mc:Fallback>
+        </mc:AlternateContent>
+        <mc:AlternateContent xmlns:mc="http://schemas.openxmlformats.org/markup-compatibility/2006">
+          <mc:Choice xmlns:p14="http://schemas.microsoft.com/office/powerpoint/2010/main" Requires="p14">
+            <p:contentPart p14:bwMode="auto" r:id="rId22">
+              <p14:nvContentPartPr>
+                <p14:cNvPr id="29" name="Ink 45">
+                  <a:extLst>
+                    <a:ext uri="{FF2B5EF4-FFF2-40B4-BE49-F238E27FC236}">
+                      <a16:creationId xmlns:a16="http://schemas.microsoft.com/office/drawing/2014/main" id="{81430458-2E33-FCF3-8C6D-740CD6A0F4D2}"/>
+                    </a:ext>
+                  </a:extLst>
+                </p14:cNvPr>
+                <p14:cNvContentPartPr/>
+                <p14:nvPr/>
+              </p14:nvContentPartPr>
+              <p14:xfrm>
+                <a:off x="6345805" y="5359542"/>
+                <a:ext cx="331200" cy="273562"/>
+              </p14:xfrm>
+            </p:contentPart>
+          </mc:Choice>
+          <mc:Fallback>
+            <p:pic>
+              <p:nvPicPr>
+                <p:cNvPr id="29" name="Ink 45">
+                  <a:extLst>
+                    <a:ext uri="{FF2B5EF4-FFF2-40B4-BE49-F238E27FC236}">
+                      <a16:creationId xmlns:a16="http://schemas.microsoft.com/office/drawing/2014/main" id="{81430458-2E33-FCF3-8C6D-740CD6A0F4D2}"/>
+                    </a:ext>
+                  </a:extLst>
+                </p:cNvPr>
+                <p:cNvPicPr/>
+                <p:nvPr/>
+              </p:nvPicPr>
+              <p:blipFill>
+                <a:blip r:embed="rId23"/>
+                <a:stretch>
+                  <a:fillRect/>
+                </a:stretch>
+              </p:blipFill>
+              <p:spPr>
+                <a:xfrm>
+                  <a:off x="6339685" y="5353423"/>
+                  <a:ext cx="343440" cy="285800"/>
+                </a:xfrm>
+                <a:prstGeom prst="rect">
+                  <a:avLst/>
+                </a:prstGeom>
+              </p:spPr>
+            </p:pic>
+          </mc:Fallback>
+        </mc:AlternateContent>
+        <p:grpSp>
+          <p:nvGrpSpPr>
+            <p:cNvPr id="30" name="Group 49">
+              <a:extLst>
+                <a:ext uri="{FF2B5EF4-FFF2-40B4-BE49-F238E27FC236}">
+                  <a16:creationId xmlns:a16="http://schemas.microsoft.com/office/drawing/2014/main" id="{293D9C71-A7A4-6B71-E96D-40D30D6BB7F5}"/>
+                </a:ext>
+              </a:extLst>
+            </p:cNvPr>
+            <p:cNvGrpSpPr/>
+            <p:nvPr/>
+          </p:nvGrpSpPr>
+          <p:grpSpPr>
+            <a:xfrm>
+              <a:off x="5816052" y="5645058"/>
+              <a:ext cx="258840" cy="315720"/>
+              <a:chOff x="9256983" y="5873874"/>
+              <a:chExt cx="258840" cy="315720"/>
+            </a:xfrm>
+          </p:grpSpPr>
+          <mc:AlternateContent xmlns:mc="http://schemas.openxmlformats.org/markup-compatibility/2006" xmlns:p14="http://schemas.microsoft.com/office/powerpoint/2010/main">
+            <mc:Choice Requires="p14">
+              <p:contentPart p14:bwMode="auto" r:id="rId24">
+                <p14:nvContentPartPr>
+                  <p14:cNvPr id="31" name="Ink 47">
+                    <a:extLst>
+                      <a:ext uri="{FF2B5EF4-FFF2-40B4-BE49-F238E27FC236}">
+                        <a16:creationId xmlns:a16="http://schemas.microsoft.com/office/drawing/2014/main" id="{845D4899-5A9D-7A46-B31A-9721B9F3FADF}"/>
+                      </a:ext>
+                    </a:extLst>
+                  </p14:cNvPr>
+                  <p14:cNvContentPartPr/>
+                  <p14:nvPr/>
+                </p14:nvContentPartPr>
+                <p14:xfrm>
+                  <a:off x="9317483" y="5873874"/>
+                  <a:ext cx="31680" cy="286200"/>
+                </p14:xfrm>
+              </p:contentPart>
+            </mc:Choice>
+            <mc:Fallback xmlns="">
+              <p:pic>
+                <p:nvPicPr>
+                  <p:cNvPr id="48" name="Ink 47">
+                    <a:extLst>
+                      <a:ext uri="{FF2B5EF4-FFF2-40B4-BE49-F238E27FC236}">
+                        <a16:creationId xmlns:a16="http://schemas.microsoft.com/office/drawing/2014/main" id="{B61AF27D-E76D-B39E-0DC4-B274B7C0F11F}"/>
+                      </a:ext>
+                    </a:extLst>
+                  </p:cNvPr>
+                  <p:cNvPicPr/>
+                  <p:nvPr/>
+                </p:nvPicPr>
+                <p:blipFill>
+                  <a:blip r:embed="rId25"/>
+                  <a:stretch>
+                    <a:fillRect/>
+                  </a:stretch>
+                </p:blipFill>
+                <p:spPr>
+                  <a:xfrm>
+                    <a:off x="9311363" y="5867754"/>
+                    <a:ext cx="43920" cy="298440"/>
+                  </a:xfrm>
+                  <a:prstGeom prst="rect">
+                    <a:avLst/>
+                  </a:prstGeom>
+                </p:spPr>
+              </p:pic>
+            </mc:Fallback>
+          </mc:AlternateContent>
+          <mc:AlternateContent xmlns:mc="http://schemas.openxmlformats.org/markup-compatibility/2006" xmlns:p14="http://schemas.microsoft.com/office/powerpoint/2010/main">
+            <mc:Choice Requires="p14">
+              <p:contentPart p14:bwMode="auto" r:id="rId26">
+                <p14:nvContentPartPr>
+                  <p14:cNvPr id="32" name="Ink 48">
+                    <a:extLst>
+                      <a:ext uri="{FF2B5EF4-FFF2-40B4-BE49-F238E27FC236}">
+                        <a16:creationId xmlns:a16="http://schemas.microsoft.com/office/drawing/2014/main" id="{AEFF81B8-54CB-1F0F-46BA-B34904AEAA0E}"/>
+                      </a:ext>
+                    </a:extLst>
+                  </p14:cNvPr>
+                  <p14:cNvContentPartPr/>
+                  <p14:nvPr/>
+                </p14:nvContentPartPr>
+                <p14:xfrm>
+                  <a:off x="9256983" y="6050994"/>
+                  <a:ext cx="258840" cy="138600"/>
+                </p14:xfrm>
+              </p:contentPart>
+            </mc:Choice>
+            <mc:Fallback xmlns="">
+              <p:pic>
+                <p:nvPicPr>
+                  <p:cNvPr id="49" name="Ink 48">
+                    <a:extLst>
+                      <a:ext uri="{FF2B5EF4-FFF2-40B4-BE49-F238E27FC236}">
+                        <a16:creationId xmlns:a16="http://schemas.microsoft.com/office/drawing/2014/main" id="{307C1319-7993-C8AD-7E84-188D824088F3}"/>
+                      </a:ext>
+                    </a:extLst>
+                  </p:cNvPr>
+                  <p:cNvPicPr/>
+                  <p:nvPr/>
+                </p:nvPicPr>
+                <p:blipFill>
+                  <a:blip r:embed="rId27"/>
+                  <a:stretch>
+                    <a:fillRect/>
+                  </a:stretch>
+                </p:blipFill>
+                <p:spPr>
+                  <a:xfrm>
+                    <a:off x="9250863" y="6044874"/>
+                    <a:ext cx="271080" cy="150840"/>
+                  </a:xfrm>
+                  <a:prstGeom prst="rect">
+                    <a:avLst/>
+                  </a:prstGeom>
+                </p:spPr>
+              </p:pic>
+            </mc:Fallback>
+          </mc:AlternateContent>
+        </p:grpSp>
+        <mc:AlternateContent xmlns:mc="http://schemas.openxmlformats.org/markup-compatibility/2006">
+          <mc:Choice xmlns:p14="http://schemas.microsoft.com/office/powerpoint/2010/main" Requires="p14">
+            <p:contentPart p14:bwMode="auto" r:id="rId28">
+              <p14:nvContentPartPr>
+                <p14:cNvPr id="33" name="Ink 50">
+                  <a:extLst>
+                    <a:ext uri="{FF2B5EF4-FFF2-40B4-BE49-F238E27FC236}">
+                      <a16:creationId xmlns:a16="http://schemas.microsoft.com/office/drawing/2014/main" id="{63578363-CDE9-186E-31BD-66A9F88DFE07}"/>
+                    </a:ext>
+                  </a:extLst>
+                </p14:cNvPr>
+                <p14:cNvContentPartPr/>
+                <p14:nvPr/>
+              </p14:nvContentPartPr>
+              <p14:xfrm>
+                <a:off x="5408630" y="5176052"/>
+                <a:ext cx="229680" cy="213120"/>
+              </p14:xfrm>
+            </p:contentPart>
+          </mc:Choice>
+          <mc:Fallback>
+            <p:pic>
+              <p:nvPicPr>
+                <p:cNvPr id="33" name="Ink 50">
+                  <a:extLst>
+                    <a:ext uri="{FF2B5EF4-FFF2-40B4-BE49-F238E27FC236}">
+                      <a16:creationId xmlns:a16="http://schemas.microsoft.com/office/drawing/2014/main" id="{63578363-CDE9-186E-31BD-66A9F88DFE07}"/>
+                    </a:ext>
+                  </a:extLst>
+                </p:cNvPr>
+                <p:cNvPicPr/>
+                <p:nvPr/>
+              </p:nvPicPr>
+              <p:blipFill>
+                <a:blip r:embed="rId29"/>
+                <a:stretch>
+                  <a:fillRect/>
+                </a:stretch>
+              </p:blipFill>
+              <p:spPr>
+                <a:xfrm>
+                  <a:off x="5402510" y="5169932"/>
+                  <a:ext cx="241920" cy="225360"/>
+                </a:xfrm>
+                <a:prstGeom prst="rect">
+                  <a:avLst/>
+                </a:prstGeom>
+              </p:spPr>
+            </p:pic>
+          </mc:Fallback>
+        </mc:AlternateContent>
+        <mc:AlternateContent xmlns:mc="http://schemas.openxmlformats.org/markup-compatibility/2006">
+          <mc:Choice xmlns:p14="http://schemas.microsoft.com/office/powerpoint/2010/main" Requires="p14">
+            <p:contentPart p14:bwMode="auto" r:id="rId30">
+              <p14:nvContentPartPr>
+                <p14:cNvPr id="34" name="Ink 53">
+                  <a:extLst>
+                    <a:ext uri="{FF2B5EF4-FFF2-40B4-BE49-F238E27FC236}">
+                      <a16:creationId xmlns:a16="http://schemas.microsoft.com/office/drawing/2014/main" id="{2ECF40B5-4354-0B07-927C-E04F73C38D14}"/>
+                    </a:ext>
+                  </a:extLst>
+                </p14:cNvPr>
+                <p14:cNvContentPartPr/>
+                <p14:nvPr/>
+              </p14:nvContentPartPr>
+              <p14:xfrm>
+                <a:off x="5097293" y="5352725"/>
+                <a:ext cx="200160" cy="231840"/>
+              </p14:xfrm>
+            </p:contentPart>
+          </mc:Choice>
+          <mc:Fallback>
+            <p:pic>
+              <p:nvPicPr>
+                <p:cNvPr id="34" name="Ink 53">
+                  <a:extLst>
+                    <a:ext uri="{FF2B5EF4-FFF2-40B4-BE49-F238E27FC236}">
+                      <a16:creationId xmlns:a16="http://schemas.microsoft.com/office/drawing/2014/main" id="{2ECF40B5-4354-0B07-927C-E04F73C38D14}"/>
+                    </a:ext>
+                  </a:extLst>
+                </p:cNvPr>
+                <p:cNvPicPr/>
+                <p:nvPr/>
+              </p:nvPicPr>
+              <p:blipFill>
+                <a:blip r:embed="rId31"/>
+                <a:stretch>
+                  <a:fillRect/>
+                </a:stretch>
+              </p:blipFill>
+              <p:spPr>
+                <a:xfrm>
+                  <a:off x="5091162" y="5346605"/>
+                  <a:ext cx="212422" cy="244080"/>
+                </a:xfrm>
+                <a:prstGeom prst="rect">
+                  <a:avLst/>
+                </a:prstGeom>
+              </p:spPr>
+            </p:pic>
+          </mc:Fallback>
+        </mc:AlternateContent>
+      </p:grpSp>
+    </p:spTree>
+    <p:extLst>
+      <p:ext uri="{BB962C8B-B14F-4D97-AF65-F5344CB8AC3E}">
+        <p14:creationId xmlns:p14="http://schemas.microsoft.com/office/powerpoint/2010/main" val="3660916764"/>
+      </p:ext>
+    </p:extLst>
+  </p:cSld>
+  <p:clrMapOvr>
+    <a:masterClrMapping/>
+  </p:clrMapOvr>
+</p:sld>
+</file>
+
+<file path=ppt/slides/slide5.xml><?xml version="1.0" encoding="utf-8"?>
+<p:sld xmlns:a="http://schemas.openxmlformats.org/drawingml/2006/main" xmlns:r="http://schemas.openxmlformats.org/officeDocument/2006/relationships" xmlns:p="http://schemas.openxmlformats.org/presentationml/2006/main">
+  <p:cSld>
+    <p:spTree>
+      <p:nvGrpSpPr>
+        <p:cNvPr id="1" name=""/>
+        <p:cNvGrpSpPr/>
+        <p:nvPr/>
+      </p:nvGrpSpPr>
+      <p:grpSpPr>
+        <a:xfrm>
+          <a:off x="0" y="0"/>
+          <a:ext cx="0" cy="0"/>
+          <a:chOff x="0" y="0"/>
+          <a:chExt cx="0" cy="0"/>
+        </a:xfrm>
+      </p:grpSpPr>
+      <p:sp>
+        <p:nvSpPr>
+          <p:cNvPr id="4" name="Title 3">
+            <a:extLst>
+              <a:ext uri="{FF2B5EF4-FFF2-40B4-BE49-F238E27FC236}">
+                <a16:creationId xmlns:a16="http://schemas.microsoft.com/office/drawing/2014/main" id="{63E607AF-4C45-EF70-7885-3B2A3ACD65BD}"/>
+              </a:ext>
+            </a:extLst>
+          </p:cNvPr>
+          <p:cNvSpPr>
+            <a:spLocks noGrp="1"/>
+          </p:cNvSpPr>
+          <p:nvPr>
+            <p:ph type="title"/>
+          </p:nvPr>
+        </p:nvSpPr>
+        <p:spPr/>
+        <p:txBody>
+          <a:bodyPr/>
+          <a:lstStyle/>
+          <a:p>
+            <a:r>
+              <a:rPr lang="en-US" dirty="0"/>
+              <a:t>Bias-Variance trade-off</a:t>
+            </a:r>
+          </a:p>
+        </p:txBody>
+      </p:sp>
+      <p:sp>
+        <p:nvSpPr>
+          <p:cNvPr id="3" name="Slide Number Placeholder 2">
+            <a:extLst>
+              <a:ext uri="{FF2B5EF4-FFF2-40B4-BE49-F238E27FC236}">
+                <a16:creationId xmlns:a16="http://schemas.microsoft.com/office/drawing/2014/main" id="{2A591F49-3458-7E90-1995-2728306046D3}"/>
+              </a:ext>
+            </a:extLst>
+          </p:cNvPr>
+          <p:cNvSpPr>
+            <a:spLocks noGrp="1"/>
+          </p:cNvSpPr>
+          <p:nvPr>
+            <p:ph type="sldNum" sz="quarter" idx="11"/>
+          </p:nvPr>
+        </p:nvSpPr>
+        <p:spPr/>
+        <p:txBody>
+          <a:bodyPr/>
+          <a:lstStyle/>
+          <a:p>
+            <a:fld id="{0365D038-E70F-B244-A1AE-4DC4A8F32122}" type="slidenum">
+              <a:rPr lang="it-IT" smtClean="0"/>
+              <a:t>5</a:t>
             </a:fld>
             <a:endParaRPr lang="it-IT" dirty="0"/>
           </a:p>
@@ -15928,7 +18263,7 @@
 </p:sld>
 </file>
 
-<file path=ppt/slides/slide5.xml><?xml version="1.0" encoding="utf-8"?>
+<file path=ppt/slides/slide6.xml><?xml version="1.0" encoding="utf-8"?>
 <p:sld xmlns:a="http://schemas.openxmlformats.org/drawingml/2006/main" xmlns:r="http://schemas.openxmlformats.org/officeDocument/2006/relationships" xmlns:p="http://schemas.openxmlformats.org/presentationml/2006/main">
   <p:cSld>
     <p:spTree>
@@ -15996,7 +18331,7 @@
           <a:p>
             <a:fld id="{0365D038-E70F-B244-A1AE-4DC4A8F32122}" type="slidenum">
               <a:rPr lang="it-IT" smtClean="0"/>
-              <a:t>5</a:t>
+              <a:t>6</a:t>
             </a:fld>
             <a:endParaRPr lang="it-IT" dirty="0"/>
           </a:p>
@@ -16239,7 +18574,7 @@
 </p:sld>
 </file>
 
-<file path=ppt/slides/slide6.xml><?xml version="1.0" encoding="utf-8"?>
+<file path=ppt/slides/slide7.xml><?xml version="1.0" encoding="utf-8"?>
 <p:sld xmlns:a="http://schemas.openxmlformats.org/drawingml/2006/main" xmlns:r="http://schemas.openxmlformats.org/officeDocument/2006/relationships" xmlns:p="http://schemas.openxmlformats.org/presentationml/2006/main">
   <p:cSld>
     <p:spTree>
@@ -16307,7 +18642,7 @@
           <a:p>
             <a:fld id="{0365D038-E70F-B244-A1AE-4DC4A8F32122}" type="slidenum">
               <a:rPr lang="it-IT" smtClean="0"/>
-              <a:t>6</a:t>
+              <a:t>7</a:t>
             </a:fld>
             <a:endParaRPr lang="it-IT" dirty="0"/>
           </a:p>
@@ -16550,7 +18885,7 @@
 </p:sld>
 </file>
 
-<file path=ppt/slides/slide7.xml><?xml version="1.0" encoding="utf-8"?>
+<file path=ppt/slides/slide8.xml><?xml version="1.0" encoding="utf-8"?>
 <p:sld xmlns:a="http://schemas.openxmlformats.org/drawingml/2006/main" xmlns:r="http://schemas.openxmlformats.org/officeDocument/2006/relationships" xmlns:p="http://schemas.openxmlformats.org/presentationml/2006/main">
   <p:cSld>
     <p:spTree>
@@ -16618,7 +18953,7 @@
           <a:p>
             <a:fld id="{0365D038-E70F-B244-A1AE-4DC4A8F32122}" type="slidenum">
               <a:rPr lang="it-IT" smtClean="0"/>
-              <a:t>7</a:t>
+              <a:t>8</a:t>
             </a:fld>
             <a:endParaRPr lang="it-IT" dirty="0"/>
           </a:p>
@@ -17163,7 +19498,7 @@
 </p:sld>
 </file>
 
-<file path=ppt/slides/slide8.xml><?xml version="1.0" encoding="utf-8"?>
+<file path=ppt/slides/slide9.xml><?xml version="1.0" encoding="utf-8"?>
 <p:sld xmlns:a="http://schemas.openxmlformats.org/drawingml/2006/main" xmlns:r="http://schemas.openxmlformats.org/officeDocument/2006/relationships" xmlns:p="http://schemas.openxmlformats.org/presentationml/2006/main">
   <p:cSld>
     <p:spTree>
@@ -17231,7 +19566,7 @@
           <a:p>
             <a:fld id="{0365D038-E70F-B244-A1AE-4DC4A8F32122}" type="slidenum">
               <a:rPr lang="it-IT" smtClean="0"/>
-              <a:t>8</a:t>
+              <a:t>9</a:t>
             </a:fld>
             <a:endParaRPr lang="it-IT" dirty="0"/>
           </a:p>
@@ -17590,517 +19925,6 @@
     <p:extLst>
       <p:ext uri="{BB962C8B-B14F-4D97-AF65-F5344CB8AC3E}">
         <p14:creationId xmlns:p14="http://schemas.microsoft.com/office/powerpoint/2010/main" val="3754987787"/>
-      </p:ext>
-    </p:extLst>
-  </p:cSld>
-  <p:clrMapOvr>
-    <a:masterClrMapping/>
-  </p:clrMapOvr>
-</p:sld>
-</file>
-
-<file path=ppt/slides/slide9.xml><?xml version="1.0" encoding="utf-8"?>
-<p:sld xmlns:a="http://schemas.openxmlformats.org/drawingml/2006/main" xmlns:r="http://schemas.openxmlformats.org/officeDocument/2006/relationships" xmlns:p="http://schemas.openxmlformats.org/presentationml/2006/main">
-  <p:cSld>
-    <p:spTree>
-      <p:nvGrpSpPr>
-        <p:cNvPr id="1" name=""/>
-        <p:cNvGrpSpPr/>
-        <p:nvPr/>
-      </p:nvGrpSpPr>
-      <p:grpSpPr>
-        <a:xfrm>
-          <a:off x="0" y="0"/>
-          <a:ext cx="0" cy="0"/>
-          <a:chOff x="0" y="0"/>
-          <a:chExt cx="0" cy="0"/>
-        </a:xfrm>
-      </p:grpSpPr>
-      <p:sp>
-        <p:nvSpPr>
-          <p:cNvPr id="4" name="Title 3">
-            <a:extLst>
-              <a:ext uri="{FF2B5EF4-FFF2-40B4-BE49-F238E27FC236}">
-                <a16:creationId xmlns:a16="http://schemas.microsoft.com/office/drawing/2014/main" id="{63E607AF-4C45-EF70-7885-3B2A3ACD65BD}"/>
-              </a:ext>
-            </a:extLst>
-          </p:cNvPr>
-          <p:cNvSpPr>
-            <a:spLocks noGrp="1"/>
-          </p:cNvSpPr>
-          <p:nvPr>
-            <p:ph type="title"/>
-          </p:nvPr>
-        </p:nvSpPr>
-        <p:spPr/>
-        <p:txBody>
-          <a:bodyPr/>
-          <a:lstStyle/>
-          <a:p>
-            <a:r>
-              <a:rPr lang="en-GB" dirty="0"/>
-              <a:t>Ensemble Classifiers in ML</a:t>
-            </a:r>
-          </a:p>
-        </p:txBody>
-      </p:sp>
-      <p:sp>
-        <p:nvSpPr>
-          <p:cNvPr id="3" name="Slide Number Placeholder 2">
-            <a:extLst>
-              <a:ext uri="{FF2B5EF4-FFF2-40B4-BE49-F238E27FC236}">
-                <a16:creationId xmlns:a16="http://schemas.microsoft.com/office/drawing/2014/main" id="{2A591F49-3458-7E90-1995-2728306046D3}"/>
-              </a:ext>
-            </a:extLst>
-          </p:cNvPr>
-          <p:cNvSpPr>
-            <a:spLocks noGrp="1"/>
-          </p:cNvSpPr>
-          <p:nvPr>
-            <p:ph type="sldNum" sz="quarter" idx="11"/>
-          </p:nvPr>
-        </p:nvSpPr>
-        <p:spPr/>
-        <p:txBody>
-          <a:bodyPr/>
-          <a:lstStyle/>
-          <a:p>
-            <a:fld id="{0365D038-E70F-B244-A1AE-4DC4A8F32122}" type="slidenum">
-              <a:rPr lang="it-IT" smtClean="0"/>
-              <a:t>9</a:t>
-            </a:fld>
-            <a:endParaRPr lang="it-IT" dirty="0"/>
-          </a:p>
-        </p:txBody>
-      </p:sp>
-      <p:sp>
-        <p:nvSpPr>
-          <p:cNvPr id="20" name="object 18">
-            <a:extLst>
-              <a:ext uri="{FF2B5EF4-FFF2-40B4-BE49-F238E27FC236}">
-                <a16:creationId xmlns:a16="http://schemas.microsoft.com/office/drawing/2014/main" id="{3D51F4A2-E485-7F59-7A1A-642571700484}"/>
-              </a:ext>
-            </a:extLst>
-          </p:cNvPr>
-          <p:cNvSpPr txBox="1"/>
-          <p:nvPr/>
-        </p:nvSpPr>
-        <p:spPr>
-          <a:xfrm>
-            <a:off x="3161999" y="6054190"/>
-            <a:ext cx="5868000" cy="230400"/>
-          </a:xfrm>
-          <a:prstGeom prst="rect">
-            <a:avLst/>
-          </a:prstGeom>
-          <a:ln>
-            <a:solidFill>
-              <a:schemeClr val="tx1"/>
-            </a:solidFill>
-          </a:ln>
-        </p:spPr>
-        <p:txBody>
-          <a:bodyPr vert="horz" wrap="square" lIns="0" tIns="12700" rIns="0" bIns="0" rtlCol="0">
-            <a:spAutoFit/>
-          </a:bodyPr>
-          <a:lstStyle/>
-          <a:p>
-            <a:pPr marL="12700">
-              <a:lnSpc>
-                <a:spcPct val="100000"/>
-              </a:lnSpc>
-              <a:spcBef>
-                <a:spcPts val="100"/>
-              </a:spcBef>
-            </a:pPr>
-            <a:r>
-              <a:rPr lang="en-GB" sz="1400" spc="-5" dirty="0">
-                <a:solidFill>
-                  <a:srgbClr val="202729"/>
-                </a:solidFill>
-                <a:latin typeface="Calibri"/>
-                <a:cs typeface="Calibri"/>
-              </a:rPr>
-              <a:t>Y. Freund &amp; R. </a:t>
-            </a:r>
-            <a:r>
-              <a:rPr lang="en-GB" sz="1400" spc="-5" dirty="0" err="1">
-                <a:solidFill>
-                  <a:srgbClr val="202729"/>
-                </a:solidFill>
-                <a:latin typeface="Calibri"/>
-                <a:cs typeface="Calibri"/>
-              </a:rPr>
-              <a:t>Schapire</a:t>
-            </a:r>
-            <a:r>
-              <a:rPr lang="en-GB" sz="1400" spc="-5" dirty="0">
-                <a:solidFill>
-                  <a:srgbClr val="202729"/>
-                </a:solidFill>
-                <a:latin typeface="Calibri"/>
-                <a:cs typeface="Calibri"/>
-              </a:rPr>
-              <a:t>. </a:t>
-            </a:r>
-            <a:r>
-              <a:rPr lang="en-GB" sz="1400" b="1" spc="-5" dirty="0">
-                <a:solidFill>
-                  <a:srgbClr val="202729"/>
-                </a:solidFill>
-                <a:latin typeface="Calibri"/>
-                <a:cs typeface="Calibri"/>
-              </a:rPr>
-              <a:t>Experiments with a new boosting algorithm</a:t>
-            </a:r>
-            <a:r>
-              <a:rPr lang="en-GB" sz="1400" spc="-5" dirty="0">
-                <a:solidFill>
-                  <a:srgbClr val="202729"/>
-                </a:solidFill>
-                <a:latin typeface="Calibri"/>
-                <a:cs typeface="Calibri"/>
-              </a:rPr>
-              <a:t>. ICML, 1996</a:t>
-            </a:r>
-          </a:p>
-          <a:p>
-            <a:pPr marL="12700">
-              <a:lnSpc>
-                <a:spcPct val="100000"/>
-              </a:lnSpc>
-              <a:spcBef>
-                <a:spcPts val="100"/>
-              </a:spcBef>
-            </a:pPr>
-            <a:endParaRPr lang="en-GB" sz="1400" spc="-5" dirty="0">
-              <a:solidFill>
-                <a:srgbClr val="202729"/>
-              </a:solidFill>
-              <a:latin typeface="Calibri"/>
-              <a:cs typeface="Calibri"/>
-            </a:endParaRPr>
-          </a:p>
-        </p:txBody>
-      </p:sp>
-      <p:sp>
-        <p:nvSpPr>
-          <p:cNvPr id="5" name="Footer Placeholder 1">
-            <a:extLst>
-              <a:ext uri="{FF2B5EF4-FFF2-40B4-BE49-F238E27FC236}">
-                <a16:creationId xmlns:a16="http://schemas.microsoft.com/office/drawing/2014/main" id="{77907C65-A885-1D9E-9D5C-D8112CF0F4E6}"/>
-              </a:ext>
-            </a:extLst>
-          </p:cNvPr>
-          <p:cNvSpPr>
-            <a:spLocks noGrp="1"/>
-          </p:cNvSpPr>
-          <p:nvPr>
-            <p:ph type="ftr" sz="quarter" idx="10"/>
-          </p:nvPr>
-        </p:nvSpPr>
-        <p:spPr>
-          <a:xfrm>
-            <a:off x="3270173" y="6356350"/>
-            <a:ext cx="5651653" cy="365125"/>
-          </a:xfrm>
-        </p:spPr>
-        <p:txBody>
-          <a:bodyPr/>
-          <a:lstStyle/>
-          <a:p>
-            <a:r>
-              <a:rPr lang="it-IT" dirty="0"/>
-              <a:t>Alessio Bernardo - alessio.bernardo@polimi.it</a:t>
-            </a:r>
-          </a:p>
-        </p:txBody>
-      </p:sp>
-      <p:sp>
-        <p:nvSpPr>
-          <p:cNvPr id="6" name="object 3">
-            <a:extLst>
-              <a:ext uri="{FF2B5EF4-FFF2-40B4-BE49-F238E27FC236}">
-                <a16:creationId xmlns:a16="http://schemas.microsoft.com/office/drawing/2014/main" id="{B0F2DFBA-80FE-5865-ADEF-A6D54FFAB446}"/>
-              </a:ext>
-            </a:extLst>
-          </p:cNvPr>
-          <p:cNvSpPr txBox="1"/>
-          <p:nvPr/>
-        </p:nvSpPr>
-        <p:spPr>
-          <a:xfrm>
-            <a:off x="950555" y="1397681"/>
-            <a:ext cx="10403244" cy="4496103"/>
-          </a:xfrm>
-          <a:prstGeom prst="rect">
-            <a:avLst/>
-          </a:prstGeom>
-        </p:spPr>
-        <p:txBody>
-          <a:bodyPr vert="horz" wrap="square" lIns="0" tIns="12700" rIns="0" bIns="0" rtlCol="0">
-            <a:spAutoFit/>
-          </a:bodyPr>
-          <a:lstStyle/>
-          <a:p>
-            <a:pPr marL="12700">
-              <a:lnSpc>
-                <a:spcPct val="100000"/>
-              </a:lnSpc>
-              <a:spcBef>
-                <a:spcPts val="100"/>
-              </a:spcBef>
-              <a:buSzPct val="75000"/>
-              <a:tabLst>
-                <a:tab pos="354965" algn="l"/>
-                <a:tab pos="355600" algn="l"/>
-              </a:tabLst>
-            </a:pPr>
-            <a:r>
-              <a:rPr lang="en-GB" sz="2800" b="1" spc="-5" dirty="0">
-                <a:solidFill>
-                  <a:srgbClr val="C00000"/>
-                </a:solidFill>
-                <a:cs typeface="Calibri"/>
-              </a:rPr>
-              <a:t>Boosting</a:t>
-            </a:r>
-            <a:br>
-              <a:rPr lang="en-GB" sz="2800" b="1" spc="-5" dirty="0">
-                <a:solidFill>
-                  <a:srgbClr val="C00000"/>
-                </a:solidFill>
-                <a:cs typeface="Calibri"/>
-              </a:rPr>
-            </a:br>
-            <a:endParaRPr lang="en-GB" sz="2800" b="1" spc="-5" dirty="0">
-              <a:solidFill>
-                <a:srgbClr val="C00000"/>
-              </a:solidFill>
-              <a:cs typeface="Calibri"/>
-            </a:endParaRPr>
-          </a:p>
-          <a:p>
-            <a:pPr marL="355600" indent="-342900">
-              <a:lnSpc>
-                <a:spcPct val="100000"/>
-              </a:lnSpc>
-              <a:spcBef>
-                <a:spcPts val="100"/>
-              </a:spcBef>
-              <a:buSzPct val="75000"/>
-              <a:buFont typeface="Arial" panose="020B0604020202020204" pitchFamily="34" charset="0"/>
-              <a:buChar char="•"/>
-              <a:tabLst>
-                <a:tab pos="354965" algn="l"/>
-                <a:tab pos="355600" algn="l"/>
-              </a:tabLst>
-            </a:pPr>
-            <a:r>
-              <a:rPr lang="en-GB" sz="2600" b="1" spc="-5" dirty="0">
-                <a:cs typeface="Calibri"/>
-              </a:rPr>
-              <a:t>Sequential</a:t>
-            </a:r>
-            <a:r>
-              <a:rPr lang="en-GB" sz="2600" spc="-5" dirty="0">
-                <a:cs typeface="Calibri"/>
-              </a:rPr>
-              <a:t> method that combines weak models </a:t>
-            </a:r>
-            <a:r>
-              <a:rPr lang="en-GB" sz="2600" b="1" spc="-5" dirty="0">
-                <a:cs typeface="Calibri"/>
-              </a:rPr>
-              <a:t>no longer </a:t>
-            </a:r>
-            <a:r>
-              <a:rPr lang="en-GB" sz="2600" spc="-5" dirty="0">
-                <a:cs typeface="Calibri"/>
-              </a:rPr>
-              <a:t>fitted </a:t>
-            </a:r>
-            <a:r>
-              <a:rPr lang="en-GB" sz="2600" b="1" spc="-5" dirty="0">
-                <a:cs typeface="Calibri"/>
-              </a:rPr>
-              <a:t>independently</a:t>
-            </a:r>
-            <a:r>
-              <a:rPr lang="en-GB" sz="2600" spc="-5" dirty="0">
-                <a:cs typeface="Calibri"/>
-              </a:rPr>
-              <a:t> from each others. </a:t>
-            </a:r>
-          </a:p>
-          <a:p>
-            <a:pPr marL="355600" indent="-342900">
-              <a:lnSpc>
-                <a:spcPct val="100000"/>
-              </a:lnSpc>
-              <a:spcBef>
-                <a:spcPts val="100"/>
-              </a:spcBef>
-              <a:buSzPct val="75000"/>
-              <a:buFont typeface="Arial" panose="020B0604020202020204" pitchFamily="34" charset="0"/>
-              <a:buChar char="•"/>
-              <a:tabLst>
-                <a:tab pos="354965" algn="l"/>
-                <a:tab pos="355600" algn="l"/>
-              </a:tabLst>
-            </a:pPr>
-            <a:r>
-              <a:rPr lang="en-GB" sz="2600" spc="-5" dirty="0">
-                <a:cs typeface="Calibri"/>
-              </a:rPr>
-              <a:t>It fits models </a:t>
-            </a:r>
-            <a:r>
-              <a:rPr lang="en-GB" sz="2600" b="1" spc="-5" dirty="0">
-                <a:cs typeface="Calibri"/>
-              </a:rPr>
-              <a:t>iteratively</a:t>
-            </a:r>
-            <a:r>
-              <a:rPr lang="en-GB" sz="2600" spc="-5" dirty="0">
-                <a:cs typeface="Calibri"/>
-              </a:rPr>
-              <a:t> such that the training of model at a given </a:t>
-            </a:r>
-            <a:r>
-              <a:rPr lang="en-GB" sz="2600" b="1" spc="-5" dirty="0">
-                <a:cs typeface="Calibri"/>
-              </a:rPr>
-              <a:t>step</a:t>
-            </a:r>
-            <a:r>
-              <a:rPr lang="en-GB" sz="2600" spc="-5" dirty="0">
-                <a:cs typeface="Calibri"/>
-              </a:rPr>
-              <a:t> </a:t>
-            </a:r>
-            <a:r>
-              <a:rPr lang="en-GB" sz="2600" b="1" spc="-5" dirty="0">
-                <a:cs typeface="Calibri"/>
-              </a:rPr>
-              <a:t>depends</a:t>
-            </a:r>
-            <a:r>
-              <a:rPr lang="en-GB" sz="2600" spc="-5" dirty="0">
-                <a:cs typeface="Calibri"/>
-              </a:rPr>
-              <a:t> on the models fitted at the </a:t>
-            </a:r>
-            <a:r>
-              <a:rPr lang="en-GB" sz="2600" b="1" spc="-5" dirty="0">
-                <a:cs typeface="Calibri"/>
-              </a:rPr>
-              <a:t>previous steps</a:t>
-            </a:r>
-            <a:r>
-              <a:rPr lang="en-GB" sz="2600" spc="-5" dirty="0">
-                <a:cs typeface="Calibri"/>
-              </a:rPr>
-              <a:t>: it gives </a:t>
-            </a:r>
-            <a:r>
-              <a:rPr lang="en-GB" sz="2600" b="1" spc="-5" dirty="0">
-                <a:cs typeface="Calibri"/>
-              </a:rPr>
-              <a:t>more importance</a:t>
-            </a:r>
-            <a:r>
-              <a:rPr lang="en-GB" sz="2600" spc="-5" dirty="0">
-                <a:cs typeface="Calibri"/>
-              </a:rPr>
-              <a:t> to observations in the dataset that were </a:t>
-            </a:r>
-            <a:r>
-              <a:rPr lang="en-GB" sz="2600" b="1" spc="-5" dirty="0">
-                <a:cs typeface="Calibri"/>
-              </a:rPr>
-              <a:t>badly handled </a:t>
-            </a:r>
-            <a:r>
-              <a:rPr lang="en-GB" sz="2600" spc="-5" dirty="0">
-                <a:cs typeface="Calibri"/>
-              </a:rPr>
-              <a:t>by the </a:t>
-            </a:r>
-            <a:r>
-              <a:rPr lang="en-GB" sz="2600" b="1" spc="-5" dirty="0">
-                <a:cs typeface="Calibri"/>
-              </a:rPr>
-              <a:t>previous</a:t>
-            </a:r>
-            <a:r>
-              <a:rPr lang="en-GB" sz="2600" spc="-5" dirty="0">
-                <a:cs typeface="Calibri"/>
-              </a:rPr>
-              <a:t> models in the sequence.</a:t>
-            </a:r>
-          </a:p>
-          <a:p>
-            <a:pPr marL="355600" indent="-342900">
-              <a:lnSpc>
-                <a:spcPct val="100000"/>
-              </a:lnSpc>
-              <a:spcBef>
-                <a:spcPts val="100"/>
-              </a:spcBef>
-              <a:buSzPct val="75000"/>
-              <a:buFont typeface="Arial" panose="020B0604020202020204" pitchFamily="34" charset="0"/>
-              <a:buChar char="•"/>
-              <a:tabLst>
-                <a:tab pos="354965" algn="l"/>
-                <a:tab pos="355600" algn="l"/>
-              </a:tabLst>
-            </a:pPr>
-            <a:r>
-              <a:rPr lang="en-GB" sz="2600" spc="-5" dirty="0">
-                <a:cs typeface="Calibri"/>
-              </a:rPr>
-              <a:t>It produces an ensemble model that is in general </a:t>
-            </a:r>
-            <a:r>
-              <a:rPr lang="en-GB" sz="2600" b="1" spc="-5" dirty="0">
-                <a:cs typeface="Calibri"/>
-              </a:rPr>
-              <a:t>less biased </a:t>
-            </a:r>
-            <a:r>
-              <a:rPr lang="en-GB" sz="2600" spc="-5" dirty="0">
-                <a:cs typeface="Calibri"/>
-              </a:rPr>
-              <a:t>than the weak learners that compose it.</a:t>
-            </a:r>
-          </a:p>
-          <a:p>
-            <a:pPr marL="355600" indent="-342900">
-              <a:lnSpc>
-                <a:spcPct val="100000"/>
-              </a:lnSpc>
-              <a:spcBef>
-                <a:spcPts val="100"/>
-              </a:spcBef>
-              <a:buSzPct val="75000"/>
-              <a:buFont typeface="Arial" panose="020B0604020202020204" pitchFamily="34" charset="0"/>
-              <a:buChar char="•"/>
-              <a:tabLst>
-                <a:tab pos="354965" algn="l"/>
-                <a:tab pos="355600" algn="l"/>
-              </a:tabLst>
-            </a:pPr>
-            <a:endParaRPr lang="en-GB" sz="2400" spc="-5" dirty="0">
-              <a:cs typeface="Calibri"/>
-            </a:endParaRPr>
-          </a:p>
-        </p:txBody>
-      </p:sp>
-    </p:spTree>
-    <p:extLst>
-      <p:ext uri="{BB962C8B-B14F-4D97-AF65-F5344CB8AC3E}">
-        <p14:creationId xmlns:p14="http://schemas.microsoft.com/office/powerpoint/2010/main" val="3449519672"/>
       </p:ext>
     </p:extLst>
   </p:cSld>
